--- a/NOV/img/images.pptx
+++ b/NOV/img/images.pptx
@@ -6,6 +6,7 @@
   </p:sldMasterIdLst>
   <p:sldIdLst>
     <p:sldId id="256" r:id="rId2"/>
+    <p:sldId id="257" r:id="rId3"/>
   </p:sldIdLst>
   <p:sldSz cx="12192000" cy="6858000"/>
   <p:notesSz cx="6858000" cy="9144000"/>
@@ -104,7 +105,4148 @@
       </a:defRPr>
     </a:lvl9pPr>
   </p:defaultTextStyle>
+  <p:extLst>
+    <p:ext uri="{EFAFB233-063F-42B5-8137-9DF3F51BA10A}">
+      <p15:sldGuideLst xmlns:p15="http://schemas.microsoft.com/office/powerpoint/2012/main"/>
+    </p:ext>
+  </p:extLst>
 </p:presentation>
+</file>
+
+<file path=ppt/diagrams/colors1.xml><?xml version="1.0" encoding="utf-8"?>
+<dgm:colorsDef xmlns:dgm="http://schemas.openxmlformats.org/drawingml/2006/diagram" xmlns:a="http://schemas.openxmlformats.org/drawingml/2006/main" uniqueId="urn:microsoft.com/office/officeart/2005/8/colors/accent1_2">
+  <dgm:title val=""/>
+  <dgm:desc val=""/>
+  <dgm:catLst>
+    <dgm:cat type="accent1" pri="11200"/>
+  </dgm:catLst>
+  <dgm:styleLbl name="node0">
+    <dgm:fillClrLst meth="repeat">
+      <a:schemeClr val="accent1"/>
+    </dgm:fillClrLst>
+    <dgm:linClrLst meth="repeat">
+      <a:schemeClr val="lt1"/>
+    </dgm:linClrLst>
+    <dgm:effectClrLst/>
+    <dgm:txLinClrLst/>
+    <dgm:txFillClrLst/>
+    <dgm:txEffectClrLst/>
+  </dgm:styleLbl>
+  <dgm:styleLbl name="alignNode1">
+    <dgm:fillClrLst meth="repeat">
+      <a:schemeClr val="accent1"/>
+    </dgm:fillClrLst>
+    <dgm:linClrLst meth="repeat">
+      <a:schemeClr val="accent1"/>
+    </dgm:linClrLst>
+    <dgm:effectClrLst/>
+    <dgm:txLinClrLst/>
+    <dgm:txFillClrLst/>
+    <dgm:txEffectClrLst/>
+  </dgm:styleLbl>
+  <dgm:styleLbl name="node1">
+    <dgm:fillClrLst meth="repeat">
+      <a:schemeClr val="accent1"/>
+    </dgm:fillClrLst>
+    <dgm:linClrLst meth="repeat">
+      <a:schemeClr val="lt1"/>
+    </dgm:linClrLst>
+    <dgm:effectClrLst/>
+    <dgm:txLinClrLst/>
+    <dgm:txFillClrLst/>
+    <dgm:txEffectClrLst/>
+  </dgm:styleLbl>
+  <dgm:styleLbl name="lnNode1">
+    <dgm:fillClrLst meth="repeat">
+      <a:schemeClr val="accent1"/>
+    </dgm:fillClrLst>
+    <dgm:linClrLst meth="repeat">
+      <a:schemeClr val="lt1"/>
+    </dgm:linClrLst>
+    <dgm:effectClrLst/>
+    <dgm:txLinClrLst/>
+    <dgm:txFillClrLst/>
+    <dgm:txEffectClrLst/>
+  </dgm:styleLbl>
+  <dgm:styleLbl name="vennNode1">
+    <dgm:fillClrLst meth="repeat">
+      <a:schemeClr val="accent1">
+        <a:alpha val="50000"/>
+      </a:schemeClr>
+    </dgm:fillClrLst>
+    <dgm:linClrLst meth="repeat">
+      <a:schemeClr val="lt1"/>
+    </dgm:linClrLst>
+    <dgm:effectClrLst/>
+    <dgm:txLinClrLst/>
+    <dgm:txFillClrLst/>
+    <dgm:txEffectClrLst/>
+  </dgm:styleLbl>
+  <dgm:styleLbl name="node2">
+    <dgm:fillClrLst meth="repeat">
+      <a:schemeClr val="accent1"/>
+    </dgm:fillClrLst>
+    <dgm:linClrLst meth="repeat">
+      <a:schemeClr val="lt1"/>
+    </dgm:linClrLst>
+    <dgm:effectClrLst/>
+    <dgm:txLinClrLst/>
+    <dgm:txFillClrLst/>
+    <dgm:txEffectClrLst/>
+  </dgm:styleLbl>
+  <dgm:styleLbl name="node3">
+    <dgm:fillClrLst meth="repeat">
+      <a:schemeClr val="accent1"/>
+    </dgm:fillClrLst>
+    <dgm:linClrLst meth="repeat">
+      <a:schemeClr val="lt1"/>
+    </dgm:linClrLst>
+    <dgm:effectClrLst/>
+    <dgm:txLinClrLst/>
+    <dgm:txFillClrLst/>
+    <dgm:txEffectClrLst/>
+  </dgm:styleLbl>
+  <dgm:styleLbl name="node4">
+    <dgm:fillClrLst meth="repeat">
+      <a:schemeClr val="accent1"/>
+    </dgm:fillClrLst>
+    <dgm:linClrLst meth="repeat">
+      <a:schemeClr val="lt1"/>
+    </dgm:linClrLst>
+    <dgm:effectClrLst/>
+    <dgm:txLinClrLst/>
+    <dgm:txFillClrLst/>
+    <dgm:txEffectClrLst/>
+  </dgm:styleLbl>
+  <dgm:styleLbl name="fgImgPlace1">
+    <dgm:fillClrLst meth="repeat">
+      <a:schemeClr val="accent1">
+        <a:tint val="50000"/>
+      </a:schemeClr>
+    </dgm:fillClrLst>
+    <dgm:linClrLst meth="repeat">
+      <a:schemeClr val="lt1"/>
+    </dgm:linClrLst>
+    <dgm:effectClrLst/>
+    <dgm:txLinClrLst/>
+    <dgm:txFillClrLst meth="repeat">
+      <a:schemeClr val="lt1"/>
+    </dgm:txFillClrLst>
+    <dgm:txEffectClrLst/>
+  </dgm:styleLbl>
+  <dgm:styleLbl name="alignImgPlace1">
+    <dgm:fillClrLst meth="repeat">
+      <a:schemeClr val="accent1">
+        <a:tint val="50000"/>
+      </a:schemeClr>
+    </dgm:fillClrLst>
+    <dgm:linClrLst meth="repeat">
+      <a:schemeClr val="lt1"/>
+    </dgm:linClrLst>
+    <dgm:effectClrLst/>
+    <dgm:txLinClrLst/>
+    <dgm:txFillClrLst meth="repeat">
+      <a:schemeClr val="lt1"/>
+    </dgm:txFillClrLst>
+    <dgm:txEffectClrLst/>
+  </dgm:styleLbl>
+  <dgm:styleLbl name="bgImgPlace1">
+    <dgm:fillClrLst meth="repeat">
+      <a:schemeClr val="accent1">
+        <a:tint val="50000"/>
+      </a:schemeClr>
+    </dgm:fillClrLst>
+    <dgm:linClrLst meth="repeat">
+      <a:schemeClr val="lt1"/>
+    </dgm:linClrLst>
+    <dgm:effectClrLst/>
+    <dgm:txLinClrLst/>
+    <dgm:txFillClrLst meth="repeat">
+      <a:schemeClr val="lt1"/>
+    </dgm:txFillClrLst>
+    <dgm:txEffectClrLst/>
+  </dgm:styleLbl>
+  <dgm:styleLbl name="sibTrans2D1">
+    <dgm:fillClrLst meth="repeat">
+      <a:schemeClr val="accent1">
+        <a:tint val="60000"/>
+      </a:schemeClr>
+    </dgm:fillClrLst>
+    <dgm:linClrLst meth="repeat">
+      <a:schemeClr val="accent1">
+        <a:tint val="60000"/>
+      </a:schemeClr>
+    </dgm:linClrLst>
+    <dgm:effectClrLst/>
+    <dgm:txLinClrLst/>
+    <dgm:txFillClrLst/>
+    <dgm:txEffectClrLst/>
+  </dgm:styleLbl>
+  <dgm:styleLbl name="fgSibTrans2D1">
+    <dgm:fillClrLst meth="repeat">
+      <a:schemeClr val="accent1">
+        <a:tint val="60000"/>
+      </a:schemeClr>
+    </dgm:fillClrLst>
+    <dgm:linClrLst meth="repeat">
+      <a:schemeClr val="accent1">
+        <a:tint val="60000"/>
+      </a:schemeClr>
+    </dgm:linClrLst>
+    <dgm:effectClrLst/>
+    <dgm:txLinClrLst/>
+    <dgm:txFillClrLst/>
+    <dgm:txEffectClrLst/>
+  </dgm:styleLbl>
+  <dgm:styleLbl name="bgSibTrans2D1">
+    <dgm:fillClrLst meth="repeat">
+      <a:schemeClr val="accent1">
+        <a:tint val="60000"/>
+      </a:schemeClr>
+    </dgm:fillClrLst>
+    <dgm:linClrLst meth="repeat">
+      <a:schemeClr val="accent1">
+        <a:tint val="60000"/>
+      </a:schemeClr>
+    </dgm:linClrLst>
+    <dgm:effectClrLst/>
+    <dgm:txLinClrLst/>
+    <dgm:txFillClrLst/>
+    <dgm:txEffectClrLst/>
+  </dgm:styleLbl>
+  <dgm:styleLbl name="sibTrans1D1">
+    <dgm:fillClrLst meth="repeat">
+      <a:schemeClr val="accent1"/>
+    </dgm:fillClrLst>
+    <dgm:linClrLst meth="repeat">
+      <a:schemeClr val="accent1"/>
+    </dgm:linClrLst>
+    <dgm:effectClrLst/>
+    <dgm:txLinClrLst/>
+    <dgm:txFillClrLst meth="repeat">
+      <a:schemeClr val="tx1"/>
+    </dgm:txFillClrLst>
+    <dgm:txEffectClrLst/>
+  </dgm:styleLbl>
+  <dgm:styleLbl name="callout">
+    <dgm:fillClrLst meth="repeat">
+      <a:schemeClr val="accent1"/>
+    </dgm:fillClrLst>
+    <dgm:linClrLst meth="repeat">
+      <a:schemeClr val="accent1">
+        <a:tint val="50000"/>
+      </a:schemeClr>
+    </dgm:linClrLst>
+    <dgm:effectClrLst/>
+    <dgm:txLinClrLst/>
+    <dgm:txFillClrLst meth="repeat">
+      <a:schemeClr val="tx1"/>
+    </dgm:txFillClrLst>
+    <dgm:txEffectClrLst/>
+  </dgm:styleLbl>
+  <dgm:styleLbl name="asst0">
+    <dgm:fillClrLst meth="repeat">
+      <a:schemeClr val="accent1"/>
+    </dgm:fillClrLst>
+    <dgm:linClrLst meth="repeat">
+      <a:schemeClr val="lt1"/>
+    </dgm:linClrLst>
+    <dgm:effectClrLst/>
+    <dgm:txLinClrLst/>
+    <dgm:txFillClrLst/>
+    <dgm:txEffectClrLst/>
+  </dgm:styleLbl>
+  <dgm:styleLbl name="asst1">
+    <dgm:fillClrLst meth="repeat">
+      <a:schemeClr val="accent1"/>
+    </dgm:fillClrLst>
+    <dgm:linClrLst meth="repeat">
+      <a:schemeClr val="lt1"/>
+    </dgm:linClrLst>
+    <dgm:effectClrLst/>
+    <dgm:txLinClrLst/>
+    <dgm:txFillClrLst/>
+    <dgm:txEffectClrLst/>
+  </dgm:styleLbl>
+  <dgm:styleLbl name="asst2">
+    <dgm:fillClrLst meth="repeat">
+      <a:schemeClr val="accent1"/>
+    </dgm:fillClrLst>
+    <dgm:linClrLst meth="repeat">
+      <a:schemeClr val="lt1"/>
+    </dgm:linClrLst>
+    <dgm:effectClrLst/>
+    <dgm:txLinClrLst/>
+    <dgm:txFillClrLst/>
+    <dgm:txEffectClrLst/>
+  </dgm:styleLbl>
+  <dgm:styleLbl name="asst3">
+    <dgm:fillClrLst meth="repeat">
+      <a:schemeClr val="accent1"/>
+    </dgm:fillClrLst>
+    <dgm:linClrLst meth="repeat">
+      <a:schemeClr val="lt1"/>
+    </dgm:linClrLst>
+    <dgm:effectClrLst/>
+    <dgm:txLinClrLst/>
+    <dgm:txFillClrLst/>
+    <dgm:txEffectClrLst/>
+  </dgm:styleLbl>
+  <dgm:styleLbl name="asst4">
+    <dgm:fillClrLst meth="repeat">
+      <a:schemeClr val="accent1"/>
+    </dgm:fillClrLst>
+    <dgm:linClrLst meth="repeat">
+      <a:schemeClr val="lt1"/>
+    </dgm:linClrLst>
+    <dgm:effectClrLst/>
+    <dgm:txLinClrLst/>
+    <dgm:txFillClrLst/>
+    <dgm:txEffectClrLst/>
+  </dgm:styleLbl>
+  <dgm:styleLbl name="parChTrans2D1">
+    <dgm:fillClrLst meth="repeat">
+      <a:schemeClr val="accent1">
+        <a:tint val="60000"/>
+      </a:schemeClr>
+    </dgm:fillClrLst>
+    <dgm:linClrLst meth="repeat">
+      <a:schemeClr val="accent1">
+        <a:tint val="60000"/>
+      </a:schemeClr>
+    </dgm:linClrLst>
+    <dgm:effectClrLst/>
+    <dgm:txLinClrLst/>
+    <dgm:txFillClrLst meth="repeat">
+      <a:schemeClr val="lt1"/>
+    </dgm:txFillClrLst>
+    <dgm:txEffectClrLst/>
+  </dgm:styleLbl>
+  <dgm:styleLbl name="parChTrans2D2">
+    <dgm:fillClrLst meth="repeat">
+      <a:schemeClr val="accent1"/>
+    </dgm:fillClrLst>
+    <dgm:linClrLst meth="repeat">
+      <a:schemeClr val="accent1"/>
+    </dgm:linClrLst>
+    <dgm:effectClrLst/>
+    <dgm:txLinClrLst/>
+    <dgm:txFillClrLst meth="repeat">
+      <a:schemeClr val="lt1"/>
+    </dgm:txFillClrLst>
+    <dgm:txEffectClrLst/>
+  </dgm:styleLbl>
+  <dgm:styleLbl name="parChTrans2D3">
+    <dgm:fillClrLst meth="repeat">
+      <a:schemeClr val="accent1"/>
+    </dgm:fillClrLst>
+    <dgm:linClrLst meth="repeat">
+      <a:schemeClr val="accent1"/>
+    </dgm:linClrLst>
+    <dgm:effectClrLst/>
+    <dgm:txLinClrLst/>
+    <dgm:txFillClrLst meth="repeat">
+      <a:schemeClr val="lt1"/>
+    </dgm:txFillClrLst>
+    <dgm:txEffectClrLst/>
+  </dgm:styleLbl>
+  <dgm:styleLbl name="parChTrans2D4">
+    <dgm:fillClrLst meth="repeat">
+      <a:schemeClr val="accent1"/>
+    </dgm:fillClrLst>
+    <dgm:linClrLst meth="repeat">
+      <a:schemeClr val="accent1"/>
+    </dgm:linClrLst>
+    <dgm:effectClrLst/>
+    <dgm:txLinClrLst/>
+    <dgm:txFillClrLst meth="repeat">
+      <a:schemeClr val="lt1"/>
+    </dgm:txFillClrLst>
+    <dgm:txEffectClrLst/>
+  </dgm:styleLbl>
+  <dgm:styleLbl name="parChTrans1D1">
+    <dgm:fillClrLst meth="repeat">
+      <a:schemeClr val="accent1"/>
+    </dgm:fillClrLst>
+    <dgm:linClrLst meth="repeat">
+      <a:schemeClr val="accent1">
+        <a:shade val="60000"/>
+      </a:schemeClr>
+    </dgm:linClrLst>
+    <dgm:effectClrLst/>
+    <dgm:txLinClrLst/>
+    <dgm:txFillClrLst meth="repeat">
+      <a:schemeClr val="tx1"/>
+    </dgm:txFillClrLst>
+    <dgm:txEffectClrLst/>
+  </dgm:styleLbl>
+  <dgm:styleLbl name="parChTrans1D2">
+    <dgm:fillClrLst meth="repeat">
+      <a:schemeClr val="accent1"/>
+    </dgm:fillClrLst>
+    <dgm:linClrLst meth="repeat">
+      <a:schemeClr val="accent1">
+        <a:shade val="60000"/>
+      </a:schemeClr>
+    </dgm:linClrLst>
+    <dgm:effectClrLst/>
+    <dgm:txLinClrLst/>
+    <dgm:txFillClrLst meth="repeat">
+      <a:schemeClr val="tx1"/>
+    </dgm:txFillClrLst>
+    <dgm:txEffectClrLst/>
+  </dgm:styleLbl>
+  <dgm:styleLbl name="parChTrans1D3">
+    <dgm:fillClrLst meth="repeat">
+      <a:schemeClr val="accent1"/>
+    </dgm:fillClrLst>
+    <dgm:linClrLst meth="repeat">
+      <a:schemeClr val="accent1">
+        <a:shade val="80000"/>
+      </a:schemeClr>
+    </dgm:linClrLst>
+    <dgm:effectClrLst/>
+    <dgm:txLinClrLst/>
+    <dgm:txFillClrLst meth="repeat">
+      <a:schemeClr val="tx1"/>
+    </dgm:txFillClrLst>
+    <dgm:txEffectClrLst/>
+  </dgm:styleLbl>
+  <dgm:styleLbl name="parChTrans1D4">
+    <dgm:fillClrLst meth="repeat">
+      <a:schemeClr val="accent1"/>
+    </dgm:fillClrLst>
+    <dgm:linClrLst meth="repeat">
+      <a:schemeClr val="accent1">
+        <a:shade val="80000"/>
+      </a:schemeClr>
+    </dgm:linClrLst>
+    <dgm:effectClrLst/>
+    <dgm:txLinClrLst/>
+    <dgm:txFillClrLst meth="repeat">
+      <a:schemeClr val="tx1"/>
+    </dgm:txFillClrLst>
+    <dgm:txEffectClrLst/>
+  </dgm:styleLbl>
+  <dgm:styleLbl name="fgAcc1">
+    <dgm:fillClrLst meth="repeat">
+      <a:schemeClr val="lt1">
+        <a:alpha val="90000"/>
+      </a:schemeClr>
+    </dgm:fillClrLst>
+    <dgm:linClrLst meth="repeat">
+      <a:schemeClr val="accent1"/>
+    </dgm:linClrLst>
+    <dgm:effectClrLst/>
+    <dgm:txLinClrLst/>
+    <dgm:txFillClrLst meth="repeat">
+      <a:schemeClr val="dk1"/>
+    </dgm:txFillClrLst>
+    <dgm:txEffectClrLst/>
+  </dgm:styleLbl>
+  <dgm:styleLbl name="conFgAcc1">
+    <dgm:fillClrLst meth="repeat">
+      <a:schemeClr val="lt1">
+        <a:alpha val="90000"/>
+      </a:schemeClr>
+    </dgm:fillClrLst>
+    <dgm:linClrLst meth="repeat">
+      <a:schemeClr val="accent1"/>
+    </dgm:linClrLst>
+    <dgm:effectClrLst/>
+    <dgm:txLinClrLst/>
+    <dgm:txFillClrLst meth="repeat">
+      <a:schemeClr val="dk1"/>
+    </dgm:txFillClrLst>
+    <dgm:txEffectClrLst/>
+  </dgm:styleLbl>
+  <dgm:styleLbl name="alignAcc1">
+    <dgm:fillClrLst meth="repeat">
+      <a:schemeClr val="lt1">
+        <a:alpha val="90000"/>
+      </a:schemeClr>
+    </dgm:fillClrLst>
+    <dgm:linClrLst meth="repeat">
+      <a:schemeClr val="accent1"/>
+    </dgm:linClrLst>
+    <dgm:effectClrLst/>
+    <dgm:txLinClrLst/>
+    <dgm:txFillClrLst meth="repeat">
+      <a:schemeClr val="dk1"/>
+    </dgm:txFillClrLst>
+    <dgm:txEffectClrLst/>
+  </dgm:styleLbl>
+  <dgm:styleLbl name="trAlignAcc1">
+    <dgm:fillClrLst meth="repeat">
+      <a:schemeClr val="lt1">
+        <a:alpha val="40000"/>
+      </a:schemeClr>
+    </dgm:fillClrLst>
+    <dgm:linClrLst meth="repeat">
+      <a:schemeClr val="accent1"/>
+    </dgm:linClrLst>
+    <dgm:effectClrLst/>
+    <dgm:txLinClrLst/>
+    <dgm:txFillClrLst meth="repeat">
+      <a:schemeClr val="dk1"/>
+    </dgm:txFillClrLst>
+    <dgm:txEffectClrLst/>
+  </dgm:styleLbl>
+  <dgm:styleLbl name="bgAcc1">
+    <dgm:fillClrLst meth="repeat">
+      <a:schemeClr val="lt1">
+        <a:alpha val="90000"/>
+      </a:schemeClr>
+    </dgm:fillClrLst>
+    <dgm:linClrLst meth="repeat">
+      <a:schemeClr val="accent1"/>
+    </dgm:linClrLst>
+    <dgm:effectClrLst/>
+    <dgm:txLinClrLst/>
+    <dgm:txFillClrLst meth="repeat">
+      <a:schemeClr val="dk1"/>
+    </dgm:txFillClrLst>
+    <dgm:txEffectClrLst/>
+  </dgm:styleLbl>
+  <dgm:styleLbl name="solidFgAcc1">
+    <dgm:fillClrLst meth="repeat">
+      <a:schemeClr val="lt1"/>
+    </dgm:fillClrLst>
+    <dgm:linClrLst meth="repeat">
+      <a:schemeClr val="accent1"/>
+    </dgm:linClrLst>
+    <dgm:effectClrLst/>
+    <dgm:txLinClrLst/>
+    <dgm:txFillClrLst meth="repeat">
+      <a:schemeClr val="dk1"/>
+    </dgm:txFillClrLst>
+    <dgm:txEffectClrLst/>
+  </dgm:styleLbl>
+  <dgm:styleLbl name="solidAlignAcc1">
+    <dgm:fillClrLst meth="repeat">
+      <a:schemeClr val="lt1"/>
+    </dgm:fillClrLst>
+    <dgm:linClrLst meth="repeat">
+      <a:schemeClr val="accent1"/>
+    </dgm:linClrLst>
+    <dgm:effectClrLst/>
+    <dgm:txLinClrLst/>
+    <dgm:txFillClrLst meth="repeat">
+      <a:schemeClr val="dk1"/>
+    </dgm:txFillClrLst>
+    <dgm:txEffectClrLst/>
+  </dgm:styleLbl>
+  <dgm:styleLbl name="solidBgAcc1">
+    <dgm:fillClrLst meth="repeat">
+      <a:schemeClr val="lt1"/>
+    </dgm:fillClrLst>
+    <dgm:linClrLst meth="repeat">
+      <a:schemeClr val="accent1"/>
+    </dgm:linClrLst>
+    <dgm:effectClrLst/>
+    <dgm:txLinClrLst/>
+    <dgm:txFillClrLst meth="repeat">
+      <a:schemeClr val="dk1"/>
+    </dgm:txFillClrLst>
+    <dgm:txEffectClrLst/>
+  </dgm:styleLbl>
+  <dgm:styleLbl name="fgAccFollowNode1">
+    <dgm:fillClrLst meth="repeat">
+      <a:schemeClr val="accent1">
+        <a:alpha val="90000"/>
+        <a:tint val="40000"/>
+      </a:schemeClr>
+    </dgm:fillClrLst>
+    <dgm:linClrLst meth="repeat">
+      <a:schemeClr val="accent1">
+        <a:alpha val="90000"/>
+        <a:tint val="40000"/>
+      </a:schemeClr>
+    </dgm:linClrLst>
+    <dgm:effectClrLst/>
+    <dgm:txLinClrLst/>
+    <dgm:txFillClrLst meth="repeat">
+      <a:schemeClr val="dk1"/>
+    </dgm:txFillClrLst>
+    <dgm:txEffectClrLst/>
+  </dgm:styleLbl>
+  <dgm:styleLbl name="alignAccFollowNode1">
+    <dgm:fillClrLst meth="repeat">
+      <a:schemeClr val="accent1">
+        <a:alpha val="90000"/>
+        <a:tint val="40000"/>
+      </a:schemeClr>
+    </dgm:fillClrLst>
+    <dgm:linClrLst meth="repeat">
+      <a:schemeClr val="accent1">
+        <a:alpha val="90000"/>
+        <a:tint val="40000"/>
+      </a:schemeClr>
+    </dgm:linClrLst>
+    <dgm:effectClrLst/>
+    <dgm:txLinClrLst/>
+    <dgm:txFillClrLst meth="repeat">
+      <a:schemeClr val="dk1"/>
+    </dgm:txFillClrLst>
+    <dgm:txEffectClrLst/>
+  </dgm:styleLbl>
+  <dgm:styleLbl name="bgAccFollowNode1">
+    <dgm:fillClrLst meth="repeat">
+      <a:schemeClr val="accent1">
+        <a:alpha val="90000"/>
+        <a:tint val="40000"/>
+      </a:schemeClr>
+    </dgm:fillClrLst>
+    <dgm:linClrLst meth="repeat">
+      <a:schemeClr val="accent1">
+        <a:alpha val="90000"/>
+        <a:tint val="40000"/>
+      </a:schemeClr>
+    </dgm:linClrLst>
+    <dgm:effectClrLst/>
+    <dgm:txLinClrLst/>
+    <dgm:txFillClrLst meth="repeat">
+      <a:schemeClr val="dk1"/>
+    </dgm:txFillClrLst>
+    <dgm:txEffectClrLst/>
+  </dgm:styleLbl>
+  <dgm:styleLbl name="fgAcc0">
+    <dgm:fillClrLst meth="repeat">
+      <a:schemeClr val="lt1">
+        <a:alpha val="90000"/>
+      </a:schemeClr>
+    </dgm:fillClrLst>
+    <dgm:linClrLst meth="repeat">
+      <a:schemeClr val="accent1"/>
+    </dgm:linClrLst>
+    <dgm:effectClrLst/>
+    <dgm:txLinClrLst/>
+    <dgm:txFillClrLst meth="repeat">
+      <a:schemeClr val="dk1"/>
+    </dgm:txFillClrLst>
+    <dgm:txEffectClrLst/>
+  </dgm:styleLbl>
+  <dgm:styleLbl name="fgAcc2">
+    <dgm:fillClrLst meth="repeat">
+      <a:schemeClr val="lt1">
+        <a:alpha val="90000"/>
+      </a:schemeClr>
+    </dgm:fillClrLst>
+    <dgm:linClrLst meth="repeat">
+      <a:schemeClr val="accent1"/>
+    </dgm:linClrLst>
+    <dgm:effectClrLst/>
+    <dgm:txLinClrLst/>
+    <dgm:txFillClrLst meth="repeat">
+      <a:schemeClr val="dk1"/>
+    </dgm:txFillClrLst>
+    <dgm:txEffectClrLst/>
+  </dgm:styleLbl>
+  <dgm:styleLbl name="fgAcc3">
+    <dgm:fillClrLst meth="repeat">
+      <a:schemeClr val="lt1">
+        <a:alpha val="90000"/>
+      </a:schemeClr>
+    </dgm:fillClrLst>
+    <dgm:linClrLst meth="repeat">
+      <a:schemeClr val="accent1"/>
+    </dgm:linClrLst>
+    <dgm:effectClrLst/>
+    <dgm:txLinClrLst/>
+    <dgm:txFillClrLst meth="repeat">
+      <a:schemeClr val="dk1"/>
+    </dgm:txFillClrLst>
+    <dgm:txEffectClrLst/>
+  </dgm:styleLbl>
+  <dgm:styleLbl name="fgAcc4">
+    <dgm:fillClrLst meth="repeat">
+      <a:schemeClr val="lt1">
+        <a:alpha val="90000"/>
+      </a:schemeClr>
+    </dgm:fillClrLst>
+    <dgm:linClrLst meth="repeat">
+      <a:schemeClr val="accent1"/>
+    </dgm:linClrLst>
+    <dgm:effectClrLst/>
+    <dgm:txLinClrLst/>
+    <dgm:txFillClrLst meth="repeat">
+      <a:schemeClr val="dk1"/>
+    </dgm:txFillClrLst>
+    <dgm:txEffectClrLst/>
+  </dgm:styleLbl>
+  <dgm:styleLbl name="bgShp">
+    <dgm:fillClrLst meth="repeat">
+      <a:schemeClr val="accent1">
+        <a:tint val="40000"/>
+      </a:schemeClr>
+    </dgm:fillClrLst>
+    <dgm:linClrLst meth="repeat">
+      <a:schemeClr val="accent1"/>
+    </dgm:linClrLst>
+    <dgm:effectClrLst/>
+    <dgm:txLinClrLst/>
+    <dgm:txFillClrLst meth="repeat">
+      <a:schemeClr val="dk1"/>
+    </dgm:txFillClrLst>
+    <dgm:txEffectClrLst/>
+  </dgm:styleLbl>
+  <dgm:styleLbl name="dkBgShp">
+    <dgm:fillClrLst meth="repeat">
+      <a:schemeClr val="accent1">
+        <a:shade val="80000"/>
+      </a:schemeClr>
+    </dgm:fillClrLst>
+    <dgm:linClrLst meth="repeat">
+      <a:schemeClr val="accent1"/>
+    </dgm:linClrLst>
+    <dgm:effectClrLst/>
+    <dgm:txLinClrLst/>
+    <dgm:txFillClrLst meth="repeat">
+      <a:schemeClr val="lt1"/>
+    </dgm:txFillClrLst>
+    <dgm:txEffectClrLst/>
+  </dgm:styleLbl>
+  <dgm:styleLbl name="trBgShp">
+    <dgm:fillClrLst meth="repeat">
+      <a:schemeClr val="accent1">
+        <a:tint val="50000"/>
+        <a:alpha val="40000"/>
+      </a:schemeClr>
+    </dgm:fillClrLst>
+    <dgm:linClrLst meth="repeat">
+      <a:schemeClr val="accent1"/>
+    </dgm:linClrLst>
+    <dgm:effectClrLst/>
+    <dgm:txLinClrLst/>
+    <dgm:txFillClrLst meth="repeat">
+      <a:schemeClr val="lt1"/>
+    </dgm:txFillClrLst>
+    <dgm:txEffectClrLst/>
+  </dgm:styleLbl>
+  <dgm:styleLbl name="fgShp">
+    <dgm:fillClrLst meth="repeat">
+      <a:schemeClr val="accent1">
+        <a:tint val="60000"/>
+      </a:schemeClr>
+    </dgm:fillClrLst>
+    <dgm:linClrLst meth="repeat">
+      <a:schemeClr val="lt1"/>
+    </dgm:linClrLst>
+    <dgm:effectClrLst/>
+    <dgm:txLinClrLst/>
+    <dgm:txFillClrLst meth="repeat">
+      <a:schemeClr val="dk1"/>
+    </dgm:txFillClrLst>
+    <dgm:txEffectClrLst/>
+  </dgm:styleLbl>
+  <dgm:styleLbl name="revTx">
+    <dgm:fillClrLst meth="repeat">
+      <a:schemeClr val="lt1">
+        <a:alpha val="0"/>
+      </a:schemeClr>
+    </dgm:fillClrLst>
+    <dgm:linClrLst meth="repeat">
+      <a:schemeClr val="dk1">
+        <a:alpha val="0"/>
+      </a:schemeClr>
+    </dgm:linClrLst>
+    <dgm:effectClrLst/>
+    <dgm:txLinClrLst/>
+    <dgm:txFillClrLst meth="repeat">
+      <a:schemeClr val="tx1"/>
+    </dgm:txFillClrLst>
+    <dgm:txEffectClrLst/>
+  </dgm:styleLbl>
+</dgm:colorsDef>
+</file>
+
+<file path=ppt/diagrams/data1.xml><?xml version="1.0" encoding="utf-8"?>
+<dgm:dataModel xmlns:dgm="http://schemas.openxmlformats.org/drawingml/2006/diagram" xmlns:a="http://schemas.openxmlformats.org/drawingml/2006/main">
+  <dgm:ptLst>
+    <dgm:pt modelId="{64202AC5-7621-4BEA-A4C3-4346A3B76C60}" type="doc">
+      <dgm:prSet loTypeId="urn:microsoft.com/office/officeart/2005/8/layout/hierarchy5" loCatId="hierarchy" qsTypeId="urn:microsoft.com/office/officeart/2005/8/quickstyle/simple1" qsCatId="simple" csTypeId="urn:microsoft.com/office/officeart/2005/8/colors/accent1_2" csCatId="accent1" phldr="1"/>
+      <dgm:spPr/>
+      <dgm:t>
+        <a:bodyPr/>
+        <a:lstStyle/>
+        <a:p>
+          <a:endParaRPr lang="en-GB"/>
+        </a:p>
+      </dgm:t>
+    </dgm:pt>
+    <dgm:pt modelId="{C91BAFB5-A6D7-454D-B4E8-165A4961C2A8}">
+      <dgm:prSet phldrT="[Text]"/>
+      <dgm:spPr/>
+      <dgm:t>
+        <a:bodyPr/>
+        <a:lstStyle/>
+        <a:p>
+          <a:r>
+            <a:rPr lang="en-GB" dirty="0" smtClean="0"/>
+            <a:t> </a:t>
+          </a:r>
+          <a:endParaRPr lang="en-GB" dirty="0"/>
+        </a:p>
+      </dgm:t>
+    </dgm:pt>
+    <dgm:pt modelId="{65699593-C987-4A39-82B9-6F49FE2FDDF9}" type="parTrans" cxnId="{26408113-CC49-485D-85E7-3B0F069DA9A0}">
+      <dgm:prSet/>
+      <dgm:spPr/>
+      <dgm:t>
+        <a:bodyPr/>
+        <a:lstStyle/>
+        <a:p>
+          <a:endParaRPr lang="en-GB"/>
+        </a:p>
+      </dgm:t>
+    </dgm:pt>
+    <dgm:pt modelId="{9A537FD6-0CC6-4E77-B06A-3950548C9465}" type="sibTrans" cxnId="{26408113-CC49-485D-85E7-3B0F069DA9A0}">
+      <dgm:prSet/>
+      <dgm:spPr/>
+      <dgm:t>
+        <a:bodyPr/>
+        <a:lstStyle/>
+        <a:p>
+          <a:endParaRPr lang="en-GB"/>
+        </a:p>
+      </dgm:t>
+    </dgm:pt>
+    <dgm:pt modelId="{645A7BD1-820A-4A94-85C9-51CAE17DD8BD}">
+      <dgm:prSet phldrT="[Text]"/>
+      <dgm:spPr/>
+      <dgm:t>
+        <a:bodyPr/>
+        <a:lstStyle/>
+        <a:p>
+          <a:r>
+            <a:rPr lang="en-GB" dirty="0" smtClean="0"/>
+            <a:t> </a:t>
+          </a:r>
+          <a:endParaRPr lang="en-GB" dirty="0"/>
+        </a:p>
+      </dgm:t>
+    </dgm:pt>
+    <dgm:pt modelId="{FD3216D4-CB88-4730-BBB1-718B00152892}" type="parTrans" cxnId="{A2B5DA7A-536E-49FC-A6E6-182D14F8BEB1}">
+      <dgm:prSet/>
+      <dgm:spPr/>
+      <dgm:t>
+        <a:bodyPr/>
+        <a:lstStyle/>
+        <a:p>
+          <a:endParaRPr lang="en-GB"/>
+        </a:p>
+      </dgm:t>
+    </dgm:pt>
+    <dgm:pt modelId="{BC56E52A-C754-4F3E-956C-D0A4491BD03D}" type="sibTrans" cxnId="{A2B5DA7A-536E-49FC-A6E6-182D14F8BEB1}">
+      <dgm:prSet/>
+      <dgm:spPr/>
+      <dgm:t>
+        <a:bodyPr/>
+        <a:lstStyle/>
+        <a:p>
+          <a:endParaRPr lang="en-GB"/>
+        </a:p>
+      </dgm:t>
+    </dgm:pt>
+    <dgm:pt modelId="{22665F06-27B5-4CFC-998E-1AA885C93314}">
+      <dgm:prSet phldrT="[Text]"/>
+      <dgm:spPr/>
+      <dgm:t>
+        <a:bodyPr/>
+        <a:lstStyle/>
+        <a:p>
+          <a:r>
+            <a:rPr lang="en-GB" dirty="0" smtClean="0"/>
+            <a:t> </a:t>
+          </a:r>
+          <a:endParaRPr lang="en-GB" dirty="0"/>
+        </a:p>
+      </dgm:t>
+    </dgm:pt>
+    <dgm:pt modelId="{D316DFA6-D15C-4369-8C33-424E939B0BC7}" type="parTrans" cxnId="{95056C6F-94E8-4185-8118-20608CD79E6A}">
+      <dgm:prSet/>
+      <dgm:spPr/>
+      <dgm:t>
+        <a:bodyPr/>
+        <a:lstStyle/>
+        <a:p>
+          <a:endParaRPr lang="en-GB"/>
+        </a:p>
+      </dgm:t>
+    </dgm:pt>
+    <dgm:pt modelId="{0513C8A6-1ABE-4268-A980-D05EF606D529}" type="sibTrans" cxnId="{95056C6F-94E8-4185-8118-20608CD79E6A}">
+      <dgm:prSet/>
+      <dgm:spPr/>
+      <dgm:t>
+        <a:bodyPr/>
+        <a:lstStyle/>
+        <a:p>
+          <a:endParaRPr lang="en-GB"/>
+        </a:p>
+      </dgm:t>
+    </dgm:pt>
+    <dgm:pt modelId="{73524CFE-BD8B-481D-AB6A-6C5DF6C9E4E1}">
+      <dgm:prSet phldrT="[Text]"/>
+      <dgm:spPr/>
+      <dgm:t>
+        <a:bodyPr/>
+        <a:lstStyle/>
+        <a:p>
+          <a:r>
+            <a:rPr lang="en-GB" dirty="0" smtClean="0"/>
+            <a:t> </a:t>
+          </a:r>
+          <a:endParaRPr lang="en-GB" dirty="0"/>
+        </a:p>
+      </dgm:t>
+    </dgm:pt>
+    <dgm:pt modelId="{BC01E95B-D8A1-4016-A1FF-2DB86A3D319D}" type="parTrans" cxnId="{610E928D-B2BB-4A62-9A73-A59DAE06099E}">
+      <dgm:prSet/>
+      <dgm:spPr/>
+      <dgm:t>
+        <a:bodyPr/>
+        <a:lstStyle/>
+        <a:p>
+          <a:endParaRPr lang="en-GB"/>
+        </a:p>
+      </dgm:t>
+    </dgm:pt>
+    <dgm:pt modelId="{798DF8A6-D1BA-4602-98C0-C3428D5E596C}" type="sibTrans" cxnId="{610E928D-B2BB-4A62-9A73-A59DAE06099E}">
+      <dgm:prSet/>
+      <dgm:spPr/>
+      <dgm:t>
+        <a:bodyPr/>
+        <a:lstStyle/>
+        <a:p>
+          <a:endParaRPr lang="en-GB"/>
+        </a:p>
+      </dgm:t>
+    </dgm:pt>
+    <dgm:pt modelId="{13558860-2432-4B23-A59D-A5A5E1E91322}">
+      <dgm:prSet phldrT="[Text]"/>
+      <dgm:spPr/>
+      <dgm:t>
+        <a:bodyPr/>
+        <a:lstStyle/>
+        <a:p>
+          <a:r>
+            <a:rPr lang="en-GB" dirty="0" smtClean="0"/>
+            <a:t> </a:t>
+          </a:r>
+          <a:endParaRPr lang="en-GB" dirty="0"/>
+        </a:p>
+      </dgm:t>
+    </dgm:pt>
+    <dgm:pt modelId="{AB3699B2-8561-454A-806E-9D089908F7A6}" type="parTrans" cxnId="{861A73F0-B450-4A39-9A1E-A17C17040A30}">
+      <dgm:prSet/>
+      <dgm:spPr/>
+      <dgm:t>
+        <a:bodyPr/>
+        <a:lstStyle/>
+        <a:p>
+          <a:endParaRPr lang="en-GB"/>
+        </a:p>
+      </dgm:t>
+    </dgm:pt>
+    <dgm:pt modelId="{A166CA5E-FBD0-4829-A076-940288435130}" type="sibTrans" cxnId="{861A73F0-B450-4A39-9A1E-A17C17040A30}">
+      <dgm:prSet/>
+      <dgm:spPr/>
+      <dgm:t>
+        <a:bodyPr/>
+        <a:lstStyle/>
+        <a:p>
+          <a:endParaRPr lang="en-GB"/>
+        </a:p>
+      </dgm:t>
+    </dgm:pt>
+    <dgm:pt modelId="{9B364363-80C2-4ED6-9A5E-D57780958CBF}">
+      <dgm:prSet phldrT="[Text]"/>
+      <dgm:spPr/>
+      <dgm:t>
+        <a:bodyPr/>
+        <a:lstStyle/>
+        <a:p>
+          <a:r>
+            <a:rPr lang="en-GB" dirty="0" smtClean="0"/>
+            <a:t> </a:t>
+          </a:r>
+          <a:endParaRPr lang="en-GB" dirty="0"/>
+        </a:p>
+      </dgm:t>
+    </dgm:pt>
+    <dgm:pt modelId="{29D0DE6F-62F6-4234-8A17-F0F949D6F6F2}" type="parTrans" cxnId="{29DC4A53-8ADF-4224-A6B7-81473E76D3A5}">
+      <dgm:prSet/>
+      <dgm:spPr/>
+      <dgm:t>
+        <a:bodyPr/>
+        <a:lstStyle/>
+        <a:p>
+          <a:endParaRPr lang="en-GB"/>
+        </a:p>
+      </dgm:t>
+    </dgm:pt>
+    <dgm:pt modelId="{A8236A71-C4D9-4D99-A691-F15327725F34}" type="sibTrans" cxnId="{29DC4A53-8ADF-4224-A6B7-81473E76D3A5}">
+      <dgm:prSet/>
+      <dgm:spPr/>
+      <dgm:t>
+        <a:bodyPr/>
+        <a:lstStyle/>
+        <a:p>
+          <a:endParaRPr lang="en-GB"/>
+        </a:p>
+      </dgm:t>
+    </dgm:pt>
+    <dgm:pt modelId="{D97AAC04-45EB-4D63-A223-94B3DDD4B6F7}">
+      <dgm:prSet phldrT="[Text]"/>
+      <dgm:spPr/>
+      <dgm:t>
+        <a:bodyPr/>
+        <a:lstStyle/>
+        <a:p>
+          <a:r>
+            <a:rPr lang="en-GB" dirty="0" smtClean="0"/>
+            <a:t>Output Layer</a:t>
+          </a:r>
+          <a:endParaRPr lang="en-GB" dirty="0"/>
+        </a:p>
+      </dgm:t>
+    </dgm:pt>
+    <dgm:pt modelId="{E3563EDF-AC43-4A88-ADE7-D070FBD5F31A}" type="parTrans" cxnId="{5D65786B-885B-4C67-A61C-7844AA5E0644}">
+      <dgm:prSet/>
+      <dgm:spPr/>
+      <dgm:t>
+        <a:bodyPr/>
+        <a:lstStyle/>
+        <a:p>
+          <a:endParaRPr lang="en-GB"/>
+        </a:p>
+      </dgm:t>
+    </dgm:pt>
+    <dgm:pt modelId="{28D6891D-24BA-4D80-8DFC-A51E7D608B49}" type="sibTrans" cxnId="{5D65786B-885B-4C67-A61C-7844AA5E0644}">
+      <dgm:prSet/>
+      <dgm:spPr/>
+      <dgm:t>
+        <a:bodyPr/>
+        <a:lstStyle/>
+        <a:p>
+          <a:endParaRPr lang="en-GB"/>
+        </a:p>
+      </dgm:t>
+    </dgm:pt>
+    <dgm:pt modelId="{40B239C4-28FD-4786-82E1-CE8964C229EE}">
+      <dgm:prSet phldrT="[Text]"/>
+      <dgm:spPr/>
+      <dgm:t>
+        <a:bodyPr/>
+        <a:lstStyle/>
+        <a:p>
+          <a:r>
+            <a:rPr lang="en-GB" dirty="0" smtClean="0"/>
+            <a:t>Input Layer</a:t>
+          </a:r>
+          <a:endParaRPr lang="en-GB" dirty="0"/>
+        </a:p>
+      </dgm:t>
+    </dgm:pt>
+    <dgm:pt modelId="{960179C2-2CB0-4855-B2D8-756AABAA4C52}" type="parTrans" cxnId="{B6B46424-BAC5-43DF-B218-92C8166D3C9A}">
+      <dgm:prSet/>
+      <dgm:spPr/>
+      <dgm:t>
+        <a:bodyPr/>
+        <a:lstStyle/>
+        <a:p>
+          <a:endParaRPr lang="en-GB"/>
+        </a:p>
+      </dgm:t>
+    </dgm:pt>
+    <dgm:pt modelId="{8FFA6799-5F63-4CE2-8037-BE225643027C}" type="sibTrans" cxnId="{B6B46424-BAC5-43DF-B218-92C8166D3C9A}">
+      <dgm:prSet/>
+      <dgm:spPr/>
+      <dgm:t>
+        <a:bodyPr/>
+        <a:lstStyle/>
+        <a:p>
+          <a:endParaRPr lang="en-GB"/>
+        </a:p>
+      </dgm:t>
+    </dgm:pt>
+    <dgm:pt modelId="{596AB4A6-0F1A-4023-B6EF-8E441759BDB0}">
+      <dgm:prSet phldrT="[Text]"/>
+      <dgm:spPr/>
+      <dgm:t>
+        <a:bodyPr/>
+        <a:lstStyle/>
+        <a:p>
+          <a:r>
+            <a:rPr lang="en-GB" dirty="0" smtClean="0"/>
+            <a:t>Inner Layer</a:t>
+          </a:r>
+          <a:endParaRPr lang="en-GB" dirty="0"/>
+        </a:p>
+      </dgm:t>
+    </dgm:pt>
+    <dgm:pt modelId="{FB79C6AC-2F32-4EE1-8518-17257CF4449D}" type="sibTrans" cxnId="{523A9E7C-0D27-4710-A790-D0D8EF49DA26}">
+      <dgm:prSet/>
+      <dgm:spPr/>
+      <dgm:t>
+        <a:bodyPr/>
+        <a:lstStyle/>
+        <a:p>
+          <a:endParaRPr lang="en-GB"/>
+        </a:p>
+      </dgm:t>
+    </dgm:pt>
+    <dgm:pt modelId="{BE8D69FA-26A0-4589-900B-80E515675091}" type="parTrans" cxnId="{523A9E7C-0D27-4710-A790-D0D8EF49DA26}">
+      <dgm:prSet/>
+      <dgm:spPr/>
+      <dgm:t>
+        <a:bodyPr/>
+        <a:lstStyle/>
+        <a:p>
+          <a:endParaRPr lang="en-GB"/>
+        </a:p>
+      </dgm:t>
+    </dgm:pt>
+    <dgm:pt modelId="{22CFCC7D-D6FB-49DD-BAD7-8A4B586ECB8D}" type="pres">
+      <dgm:prSet presAssocID="{64202AC5-7621-4BEA-A4C3-4346A3B76C60}" presName="mainComposite" presStyleCnt="0">
+        <dgm:presLayoutVars>
+          <dgm:chPref val="1"/>
+          <dgm:dir val="rev"/>
+          <dgm:animOne val="branch"/>
+          <dgm:animLvl val="lvl"/>
+          <dgm:resizeHandles val="exact"/>
+        </dgm:presLayoutVars>
+      </dgm:prSet>
+      <dgm:spPr/>
+    </dgm:pt>
+    <dgm:pt modelId="{56144D66-FB86-45AE-A33A-E9F7D053D5EE}" type="pres">
+      <dgm:prSet presAssocID="{64202AC5-7621-4BEA-A4C3-4346A3B76C60}" presName="hierFlow" presStyleCnt="0"/>
+      <dgm:spPr/>
+    </dgm:pt>
+    <dgm:pt modelId="{32912E5B-8F6B-4581-8516-3616DAC2F968}" type="pres">
+      <dgm:prSet presAssocID="{64202AC5-7621-4BEA-A4C3-4346A3B76C60}" presName="firstBuf" presStyleCnt="0"/>
+      <dgm:spPr/>
+    </dgm:pt>
+    <dgm:pt modelId="{C95A114C-3D57-488B-925D-9DE5209E6E39}" type="pres">
+      <dgm:prSet presAssocID="{64202AC5-7621-4BEA-A4C3-4346A3B76C60}" presName="hierChild1" presStyleCnt="0">
+        <dgm:presLayoutVars>
+          <dgm:chPref val="1"/>
+          <dgm:animOne val="branch"/>
+          <dgm:animLvl val="lvl"/>
+        </dgm:presLayoutVars>
+      </dgm:prSet>
+      <dgm:spPr/>
+    </dgm:pt>
+    <dgm:pt modelId="{709672EB-3F59-49D9-A5C4-E7994A8D5908}" type="pres">
+      <dgm:prSet presAssocID="{C91BAFB5-A6D7-454D-B4E8-165A4961C2A8}" presName="Name17" presStyleCnt="0"/>
+      <dgm:spPr/>
+    </dgm:pt>
+    <dgm:pt modelId="{216E6CCD-2C2C-4AEE-BD07-0696D423DD9F}" type="pres">
+      <dgm:prSet presAssocID="{C91BAFB5-A6D7-454D-B4E8-165A4961C2A8}" presName="level1Shape" presStyleLbl="node0" presStyleIdx="0" presStyleCnt="1">
+        <dgm:presLayoutVars>
+          <dgm:chPref val="3"/>
+        </dgm:presLayoutVars>
+      </dgm:prSet>
+      <dgm:spPr/>
+    </dgm:pt>
+    <dgm:pt modelId="{F979056C-F989-432C-89F0-090B669E7C56}" type="pres">
+      <dgm:prSet presAssocID="{C91BAFB5-A6D7-454D-B4E8-165A4961C2A8}" presName="hierChild2" presStyleCnt="0"/>
+      <dgm:spPr/>
+    </dgm:pt>
+    <dgm:pt modelId="{5479C08E-D141-4414-A115-E442B60FEC4D}" type="pres">
+      <dgm:prSet presAssocID="{FD3216D4-CB88-4730-BBB1-718B00152892}" presName="Name25" presStyleLbl="parChTrans1D2" presStyleIdx="0" presStyleCnt="2"/>
+      <dgm:spPr/>
+    </dgm:pt>
+    <dgm:pt modelId="{BF3AFFA4-062F-48CF-AB2D-DEA96162F64A}" type="pres">
+      <dgm:prSet presAssocID="{FD3216D4-CB88-4730-BBB1-718B00152892}" presName="connTx" presStyleLbl="parChTrans1D2" presStyleIdx="0" presStyleCnt="2"/>
+      <dgm:spPr/>
+    </dgm:pt>
+    <dgm:pt modelId="{CD43CB15-0E58-4F9A-89CB-2057231D4388}" type="pres">
+      <dgm:prSet presAssocID="{645A7BD1-820A-4A94-85C9-51CAE17DD8BD}" presName="Name30" presStyleCnt="0"/>
+      <dgm:spPr/>
+    </dgm:pt>
+    <dgm:pt modelId="{304546B6-6368-477C-9454-99808B6E531D}" type="pres">
+      <dgm:prSet presAssocID="{645A7BD1-820A-4A94-85C9-51CAE17DD8BD}" presName="level2Shape" presStyleLbl="node2" presStyleIdx="0" presStyleCnt="2"/>
+      <dgm:spPr/>
+    </dgm:pt>
+    <dgm:pt modelId="{A0FE47CF-F9DF-4308-9C09-4698E16E2C82}" type="pres">
+      <dgm:prSet presAssocID="{645A7BD1-820A-4A94-85C9-51CAE17DD8BD}" presName="hierChild3" presStyleCnt="0"/>
+      <dgm:spPr/>
+    </dgm:pt>
+    <dgm:pt modelId="{934B9D86-16B3-4B0B-9A7D-A424E84E9540}" type="pres">
+      <dgm:prSet presAssocID="{D316DFA6-D15C-4369-8C33-424E939B0BC7}" presName="Name25" presStyleLbl="parChTrans1D3" presStyleIdx="0" presStyleCnt="3"/>
+      <dgm:spPr/>
+    </dgm:pt>
+    <dgm:pt modelId="{BC20CA0E-A358-4DE7-B27D-F4C540E72D4F}" type="pres">
+      <dgm:prSet presAssocID="{D316DFA6-D15C-4369-8C33-424E939B0BC7}" presName="connTx" presStyleLbl="parChTrans1D3" presStyleIdx="0" presStyleCnt="3"/>
+      <dgm:spPr/>
+    </dgm:pt>
+    <dgm:pt modelId="{FD3CC20A-D895-48EF-B4D0-B77F89B43542}" type="pres">
+      <dgm:prSet presAssocID="{22665F06-27B5-4CFC-998E-1AA885C93314}" presName="Name30" presStyleCnt="0"/>
+      <dgm:spPr/>
+    </dgm:pt>
+    <dgm:pt modelId="{A4E9D010-33E6-4695-896B-B387183646F7}" type="pres">
+      <dgm:prSet presAssocID="{22665F06-27B5-4CFC-998E-1AA885C93314}" presName="level2Shape" presStyleLbl="node3" presStyleIdx="0" presStyleCnt="3"/>
+      <dgm:spPr/>
+    </dgm:pt>
+    <dgm:pt modelId="{C8407893-5B8F-42FA-BD62-5174DDCE7F95}" type="pres">
+      <dgm:prSet presAssocID="{22665F06-27B5-4CFC-998E-1AA885C93314}" presName="hierChild3" presStyleCnt="0"/>
+      <dgm:spPr/>
+    </dgm:pt>
+    <dgm:pt modelId="{35695188-4D5E-4DC3-8F92-104BAF725286}" type="pres">
+      <dgm:prSet presAssocID="{BC01E95B-D8A1-4016-A1FF-2DB86A3D319D}" presName="Name25" presStyleLbl="parChTrans1D3" presStyleIdx="1" presStyleCnt="3"/>
+      <dgm:spPr/>
+    </dgm:pt>
+    <dgm:pt modelId="{D7E578AC-26C7-4AC2-BC78-B7F1D9A07984}" type="pres">
+      <dgm:prSet presAssocID="{BC01E95B-D8A1-4016-A1FF-2DB86A3D319D}" presName="connTx" presStyleLbl="parChTrans1D3" presStyleIdx="1" presStyleCnt="3"/>
+      <dgm:spPr/>
+    </dgm:pt>
+    <dgm:pt modelId="{93DF7CBB-1FE5-4E89-A3E1-CB0B0141A8BE}" type="pres">
+      <dgm:prSet presAssocID="{73524CFE-BD8B-481D-AB6A-6C5DF6C9E4E1}" presName="Name30" presStyleCnt="0"/>
+      <dgm:spPr/>
+    </dgm:pt>
+    <dgm:pt modelId="{2FFE2959-7013-4275-97FE-0D718B9603CE}" type="pres">
+      <dgm:prSet presAssocID="{73524CFE-BD8B-481D-AB6A-6C5DF6C9E4E1}" presName="level2Shape" presStyleLbl="node3" presStyleIdx="1" presStyleCnt="3"/>
+      <dgm:spPr/>
+    </dgm:pt>
+    <dgm:pt modelId="{09B6136B-02BE-4449-A6D9-5C540119A3F2}" type="pres">
+      <dgm:prSet presAssocID="{73524CFE-BD8B-481D-AB6A-6C5DF6C9E4E1}" presName="hierChild3" presStyleCnt="0"/>
+      <dgm:spPr/>
+    </dgm:pt>
+    <dgm:pt modelId="{8373141E-6E89-469C-8C2C-2222A4818AE9}" type="pres">
+      <dgm:prSet presAssocID="{AB3699B2-8561-454A-806E-9D089908F7A6}" presName="Name25" presStyleLbl="parChTrans1D2" presStyleIdx="1" presStyleCnt="2"/>
+      <dgm:spPr/>
+    </dgm:pt>
+    <dgm:pt modelId="{857A7D8A-0AA1-403A-AB2E-7E94CA1880A6}" type="pres">
+      <dgm:prSet presAssocID="{AB3699B2-8561-454A-806E-9D089908F7A6}" presName="connTx" presStyleLbl="parChTrans1D2" presStyleIdx="1" presStyleCnt="2"/>
+      <dgm:spPr/>
+    </dgm:pt>
+    <dgm:pt modelId="{DAFBC4D5-5B97-40AA-8E74-21D53B53EC0B}" type="pres">
+      <dgm:prSet presAssocID="{13558860-2432-4B23-A59D-A5A5E1E91322}" presName="Name30" presStyleCnt="0"/>
+      <dgm:spPr/>
+    </dgm:pt>
+    <dgm:pt modelId="{ADE5334B-5F7D-4014-85B2-3ADEB4103056}" type="pres">
+      <dgm:prSet presAssocID="{13558860-2432-4B23-A59D-A5A5E1E91322}" presName="level2Shape" presStyleLbl="node2" presStyleIdx="1" presStyleCnt="2"/>
+      <dgm:spPr/>
+    </dgm:pt>
+    <dgm:pt modelId="{4E157B58-2077-483D-BFB3-160DA4600754}" type="pres">
+      <dgm:prSet presAssocID="{13558860-2432-4B23-A59D-A5A5E1E91322}" presName="hierChild3" presStyleCnt="0"/>
+      <dgm:spPr/>
+    </dgm:pt>
+    <dgm:pt modelId="{C3AA3DF1-7072-4B04-A0D9-3CC73D165D16}" type="pres">
+      <dgm:prSet presAssocID="{29D0DE6F-62F6-4234-8A17-F0F949D6F6F2}" presName="Name25" presStyleLbl="parChTrans1D3" presStyleIdx="2" presStyleCnt="3"/>
+      <dgm:spPr/>
+    </dgm:pt>
+    <dgm:pt modelId="{27276609-32E0-4F2A-844A-06268B023994}" type="pres">
+      <dgm:prSet presAssocID="{29D0DE6F-62F6-4234-8A17-F0F949D6F6F2}" presName="connTx" presStyleLbl="parChTrans1D3" presStyleIdx="2" presStyleCnt="3"/>
+      <dgm:spPr/>
+    </dgm:pt>
+    <dgm:pt modelId="{423EBE52-43FD-4BA6-B00A-E22E6A579CE0}" type="pres">
+      <dgm:prSet presAssocID="{9B364363-80C2-4ED6-9A5E-D57780958CBF}" presName="Name30" presStyleCnt="0"/>
+      <dgm:spPr/>
+    </dgm:pt>
+    <dgm:pt modelId="{E44DFEB6-D973-460F-AC4F-40368BFA49D2}" type="pres">
+      <dgm:prSet presAssocID="{9B364363-80C2-4ED6-9A5E-D57780958CBF}" presName="level2Shape" presStyleLbl="node3" presStyleIdx="2" presStyleCnt="3"/>
+      <dgm:spPr/>
+    </dgm:pt>
+    <dgm:pt modelId="{F6386710-A2B1-4396-A238-D00C12F37BC8}" type="pres">
+      <dgm:prSet presAssocID="{9B364363-80C2-4ED6-9A5E-D57780958CBF}" presName="hierChild3" presStyleCnt="0"/>
+      <dgm:spPr/>
+    </dgm:pt>
+    <dgm:pt modelId="{07564AD1-3DFE-4671-A04C-8A0B0B6293EB}" type="pres">
+      <dgm:prSet presAssocID="{64202AC5-7621-4BEA-A4C3-4346A3B76C60}" presName="bgShapesFlow" presStyleCnt="0"/>
+      <dgm:spPr/>
+    </dgm:pt>
+    <dgm:pt modelId="{39AFACAE-73CB-41DF-8A97-271D65A18D36}" type="pres">
+      <dgm:prSet presAssocID="{D97AAC04-45EB-4D63-A223-94B3DDD4B6F7}" presName="rectComp" presStyleCnt="0"/>
+      <dgm:spPr/>
+    </dgm:pt>
+    <dgm:pt modelId="{FA50A609-1686-4EE3-B1D8-0823ED3BF084}" type="pres">
+      <dgm:prSet presAssocID="{D97AAC04-45EB-4D63-A223-94B3DDD4B6F7}" presName="bgRect" presStyleLbl="bgShp" presStyleIdx="0" presStyleCnt="3"/>
+      <dgm:spPr/>
+      <dgm:t>
+        <a:bodyPr/>
+        <a:lstStyle/>
+        <a:p>
+          <a:endParaRPr lang="en-GB"/>
+        </a:p>
+      </dgm:t>
+    </dgm:pt>
+    <dgm:pt modelId="{4C2EF9B0-CFB7-43C7-A9B1-7059A05BE40D}" type="pres">
+      <dgm:prSet presAssocID="{D97AAC04-45EB-4D63-A223-94B3DDD4B6F7}" presName="bgRectTx" presStyleLbl="bgShp" presStyleIdx="0" presStyleCnt="3">
+        <dgm:presLayoutVars>
+          <dgm:bulletEnabled val="1"/>
+        </dgm:presLayoutVars>
+      </dgm:prSet>
+      <dgm:spPr/>
+      <dgm:t>
+        <a:bodyPr/>
+        <a:lstStyle/>
+        <a:p>
+          <a:endParaRPr lang="en-GB"/>
+        </a:p>
+      </dgm:t>
+    </dgm:pt>
+    <dgm:pt modelId="{5C0A75E0-295C-4FC8-A438-F9FC6916B516}" type="pres">
+      <dgm:prSet presAssocID="{D97AAC04-45EB-4D63-A223-94B3DDD4B6F7}" presName="spComp" presStyleCnt="0"/>
+      <dgm:spPr/>
+    </dgm:pt>
+    <dgm:pt modelId="{F5243E8C-D869-4B56-B3E6-ECB245839748}" type="pres">
+      <dgm:prSet presAssocID="{D97AAC04-45EB-4D63-A223-94B3DDD4B6F7}" presName="hSp" presStyleCnt="0"/>
+      <dgm:spPr/>
+    </dgm:pt>
+    <dgm:pt modelId="{1EF14CD4-AE65-40F9-B291-C6CA0001A19F}" type="pres">
+      <dgm:prSet presAssocID="{596AB4A6-0F1A-4023-B6EF-8E441759BDB0}" presName="rectComp" presStyleCnt="0"/>
+      <dgm:spPr/>
+    </dgm:pt>
+    <dgm:pt modelId="{5FDB450B-16BA-49B2-B9A1-8D77E23EE14C}" type="pres">
+      <dgm:prSet presAssocID="{596AB4A6-0F1A-4023-B6EF-8E441759BDB0}" presName="bgRect" presStyleLbl="bgShp" presStyleIdx="1" presStyleCnt="3"/>
+      <dgm:spPr/>
+      <dgm:t>
+        <a:bodyPr/>
+        <a:lstStyle/>
+        <a:p>
+          <a:endParaRPr lang="en-GB"/>
+        </a:p>
+      </dgm:t>
+    </dgm:pt>
+    <dgm:pt modelId="{8E119355-392E-4C42-8A78-F0AE50F9CF16}" type="pres">
+      <dgm:prSet presAssocID="{596AB4A6-0F1A-4023-B6EF-8E441759BDB0}" presName="bgRectTx" presStyleLbl="bgShp" presStyleIdx="1" presStyleCnt="3">
+        <dgm:presLayoutVars>
+          <dgm:bulletEnabled val="1"/>
+        </dgm:presLayoutVars>
+      </dgm:prSet>
+      <dgm:spPr/>
+      <dgm:t>
+        <a:bodyPr/>
+        <a:lstStyle/>
+        <a:p>
+          <a:endParaRPr lang="en-GB"/>
+        </a:p>
+      </dgm:t>
+    </dgm:pt>
+    <dgm:pt modelId="{5AED86CC-C104-433A-90E2-ED1F450CC2C2}" type="pres">
+      <dgm:prSet presAssocID="{596AB4A6-0F1A-4023-B6EF-8E441759BDB0}" presName="spComp" presStyleCnt="0"/>
+      <dgm:spPr/>
+    </dgm:pt>
+    <dgm:pt modelId="{F5475C7F-8481-41FA-8A8E-DCAD9710CA4E}" type="pres">
+      <dgm:prSet presAssocID="{596AB4A6-0F1A-4023-B6EF-8E441759BDB0}" presName="hSp" presStyleCnt="0"/>
+      <dgm:spPr/>
+    </dgm:pt>
+    <dgm:pt modelId="{BD7E1183-7A88-4210-A779-E66DB8177BB1}" type="pres">
+      <dgm:prSet presAssocID="{40B239C4-28FD-4786-82E1-CE8964C229EE}" presName="rectComp" presStyleCnt="0"/>
+      <dgm:spPr/>
+    </dgm:pt>
+    <dgm:pt modelId="{A6150320-98F9-427D-850C-EF89B9801654}" type="pres">
+      <dgm:prSet presAssocID="{40B239C4-28FD-4786-82E1-CE8964C229EE}" presName="bgRect" presStyleLbl="bgShp" presStyleIdx="2" presStyleCnt="3"/>
+      <dgm:spPr/>
+    </dgm:pt>
+    <dgm:pt modelId="{C2BDCCFD-A3DD-47E4-B0F1-7088FBEA944B}" type="pres">
+      <dgm:prSet presAssocID="{40B239C4-28FD-4786-82E1-CE8964C229EE}" presName="bgRectTx" presStyleLbl="bgShp" presStyleIdx="2" presStyleCnt="3">
+        <dgm:presLayoutVars>
+          <dgm:bulletEnabled val="1"/>
+        </dgm:presLayoutVars>
+      </dgm:prSet>
+      <dgm:spPr/>
+    </dgm:pt>
+  </dgm:ptLst>
+  <dgm:cxnLst>
+    <dgm:cxn modelId="{BBB180CA-7879-4CC2-8BB0-941F248AE749}" type="presOf" srcId="{596AB4A6-0F1A-4023-B6EF-8E441759BDB0}" destId="{5FDB450B-16BA-49B2-B9A1-8D77E23EE14C}" srcOrd="0" destOrd="0" presId="urn:microsoft.com/office/officeart/2005/8/layout/hierarchy5"/>
+    <dgm:cxn modelId="{B475F859-D147-45B8-AD26-6E70AA8F727E}" type="presOf" srcId="{596AB4A6-0F1A-4023-B6EF-8E441759BDB0}" destId="{8E119355-392E-4C42-8A78-F0AE50F9CF16}" srcOrd="1" destOrd="0" presId="urn:microsoft.com/office/officeart/2005/8/layout/hierarchy5"/>
+    <dgm:cxn modelId="{5E44B950-B740-49F6-AA7D-FDE17DA603B3}" type="presOf" srcId="{D97AAC04-45EB-4D63-A223-94B3DDD4B6F7}" destId="{4C2EF9B0-CFB7-43C7-A9B1-7059A05BE40D}" srcOrd="1" destOrd="0" presId="urn:microsoft.com/office/officeart/2005/8/layout/hierarchy5"/>
+    <dgm:cxn modelId="{523A9E7C-0D27-4710-A790-D0D8EF49DA26}" srcId="{64202AC5-7621-4BEA-A4C3-4346A3B76C60}" destId="{596AB4A6-0F1A-4023-B6EF-8E441759BDB0}" srcOrd="2" destOrd="0" parTransId="{BE8D69FA-26A0-4589-900B-80E515675091}" sibTransId="{FB79C6AC-2F32-4EE1-8518-17257CF4449D}"/>
+    <dgm:cxn modelId="{17BAD398-96CC-441A-B91E-07A303A91401}" type="presOf" srcId="{FD3216D4-CB88-4730-BBB1-718B00152892}" destId="{5479C08E-D141-4414-A115-E442B60FEC4D}" srcOrd="0" destOrd="0" presId="urn:microsoft.com/office/officeart/2005/8/layout/hierarchy5"/>
+    <dgm:cxn modelId="{861A73F0-B450-4A39-9A1E-A17C17040A30}" srcId="{C91BAFB5-A6D7-454D-B4E8-165A4961C2A8}" destId="{13558860-2432-4B23-A59D-A5A5E1E91322}" srcOrd="1" destOrd="0" parTransId="{AB3699B2-8561-454A-806E-9D089908F7A6}" sibTransId="{A166CA5E-FBD0-4829-A076-940288435130}"/>
+    <dgm:cxn modelId="{95056C6F-94E8-4185-8118-20608CD79E6A}" srcId="{645A7BD1-820A-4A94-85C9-51CAE17DD8BD}" destId="{22665F06-27B5-4CFC-998E-1AA885C93314}" srcOrd="0" destOrd="0" parTransId="{D316DFA6-D15C-4369-8C33-424E939B0BC7}" sibTransId="{0513C8A6-1ABE-4268-A980-D05EF606D529}"/>
+    <dgm:cxn modelId="{D4110127-E291-4596-B532-97D07B476D33}" type="presOf" srcId="{AB3699B2-8561-454A-806E-9D089908F7A6}" destId="{857A7D8A-0AA1-403A-AB2E-7E94CA1880A6}" srcOrd="1" destOrd="0" presId="urn:microsoft.com/office/officeart/2005/8/layout/hierarchy5"/>
+    <dgm:cxn modelId="{14693F1D-CBA9-4AFF-BA55-36CF0CFF8783}" type="presOf" srcId="{645A7BD1-820A-4A94-85C9-51CAE17DD8BD}" destId="{304546B6-6368-477C-9454-99808B6E531D}" srcOrd="0" destOrd="0" presId="urn:microsoft.com/office/officeart/2005/8/layout/hierarchy5"/>
+    <dgm:cxn modelId="{C8E7F9D9-E56A-4C4F-B750-036B2C4BE301}" type="presOf" srcId="{AB3699B2-8561-454A-806E-9D089908F7A6}" destId="{8373141E-6E89-469C-8C2C-2222A4818AE9}" srcOrd="0" destOrd="0" presId="urn:microsoft.com/office/officeart/2005/8/layout/hierarchy5"/>
+    <dgm:cxn modelId="{6A4588BD-1F34-4726-B6EC-02C8C5F3052E}" type="presOf" srcId="{40B239C4-28FD-4786-82E1-CE8964C229EE}" destId="{C2BDCCFD-A3DD-47E4-B0F1-7088FBEA944B}" srcOrd="1" destOrd="0" presId="urn:microsoft.com/office/officeart/2005/8/layout/hierarchy5"/>
+    <dgm:cxn modelId="{647B2205-FB1C-4C52-819A-4FC0CFF64975}" type="presOf" srcId="{D316DFA6-D15C-4369-8C33-424E939B0BC7}" destId="{934B9D86-16B3-4B0B-9A7D-A424E84E9540}" srcOrd="0" destOrd="0" presId="urn:microsoft.com/office/officeart/2005/8/layout/hierarchy5"/>
+    <dgm:cxn modelId="{A2B5DA7A-536E-49FC-A6E6-182D14F8BEB1}" srcId="{C91BAFB5-A6D7-454D-B4E8-165A4961C2A8}" destId="{645A7BD1-820A-4A94-85C9-51CAE17DD8BD}" srcOrd="0" destOrd="0" parTransId="{FD3216D4-CB88-4730-BBB1-718B00152892}" sibTransId="{BC56E52A-C754-4F3E-956C-D0A4491BD03D}"/>
+    <dgm:cxn modelId="{76B536AD-64B2-4A27-9143-2F07A099080B}" type="presOf" srcId="{D97AAC04-45EB-4D63-A223-94B3DDD4B6F7}" destId="{FA50A609-1686-4EE3-B1D8-0823ED3BF084}" srcOrd="0" destOrd="0" presId="urn:microsoft.com/office/officeart/2005/8/layout/hierarchy5"/>
+    <dgm:cxn modelId="{610E928D-B2BB-4A62-9A73-A59DAE06099E}" srcId="{645A7BD1-820A-4A94-85C9-51CAE17DD8BD}" destId="{73524CFE-BD8B-481D-AB6A-6C5DF6C9E4E1}" srcOrd="1" destOrd="0" parTransId="{BC01E95B-D8A1-4016-A1FF-2DB86A3D319D}" sibTransId="{798DF8A6-D1BA-4602-98C0-C3428D5E596C}"/>
+    <dgm:cxn modelId="{5D65786B-885B-4C67-A61C-7844AA5E0644}" srcId="{64202AC5-7621-4BEA-A4C3-4346A3B76C60}" destId="{D97AAC04-45EB-4D63-A223-94B3DDD4B6F7}" srcOrd="1" destOrd="0" parTransId="{E3563EDF-AC43-4A88-ADE7-D070FBD5F31A}" sibTransId="{28D6891D-24BA-4D80-8DFC-A51E7D608B49}"/>
+    <dgm:cxn modelId="{5017BEC3-AC64-4EDE-B12D-A0A8A6795EDE}" type="presOf" srcId="{73524CFE-BD8B-481D-AB6A-6C5DF6C9E4E1}" destId="{2FFE2959-7013-4275-97FE-0D718B9603CE}" srcOrd="0" destOrd="0" presId="urn:microsoft.com/office/officeart/2005/8/layout/hierarchy5"/>
+    <dgm:cxn modelId="{0AC9E053-DDA5-4078-BCA3-2EB54D43ABA7}" type="presOf" srcId="{40B239C4-28FD-4786-82E1-CE8964C229EE}" destId="{A6150320-98F9-427D-850C-EF89B9801654}" srcOrd="0" destOrd="0" presId="urn:microsoft.com/office/officeart/2005/8/layout/hierarchy5"/>
+    <dgm:cxn modelId="{20817D41-D9C3-464F-83EE-04655CD6DCFA}" type="presOf" srcId="{FD3216D4-CB88-4730-BBB1-718B00152892}" destId="{BF3AFFA4-062F-48CF-AB2D-DEA96162F64A}" srcOrd="1" destOrd="0" presId="urn:microsoft.com/office/officeart/2005/8/layout/hierarchy5"/>
+    <dgm:cxn modelId="{26408113-CC49-485D-85E7-3B0F069DA9A0}" srcId="{64202AC5-7621-4BEA-A4C3-4346A3B76C60}" destId="{C91BAFB5-A6D7-454D-B4E8-165A4961C2A8}" srcOrd="0" destOrd="0" parTransId="{65699593-C987-4A39-82B9-6F49FE2FDDF9}" sibTransId="{9A537FD6-0CC6-4E77-B06A-3950548C9465}"/>
+    <dgm:cxn modelId="{3545FFE3-3569-405B-A413-090C58D073DD}" type="presOf" srcId="{BC01E95B-D8A1-4016-A1FF-2DB86A3D319D}" destId="{D7E578AC-26C7-4AC2-BC78-B7F1D9A07984}" srcOrd="1" destOrd="0" presId="urn:microsoft.com/office/officeart/2005/8/layout/hierarchy5"/>
+    <dgm:cxn modelId="{83A011F0-7CCF-46CA-B586-32A76EB4D608}" type="presOf" srcId="{13558860-2432-4B23-A59D-A5A5E1E91322}" destId="{ADE5334B-5F7D-4014-85B2-3ADEB4103056}" srcOrd="0" destOrd="0" presId="urn:microsoft.com/office/officeart/2005/8/layout/hierarchy5"/>
+    <dgm:cxn modelId="{29DC4A53-8ADF-4224-A6B7-81473E76D3A5}" srcId="{13558860-2432-4B23-A59D-A5A5E1E91322}" destId="{9B364363-80C2-4ED6-9A5E-D57780958CBF}" srcOrd="0" destOrd="0" parTransId="{29D0DE6F-62F6-4234-8A17-F0F949D6F6F2}" sibTransId="{A8236A71-C4D9-4D99-A691-F15327725F34}"/>
+    <dgm:cxn modelId="{44F6E36A-3734-4773-80A2-44DAE5750674}" type="presOf" srcId="{D316DFA6-D15C-4369-8C33-424E939B0BC7}" destId="{BC20CA0E-A358-4DE7-B27D-F4C540E72D4F}" srcOrd="1" destOrd="0" presId="urn:microsoft.com/office/officeart/2005/8/layout/hierarchy5"/>
+    <dgm:cxn modelId="{015DE5E7-8979-44BD-97FE-EE1FEAD7F829}" type="presOf" srcId="{C91BAFB5-A6D7-454D-B4E8-165A4961C2A8}" destId="{216E6CCD-2C2C-4AEE-BD07-0696D423DD9F}" srcOrd="0" destOrd="0" presId="urn:microsoft.com/office/officeart/2005/8/layout/hierarchy5"/>
+    <dgm:cxn modelId="{6191B307-4B73-4EF6-975C-10F3D58CF978}" type="presOf" srcId="{29D0DE6F-62F6-4234-8A17-F0F949D6F6F2}" destId="{27276609-32E0-4F2A-844A-06268B023994}" srcOrd="1" destOrd="0" presId="urn:microsoft.com/office/officeart/2005/8/layout/hierarchy5"/>
+    <dgm:cxn modelId="{37C6713E-DE14-43D1-9ED4-5AA8D0BFEED6}" type="presOf" srcId="{29D0DE6F-62F6-4234-8A17-F0F949D6F6F2}" destId="{C3AA3DF1-7072-4B04-A0D9-3CC73D165D16}" srcOrd="0" destOrd="0" presId="urn:microsoft.com/office/officeart/2005/8/layout/hierarchy5"/>
+    <dgm:cxn modelId="{D0FEBC03-D910-4BEE-9EE8-A6ACEF3EB712}" type="presOf" srcId="{64202AC5-7621-4BEA-A4C3-4346A3B76C60}" destId="{22CFCC7D-D6FB-49DD-BAD7-8A4B586ECB8D}" srcOrd="0" destOrd="0" presId="urn:microsoft.com/office/officeart/2005/8/layout/hierarchy5"/>
+    <dgm:cxn modelId="{4487CC81-177D-4ED5-9528-82AC1DB30DFD}" type="presOf" srcId="{9B364363-80C2-4ED6-9A5E-D57780958CBF}" destId="{E44DFEB6-D973-460F-AC4F-40368BFA49D2}" srcOrd="0" destOrd="0" presId="urn:microsoft.com/office/officeart/2005/8/layout/hierarchy5"/>
+    <dgm:cxn modelId="{7D65430C-C2D5-4D81-BB09-0BAA5133F742}" type="presOf" srcId="{22665F06-27B5-4CFC-998E-1AA885C93314}" destId="{A4E9D010-33E6-4695-896B-B387183646F7}" srcOrd="0" destOrd="0" presId="urn:microsoft.com/office/officeart/2005/8/layout/hierarchy5"/>
+    <dgm:cxn modelId="{F88EBC0C-F61B-4C15-A927-9A1039E3F90A}" type="presOf" srcId="{BC01E95B-D8A1-4016-A1FF-2DB86A3D319D}" destId="{35695188-4D5E-4DC3-8F92-104BAF725286}" srcOrd="0" destOrd="0" presId="urn:microsoft.com/office/officeart/2005/8/layout/hierarchy5"/>
+    <dgm:cxn modelId="{B6B46424-BAC5-43DF-B218-92C8166D3C9A}" srcId="{64202AC5-7621-4BEA-A4C3-4346A3B76C60}" destId="{40B239C4-28FD-4786-82E1-CE8964C229EE}" srcOrd="3" destOrd="0" parTransId="{960179C2-2CB0-4855-B2D8-756AABAA4C52}" sibTransId="{8FFA6799-5F63-4CE2-8037-BE225643027C}"/>
+    <dgm:cxn modelId="{2D39F1D5-7BFB-4C2B-9F32-C67995A5BD1A}" type="presParOf" srcId="{22CFCC7D-D6FB-49DD-BAD7-8A4B586ECB8D}" destId="{56144D66-FB86-45AE-A33A-E9F7D053D5EE}" srcOrd="0" destOrd="0" presId="urn:microsoft.com/office/officeart/2005/8/layout/hierarchy5"/>
+    <dgm:cxn modelId="{F5E58AD8-6901-45D6-B3DF-094FA00165F6}" type="presParOf" srcId="{56144D66-FB86-45AE-A33A-E9F7D053D5EE}" destId="{32912E5B-8F6B-4581-8516-3616DAC2F968}" srcOrd="0" destOrd="0" presId="urn:microsoft.com/office/officeart/2005/8/layout/hierarchy5"/>
+    <dgm:cxn modelId="{C9CDA642-8A59-4F6A-8C77-F76E00AB706F}" type="presParOf" srcId="{56144D66-FB86-45AE-A33A-E9F7D053D5EE}" destId="{C95A114C-3D57-488B-925D-9DE5209E6E39}" srcOrd="1" destOrd="0" presId="urn:microsoft.com/office/officeart/2005/8/layout/hierarchy5"/>
+    <dgm:cxn modelId="{523BD76B-435C-45CA-8237-36621F281B8B}" type="presParOf" srcId="{C95A114C-3D57-488B-925D-9DE5209E6E39}" destId="{709672EB-3F59-49D9-A5C4-E7994A8D5908}" srcOrd="0" destOrd="0" presId="urn:microsoft.com/office/officeart/2005/8/layout/hierarchy5"/>
+    <dgm:cxn modelId="{F2570C5B-C4D9-4B18-B1BC-60182E703005}" type="presParOf" srcId="{709672EB-3F59-49D9-A5C4-E7994A8D5908}" destId="{216E6CCD-2C2C-4AEE-BD07-0696D423DD9F}" srcOrd="0" destOrd="0" presId="urn:microsoft.com/office/officeart/2005/8/layout/hierarchy5"/>
+    <dgm:cxn modelId="{0F245DEB-DBB0-4ECB-87A4-5A36E6499A03}" type="presParOf" srcId="{709672EB-3F59-49D9-A5C4-E7994A8D5908}" destId="{F979056C-F989-432C-89F0-090B669E7C56}" srcOrd="1" destOrd="0" presId="urn:microsoft.com/office/officeart/2005/8/layout/hierarchy5"/>
+    <dgm:cxn modelId="{ED0F5158-B7FB-4741-8844-19EF140B1F87}" type="presParOf" srcId="{F979056C-F989-432C-89F0-090B669E7C56}" destId="{5479C08E-D141-4414-A115-E442B60FEC4D}" srcOrd="0" destOrd="0" presId="urn:microsoft.com/office/officeart/2005/8/layout/hierarchy5"/>
+    <dgm:cxn modelId="{4899AD80-C984-4B6D-BBB8-EFDFEAC96B00}" type="presParOf" srcId="{5479C08E-D141-4414-A115-E442B60FEC4D}" destId="{BF3AFFA4-062F-48CF-AB2D-DEA96162F64A}" srcOrd="0" destOrd="0" presId="urn:microsoft.com/office/officeart/2005/8/layout/hierarchy5"/>
+    <dgm:cxn modelId="{284ADFDE-B6CC-42EF-8E43-E3F890B0C5BE}" type="presParOf" srcId="{F979056C-F989-432C-89F0-090B669E7C56}" destId="{CD43CB15-0E58-4F9A-89CB-2057231D4388}" srcOrd="1" destOrd="0" presId="urn:microsoft.com/office/officeart/2005/8/layout/hierarchy5"/>
+    <dgm:cxn modelId="{FCB03980-CBC0-4895-A3EB-C54AD3A4C134}" type="presParOf" srcId="{CD43CB15-0E58-4F9A-89CB-2057231D4388}" destId="{304546B6-6368-477C-9454-99808B6E531D}" srcOrd="0" destOrd="0" presId="urn:microsoft.com/office/officeart/2005/8/layout/hierarchy5"/>
+    <dgm:cxn modelId="{64F8ED61-A6AE-4C31-AB09-450DF392C71E}" type="presParOf" srcId="{CD43CB15-0E58-4F9A-89CB-2057231D4388}" destId="{A0FE47CF-F9DF-4308-9C09-4698E16E2C82}" srcOrd="1" destOrd="0" presId="urn:microsoft.com/office/officeart/2005/8/layout/hierarchy5"/>
+    <dgm:cxn modelId="{C442D0FA-DC04-48E5-9FD3-212A7E4179B5}" type="presParOf" srcId="{A0FE47CF-F9DF-4308-9C09-4698E16E2C82}" destId="{934B9D86-16B3-4B0B-9A7D-A424E84E9540}" srcOrd="0" destOrd="0" presId="urn:microsoft.com/office/officeart/2005/8/layout/hierarchy5"/>
+    <dgm:cxn modelId="{BBAB01EA-24DC-4009-B808-01291D2F595A}" type="presParOf" srcId="{934B9D86-16B3-4B0B-9A7D-A424E84E9540}" destId="{BC20CA0E-A358-4DE7-B27D-F4C540E72D4F}" srcOrd="0" destOrd="0" presId="urn:microsoft.com/office/officeart/2005/8/layout/hierarchy5"/>
+    <dgm:cxn modelId="{8AF7AC62-07F8-4EF0-AD9E-BB699034C244}" type="presParOf" srcId="{A0FE47CF-F9DF-4308-9C09-4698E16E2C82}" destId="{FD3CC20A-D895-48EF-B4D0-B77F89B43542}" srcOrd="1" destOrd="0" presId="urn:microsoft.com/office/officeart/2005/8/layout/hierarchy5"/>
+    <dgm:cxn modelId="{5B38399D-00DE-4E6A-9021-C8CFE6A13275}" type="presParOf" srcId="{FD3CC20A-D895-48EF-B4D0-B77F89B43542}" destId="{A4E9D010-33E6-4695-896B-B387183646F7}" srcOrd="0" destOrd="0" presId="urn:microsoft.com/office/officeart/2005/8/layout/hierarchy5"/>
+    <dgm:cxn modelId="{CFC36CDF-29C8-47DE-8DE6-24DA04FE48FA}" type="presParOf" srcId="{FD3CC20A-D895-48EF-B4D0-B77F89B43542}" destId="{C8407893-5B8F-42FA-BD62-5174DDCE7F95}" srcOrd="1" destOrd="0" presId="urn:microsoft.com/office/officeart/2005/8/layout/hierarchy5"/>
+    <dgm:cxn modelId="{B18368AF-AE3C-4AC7-A847-AE6DB385C641}" type="presParOf" srcId="{A0FE47CF-F9DF-4308-9C09-4698E16E2C82}" destId="{35695188-4D5E-4DC3-8F92-104BAF725286}" srcOrd="2" destOrd="0" presId="urn:microsoft.com/office/officeart/2005/8/layout/hierarchy5"/>
+    <dgm:cxn modelId="{A7244741-411C-4DDF-BA5A-1E89BB0F6260}" type="presParOf" srcId="{35695188-4D5E-4DC3-8F92-104BAF725286}" destId="{D7E578AC-26C7-4AC2-BC78-B7F1D9A07984}" srcOrd="0" destOrd="0" presId="urn:microsoft.com/office/officeart/2005/8/layout/hierarchy5"/>
+    <dgm:cxn modelId="{D4DC9AC9-3702-462C-BA3A-4D9B67817454}" type="presParOf" srcId="{A0FE47CF-F9DF-4308-9C09-4698E16E2C82}" destId="{93DF7CBB-1FE5-4E89-A3E1-CB0B0141A8BE}" srcOrd="3" destOrd="0" presId="urn:microsoft.com/office/officeart/2005/8/layout/hierarchy5"/>
+    <dgm:cxn modelId="{E7E6AD74-2859-4851-87BF-80141B504710}" type="presParOf" srcId="{93DF7CBB-1FE5-4E89-A3E1-CB0B0141A8BE}" destId="{2FFE2959-7013-4275-97FE-0D718B9603CE}" srcOrd="0" destOrd="0" presId="urn:microsoft.com/office/officeart/2005/8/layout/hierarchy5"/>
+    <dgm:cxn modelId="{F3A886DE-0AA5-43EC-94CA-227E0AB0A114}" type="presParOf" srcId="{93DF7CBB-1FE5-4E89-A3E1-CB0B0141A8BE}" destId="{09B6136B-02BE-4449-A6D9-5C540119A3F2}" srcOrd="1" destOrd="0" presId="urn:microsoft.com/office/officeart/2005/8/layout/hierarchy5"/>
+    <dgm:cxn modelId="{A504A5E5-C1AE-4038-9B9C-61B69BC4F9C7}" type="presParOf" srcId="{F979056C-F989-432C-89F0-090B669E7C56}" destId="{8373141E-6E89-469C-8C2C-2222A4818AE9}" srcOrd="2" destOrd="0" presId="urn:microsoft.com/office/officeart/2005/8/layout/hierarchy5"/>
+    <dgm:cxn modelId="{1A765853-2870-49E8-AEFE-A681644516D3}" type="presParOf" srcId="{8373141E-6E89-469C-8C2C-2222A4818AE9}" destId="{857A7D8A-0AA1-403A-AB2E-7E94CA1880A6}" srcOrd="0" destOrd="0" presId="urn:microsoft.com/office/officeart/2005/8/layout/hierarchy5"/>
+    <dgm:cxn modelId="{274A6334-CBD7-4EE1-91AF-374BFA844359}" type="presParOf" srcId="{F979056C-F989-432C-89F0-090B669E7C56}" destId="{DAFBC4D5-5B97-40AA-8E74-21D53B53EC0B}" srcOrd="3" destOrd="0" presId="urn:microsoft.com/office/officeart/2005/8/layout/hierarchy5"/>
+    <dgm:cxn modelId="{C640995F-9A60-45AD-AE0A-7C59EB09CE76}" type="presParOf" srcId="{DAFBC4D5-5B97-40AA-8E74-21D53B53EC0B}" destId="{ADE5334B-5F7D-4014-85B2-3ADEB4103056}" srcOrd="0" destOrd="0" presId="urn:microsoft.com/office/officeart/2005/8/layout/hierarchy5"/>
+    <dgm:cxn modelId="{80DD0247-462E-4EC6-8752-6EF7BCA51B04}" type="presParOf" srcId="{DAFBC4D5-5B97-40AA-8E74-21D53B53EC0B}" destId="{4E157B58-2077-483D-BFB3-160DA4600754}" srcOrd="1" destOrd="0" presId="urn:microsoft.com/office/officeart/2005/8/layout/hierarchy5"/>
+    <dgm:cxn modelId="{00D3ABE3-9141-47BA-AAE3-29FDA093FD3E}" type="presParOf" srcId="{4E157B58-2077-483D-BFB3-160DA4600754}" destId="{C3AA3DF1-7072-4B04-A0D9-3CC73D165D16}" srcOrd="0" destOrd="0" presId="urn:microsoft.com/office/officeart/2005/8/layout/hierarchy5"/>
+    <dgm:cxn modelId="{4F2A0D83-BA06-4E69-A395-89AAB268579F}" type="presParOf" srcId="{C3AA3DF1-7072-4B04-A0D9-3CC73D165D16}" destId="{27276609-32E0-4F2A-844A-06268B023994}" srcOrd="0" destOrd="0" presId="urn:microsoft.com/office/officeart/2005/8/layout/hierarchy5"/>
+    <dgm:cxn modelId="{3FDDDBA0-78F8-4F98-AC7B-91FCE3A273A8}" type="presParOf" srcId="{4E157B58-2077-483D-BFB3-160DA4600754}" destId="{423EBE52-43FD-4BA6-B00A-E22E6A579CE0}" srcOrd="1" destOrd="0" presId="urn:microsoft.com/office/officeart/2005/8/layout/hierarchy5"/>
+    <dgm:cxn modelId="{1F585F22-547C-43A8-814C-76BEFB2DC28B}" type="presParOf" srcId="{423EBE52-43FD-4BA6-B00A-E22E6A579CE0}" destId="{E44DFEB6-D973-460F-AC4F-40368BFA49D2}" srcOrd="0" destOrd="0" presId="urn:microsoft.com/office/officeart/2005/8/layout/hierarchy5"/>
+    <dgm:cxn modelId="{1707216C-0F67-4899-887B-F3F09ACE4A48}" type="presParOf" srcId="{423EBE52-43FD-4BA6-B00A-E22E6A579CE0}" destId="{F6386710-A2B1-4396-A238-D00C12F37BC8}" srcOrd="1" destOrd="0" presId="urn:microsoft.com/office/officeart/2005/8/layout/hierarchy5"/>
+    <dgm:cxn modelId="{444C342B-63A7-464A-B006-A653493F689C}" type="presParOf" srcId="{22CFCC7D-D6FB-49DD-BAD7-8A4B586ECB8D}" destId="{07564AD1-3DFE-4671-A04C-8A0B0B6293EB}" srcOrd="1" destOrd="0" presId="urn:microsoft.com/office/officeart/2005/8/layout/hierarchy5"/>
+    <dgm:cxn modelId="{229AD5A6-E682-4685-A336-79847B875795}" type="presParOf" srcId="{07564AD1-3DFE-4671-A04C-8A0B0B6293EB}" destId="{39AFACAE-73CB-41DF-8A97-271D65A18D36}" srcOrd="0" destOrd="0" presId="urn:microsoft.com/office/officeart/2005/8/layout/hierarchy5"/>
+    <dgm:cxn modelId="{695DC7D7-C57A-41B7-9610-A7FD74005945}" type="presParOf" srcId="{39AFACAE-73CB-41DF-8A97-271D65A18D36}" destId="{FA50A609-1686-4EE3-B1D8-0823ED3BF084}" srcOrd="0" destOrd="0" presId="urn:microsoft.com/office/officeart/2005/8/layout/hierarchy5"/>
+    <dgm:cxn modelId="{6EBAE7E1-E8CC-4293-B12B-7C835CE10337}" type="presParOf" srcId="{39AFACAE-73CB-41DF-8A97-271D65A18D36}" destId="{4C2EF9B0-CFB7-43C7-A9B1-7059A05BE40D}" srcOrd="1" destOrd="0" presId="urn:microsoft.com/office/officeart/2005/8/layout/hierarchy5"/>
+    <dgm:cxn modelId="{BB221AB5-77A5-45EB-A350-3359D80415B8}" type="presParOf" srcId="{07564AD1-3DFE-4671-A04C-8A0B0B6293EB}" destId="{5C0A75E0-295C-4FC8-A438-F9FC6916B516}" srcOrd="1" destOrd="0" presId="urn:microsoft.com/office/officeart/2005/8/layout/hierarchy5"/>
+    <dgm:cxn modelId="{838F5D4E-80AC-4DC7-ACA7-1724FF45DCBD}" type="presParOf" srcId="{5C0A75E0-295C-4FC8-A438-F9FC6916B516}" destId="{F5243E8C-D869-4B56-B3E6-ECB245839748}" srcOrd="0" destOrd="0" presId="urn:microsoft.com/office/officeart/2005/8/layout/hierarchy5"/>
+    <dgm:cxn modelId="{908AF5F1-1556-402C-9C1E-46303FEEB6D7}" type="presParOf" srcId="{07564AD1-3DFE-4671-A04C-8A0B0B6293EB}" destId="{1EF14CD4-AE65-40F9-B291-C6CA0001A19F}" srcOrd="2" destOrd="0" presId="urn:microsoft.com/office/officeart/2005/8/layout/hierarchy5"/>
+    <dgm:cxn modelId="{78A2F1D9-D6B3-46DC-B5A0-6FB113D3F243}" type="presParOf" srcId="{1EF14CD4-AE65-40F9-B291-C6CA0001A19F}" destId="{5FDB450B-16BA-49B2-B9A1-8D77E23EE14C}" srcOrd="0" destOrd="0" presId="urn:microsoft.com/office/officeart/2005/8/layout/hierarchy5"/>
+    <dgm:cxn modelId="{F6DC8D86-CF53-4173-818F-7A12ABE6CE63}" type="presParOf" srcId="{1EF14CD4-AE65-40F9-B291-C6CA0001A19F}" destId="{8E119355-392E-4C42-8A78-F0AE50F9CF16}" srcOrd="1" destOrd="0" presId="urn:microsoft.com/office/officeart/2005/8/layout/hierarchy5"/>
+    <dgm:cxn modelId="{C3EE4E40-12E4-4FF3-93FA-DAFDE96314DF}" type="presParOf" srcId="{07564AD1-3DFE-4671-A04C-8A0B0B6293EB}" destId="{5AED86CC-C104-433A-90E2-ED1F450CC2C2}" srcOrd="3" destOrd="0" presId="urn:microsoft.com/office/officeart/2005/8/layout/hierarchy5"/>
+    <dgm:cxn modelId="{60E34395-B0C2-4C92-9F93-62BDCA820E85}" type="presParOf" srcId="{5AED86CC-C104-433A-90E2-ED1F450CC2C2}" destId="{F5475C7F-8481-41FA-8A8E-DCAD9710CA4E}" srcOrd="0" destOrd="0" presId="urn:microsoft.com/office/officeart/2005/8/layout/hierarchy5"/>
+    <dgm:cxn modelId="{7E34EAD2-D2DF-4658-9C9D-82A582D49E89}" type="presParOf" srcId="{07564AD1-3DFE-4671-A04C-8A0B0B6293EB}" destId="{BD7E1183-7A88-4210-A779-E66DB8177BB1}" srcOrd="4" destOrd="0" presId="urn:microsoft.com/office/officeart/2005/8/layout/hierarchy5"/>
+    <dgm:cxn modelId="{DB2383F2-36E9-4959-8698-917ADC122738}" type="presParOf" srcId="{BD7E1183-7A88-4210-A779-E66DB8177BB1}" destId="{A6150320-98F9-427D-850C-EF89B9801654}" srcOrd="0" destOrd="0" presId="urn:microsoft.com/office/officeart/2005/8/layout/hierarchy5"/>
+    <dgm:cxn modelId="{8C9B889F-5FB9-424A-BBE5-A2AF36CD152C}" type="presParOf" srcId="{BD7E1183-7A88-4210-A779-E66DB8177BB1}" destId="{C2BDCCFD-A3DD-47E4-B0F1-7088FBEA944B}" srcOrd="1" destOrd="0" presId="urn:microsoft.com/office/officeart/2005/8/layout/hierarchy5"/>
+  </dgm:cxnLst>
+  <dgm:bg/>
+  <dgm:whole/>
+  <dgm:extLst>
+    <a:ext uri="http://schemas.microsoft.com/office/drawing/2008/diagram">
+      <dsp:dataModelExt xmlns:dsp="http://schemas.microsoft.com/office/drawing/2008/diagram" relId="rId6" minVer="http://schemas.openxmlformats.org/drawingml/2006/diagram"/>
+    </a:ext>
+  </dgm:extLst>
+</dgm:dataModel>
+</file>
+
+<file path=ppt/diagrams/drawing1.xml><?xml version="1.0" encoding="utf-8"?>
+<dsp:drawing xmlns:dgm="http://schemas.openxmlformats.org/drawingml/2006/diagram" xmlns:dsp="http://schemas.microsoft.com/office/drawing/2008/diagram" xmlns:a="http://schemas.openxmlformats.org/drawingml/2006/main">
+  <dsp:spTree>
+    <dsp:nvGrpSpPr>
+      <dsp:cNvPr id="0" name=""/>
+      <dsp:cNvGrpSpPr/>
+    </dsp:nvGrpSpPr>
+    <dsp:grpSpPr/>
+    <dsp:sp modelId="{A6150320-98F9-427D-850C-EF89B9801654}">
+      <dsp:nvSpPr>
+        <dsp:cNvPr id="0" name=""/>
+        <dsp:cNvSpPr/>
+      </dsp:nvSpPr>
+      <dsp:spPr>
+        <a:xfrm>
+          <a:off x="2007" y="0"/>
+          <a:ext cx="2435981" cy="5418667"/>
+        </a:xfrm>
+        <a:prstGeom prst="roundRect">
+          <a:avLst>
+            <a:gd name="adj" fmla="val 10000"/>
+          </a:avLst>
+        </a:prstGeom>
+        <a:solidFill>
+          <a:schemeClr val="accent1">
+            <a:tint val="40000"/>
+            <a:hueOff val="0"/>
+            <a:satOff val="0"/>
+            <a:lumOff val="0"/>
+            <a:alphaOff val="0"/>
+          </a:schemeClr>
+        </a:solidFill>
+        <a:ln>
+          <a:noFill/>
+        </a:ln>
+        <a:effectLst/>
+      </dsp:spPr>
+      <dsp:style>
+        <a:lnRef idx="0">
+          <a:scrgbClr r="0" g="0" b="0"/>
+        </a:lnRef>
+        <a:fillRef idx="1">
+          <a:scrgbClr r="0" g="0" b="0"/>
+        </a:fillRef>
+        <a:effectRef idx="0">
+          <a:scrgbClr r="0" g="0" b="0"/>
+        </a:effectRef>
+        <a:fontRef idx="minor"/>
+      </dsp:style>
+      <dsp:txBody>
+        <a:bodyPr spcFirstLastPara="0" vert="horz" wrap="square" lIns="270256" tIns="270256" rIns="270256" bIns="270256" numCol="1" spcCol="1270" anchor="ctr" anchorCtr="0">
+          <a:noAutofit/>
+        </a:bodyPr>
+        <a:lstStyle/>
+        <a:p>
+          <a:pPr lvl="0" algn="ctr" defTabSz="1689100">
+            <a:lnSpc>
+              <a:spcPct val="90000"/>
+            </a:lnSpc>
+            <a:spcBef>
+              <a:spcPct val="0"/>
+            </a:spcBef>
+            <a:spcAft>
+              <a:spcPct val="35000"/>
+            </a:spcAft>
+          </a:pPr>
+          <a:r>
+            <a:rPr lang="en-GB" sz="3800" kern="1200" dirty="0" smtClean="0"/>
+            <a:t>Input Layer</a:t>
+          </a:r>
+          <a:endParaRPr lang="en-GB" sz="3800" kern="1200" dirty="0"/>
+        </a:p>
+      </dsp:txBody>
+      <dsp:txXfrm>
+        <a:off x="2007" y="0"/>
+        <a:ext cx="2435981" cy="1625600"/>
+      </dsp:txXfrm>
+    </dsp:sp>
+    <dsp:sp modelId="{5FDB450B-16BA-49B2-B9A1-8D77E23EE14C}">
+      <dsp:nvSpPr>
+        <dsp:cNvPr id="0" name=""/>
+        <dsp:cNvSpPr/>
+      </dsp:nvSpPr>
+      <dsp:spPr>
+        <a:xfrm>
+          <a:off x="2845976" y="0"/>
+          <a:ext cx="2435981" cy="5418667"/>
+        </a:xfrm>
+        <a:prstGeom prst="roundRect">
+          <a:avLst>
+            <a:gd name="adj" fmla="val 10000"/>
+          </a:avLst>
+        </a:prstGeom>
+        <a:solidFill>
+          <a:schemeClr val="accent1">
+            <a:tint val="40000"/>
+            <a:hueOff val="0"/>
+            <a:satOff val="0"/>
+            <a:lumOff val="0"/>
+            <a:alphaOff val="0"/>
+          </a:schemeClr>
+        </a:solidFill>
+        <a:ln>
+          <a:noFill/>
+        </a:ln>
+        <a:effectLst/>
+      </dsp:spPr>
+      <dsp:style>
+        <a:lnRef idx="0">
+          <a:scrgbClr r="0" g="0" b="0"/>
+        </a:lnRef>
+        <a:fillRef idx="1">
+          <a:scrgbClr r="0" g="0" b="0"/>
+        </a:fillRef>
+        <a:effectRef idx="0">
+          <a:scrgbClr r="0" g="0" b="0"/>
+        </a:effectRef>
+        <a:fontRef idx="minor"/>
+      </dsp:style>
+      <dsp:txBody>
+        <a:bodyPr spcFirstLastPara="0" vert="horz" wrap="square" lIns="270256" tIns="270256" rIns="270256" bIns="270256" numCol="1" spcCol="1270" anchor="ctr" anchorCtr="0">
+          <a:noAutofit/>
+        </a:bodyPr>
+        <a:lstStyle/>
+        <a:p>
+          <a:pPr lvl="0" algn="ctr" defTabSz="1689100">
+            <a:lnSpc>
+              <a:spcPct val="90000"/>
+            </a:lnSpc>
+            <a:spcBef>
+              <a:spcPct val="0"/>
+            </a:spcBef>
+            <a:spcAft>
+              <a:spcPct val="35000"/>
+            </a:spcAft>
+          </a:pPr>
+          <a:r>
+            <a:rPr lang="en-GB" sz="3800" kern="1200" dirty="0" smtClean="0"/>
+            <a:t>Inner Layer</a:t>
+          </a:r>
+          <a:endParaRPr lang="en-GB" sz="3800" kern="1200" dirty="0"/>
+        </a:p>
+      </dsp:txBody>
+      <dsp:txXfrm>
+        <a:off x="2845976" y="0"/>
+        <a:ext cx="2435981" cy="1625600"/>
+      </dsp:txXfrm>
+    </dsp:sp>
+    <dsp:sp modelId="{FA50A609-1686-4EE3-B1D8-0823ED3BF084}">
+      <dsp:nvSpPr>
+        <dsp:cNvPr id="0" name=""/>
+        <dsp:cNvSpPr/>
+      </dsp:nvSpPr>
+      <dsp:spPr>
+        <a:xfrm>
+          <a:off x="5689946" y="0"/>
+          <a:ext cx="2435981" cy="5418667"/>
+        </a:xfrm>
+        <a:prstGeom prst="roundRect">
+          <a:avLst>
+            <a:gd name="adj" fmla="val 10000"/>
+          </a:avLst>
+        </a:prstGeom>
+        <a:solidFill>
+          <a:schemeClr val="accent1">
+            <a:tint val="40000"/>
+            <a:hueOff val="0"/>
+            <a:satOff val="0"/>
+            <a:lumOff val="0"/>
+            <a:alphaOff val="0"/>
+          </a:schemeClr>
+        </a:solidFill>
+        <a:ln>
+          <a:noFill/>
+        </a:ln>
+        <a:effectLst/>
+      </dsp:spPr>
+      <dsp:style>
+        <a:lnRef idx="0">
+          <a:scrgbClr r="0" g="0" b="0"/>
+        </a:lnRef>
+        <a:fillRef idx="1">
+          <a:scrgbClr r="0" g="0" b="0"/>
+        </a:fillRef>
+        <a:effectRef idx="0">
+          <a:scrgbClr r="0" g="0" b="0"/>
+        </a:effectRef>
+        <a:fontRef idx="minor"/>
+      </dsp:style>
+      <dsp:txBody>
+        <a:bodyPr spcFirstLastPara="0" vert="horz" wrap="square" lIns="270256" tIns="270256" rIns="270256" bIns="270256" numCol="1" spcCol="1270" anchor="ctr" anchorCtr="0">
+          <a:noAutofit/>
+        </a:bodyPr>
+        <a:lstStyle/>
+        <a:p>
+          <a:pPr lvl="0" algn="ctr" defTabSz="1689100">
+            <a:lnSpc>
+              <a:spcPct val="90000"/>
+            </a:lnSpc>
+            <a:spcBef>
+              <a:spcPct val="0"/>
+            </a:spcBef>
+            <a:spcAft>
+              <a:spcPct val="35000"/>
+            </a:spcAft>
+          </a:pPr>
+          <a:r>
+            <a:rPr lang="en-GB" sz="3800" kern="1200" dirty="0" smtClean="0"/>
+            <a:t>Output Layer</a:t>
+          </a:r>
+          <a:endParaRPr lang="en-GB" sz="3800" kern="1200" dirty="0"/>
+        </a:p>
+      </dsp:txBody>
+      <dsp:txXfrm>
+        <a:off x="5689946" y="0"/>
+        <a:ext cx="2435981" cy="1625600"/>
+      </dsp:txXfrm>
+    </dsp:sp>
+    <dsp:sp modelId="{216E6CCD-2C2C-4AEE-BD07-0696D423DD9F}">
+      <dsp:nvSpPr>
+        <dsp:cNvPr id="0" name=""/>
+        <dsp:cNvSpPr/>
+      </dsp:nvSpPr>
+      <dsp:spPr>
+        <a:xfrm>
+          <a:off x="5882060" y="3197016"/>
+          <a:ext cx="2039937" cy="1019968"/>
+        </a:xfrm>
+        <a:prstGeom prst="roundRect">
+          <a:avLst>
+            <a:gd name="adj" fmla="val 10000"/>
+          </a:avLst>
+        </a:prstGeom>
+        <a:solidFill>
+          <a:schemeClr val="accent1">
+            <a:hueOff val="0"/>
+            <a:satOff val="0"/>
+            <a:lumOff val="0"/>
+            <a:alphaOff val="0"/>
+          </a:schemeClr>
+        </a:solidFill>
+        <a:ln w="12700" cap="flat" cmpd="sng" algn="ctr">
+          <a:solidFill>
+            <a:schemeClr val="lt1">
+              <a:hueOff val="0"/>
+              <a:satOff val="0"/>
+              <a:lumOff val="0"/>
+              <a:alphaOff val="0"/>
+            </a:schemeClr>
+          </a:solidFill>
+          <a:prstDash val="solid"/>
+          <a:miter lim="800000"/>
+        </a:ln>
+        <a:effectLst/>
+      </dsp:spPr>
+      <dsp:style>
+        <a:lnRef idx="2">
+          <a:scrgbClr r="0" g="0" b="0"/>
+        </a:lnRef>
+        <a:fillRef idx="1">
+          <a:scrgbClr r="0" g="0" b="0"/>
+        </a:fillRef>
+        <a:effectRef idx="0">
+          <a:scrgbClr r="0" g="0" b="0"/>
+        </a:effectRef>
+        <a:fontRef idx="minor">
+          <a:schemeClr val="lt1"/>
+        </a:fontRef>
+      </dsp:style>
+      <dsp:txBody>
+        <a:bodyPr spcFirstLastPara="0" vert="horz" wrap="square" lIns="40005" tIns="40005" rIns="40005" bIns="40005" numCol="1" spcCol="1270" anchor="ctr" anchorCtr="0">
+          <a:noAutofit/>
+        </a:bodyPr>
+        <a:lstStyle/>
+        <a:p>
+          <a:pPr lvl="0" algn="ctr" defTabSz="2800350">
+            <a:lnSpc>
+              <a:spcPct val="90000"/>
+            </a:lnSpc>
+            <a:spcBef>
+              <a:spcPct val="0"/>
+            </a:spcBef>
+            <a:spcAft>
+              <a:spcPct val="35000"/>
+            </a:spcAft>
+          </a:pPr>
+          <a:r>
+            <a:rPr lang="en-GB" sz="6300" kern="1200" dirty="0" smtClean="0"/>
+            <a:t> </a:t>
+          </a:r>
+          <a:endParaRPr lang="en-GB" sz="6300" kern="1200" dirty="0"/>
+        </a:p>
+      </dsp:txBody>
+      <dsp:txXfrm>
+        <a:off x="5911934" y="3226890"/>
+        <a:ext cx="1980189" cy="960220"/>
+      </dsp:txXfrm>
+    </dsp:sp>
+    <dsp:sp modelId="{5479C08E-D141-4414-A115-E442B60FEC4D}">
+      <dsp:nvSpPr>
+        <dsp:cNvPr id="0" name=""/>
+        <dsp:cNvSpPr/>
+      </dsp:nvSpPr>
+      <dsp:spPr>
+        <a:xfrm rot="13629178">
+          <a:off x="4874130" y="3250198"/>
+          <a:ext cx="1199886" cy="33881"/>
+        </a:xfrm>
+        <a:custGeom>
+          <a:avLst/>
+          <a:gdLst/>
+          <a:ahLst/>
+          <a:cxnLst/>
+          <a:rect l="0" t="0" r="0" b="0"/>
+          <a:pathLst>
+            <a:path>
+              <a:moveTo>
+                <a:pt x="0" y="16940"/>
+              </a:moveTo>
+              <a:lnTo>
+                <a:pt x="1199886" y="16940"/>
+              </a:lnTo>
+            </a:path>
+          </a:pathLst>
+        </a:custGeom>
+        <a:noFill/>
+        <a:ln w="12700" cap="flat" cmpd="sng" algn="ctr">
+          <a:solidFill>
+            <a:schemeClr val="accent1">
+              <a:shade val="60000"/>
+              <a:hueOff val="0"/>
+              <a:satOff val="0"/>
+              <a:lumOff val="0"/>
+              <a:alphaOff val="0"/>
+            </a:schemeClr>
+          </a:solidFill>
+          <a:prstDash val="solid"/>
+          <a:miter lim="800000"/>
+        </a:ln>
+        <a:effectLst/>
+      </dsp:spPr>
+      <dsp:style>
+        <a:lnRef idx="2">
+          <a:scrgbClr r="0" g="0" b="0"/>
+        </a:lnRef>
+        <a:fillRef idx="0">
+          <a:scrgbClr r="0" g="0" b="0"/>
+        </a:fillRef>
+        <a:effectRef idx="0">
+          <a:scrgbClr r="0" g="0" b="0"/>
+        </a:effectRef>
+        <a:fontRef idx="minor"/>
+      </dsp:style>
+      <dsp:txBody>
+        <a:bodyPr spcFirstLastPara="0" vert="horz" wrap="square" lIns="12700" tIns="0" rIns="12700" bIns="0" numCol="1" spcCol="1270" anchor="ctr" anchorCtr="0">
+          <a:noAutofit/>
+        </a:bodyPr>
+        <a:lstStyle/>
+        <a:p>
+          <a:pPr lvl="0" algn="ctr" defTabSz="222250">
+            <a:lnSpc>
+              <a:spcPct val="90000"/>
+            </a:lnSpc>
+            <a:spcBef>
+              <a:spcPct val="0"/>
+            </a:spcBef>
+            <a:spcAft>
+              <a:spcPct val="35000"/>
+            </a:spcAft>
+          </a:pPr>
+          <a:endParaRPr lang="en-GB" sz="500" kern="1200"/>
+        </a:p>
+      </dsp:txBody>
+      <dsp:txXfrm rot="10800000">
+        <a:off x="5444076" y="3237142"/>
+        <a:ext cx="59994" cy="59994"/>
+      </dsp:txXfrm>
+    </dsp:sp>
+    <dsp:sp modelId="{304546B6-6368-477C-9454-99808B6E531D}">
+      <dsp:nvSpPr>
+        <dsp:cNvPr id="0" name=""/>
+        <dsp:cNvSpPr/>
+      </dsp:nvSpPr>
+      <dsp:spPr>
+        <a:xfrm>
+          <a:off x="3026148" y="2317293"/>
+          <a:ext cx="2039937" cy="1019968"/>
+        </a:xfrm>
+        <a:prstGeom prst="roundRect">
+          <a:avLst>
+            <a:gd name="adj" fmla="val 10000"/>
+          </a:avLst>
+        </a:prstGeom>
+        <a:solidFill>
+          <a:schemeClr val="accent1">
+            <a:hueOff val="0"/>
+            <a:satOff val="0"/>
+            <a:lumOff val="0"/>
+            <a:alphaOff val="0"/>
+          </a:schemeClr>
+        </a:solidFill>
+        <a:ln w="12700" cap="flat" cmpd="sng" algn="ctr">
+          <a:solidFill>
+            <a:schemeClr val="lt1">
+              <a:hueOff val="0"/>
+              <a:satOff val="0"/>
+              <a:lumOff val="0"/>
+              <a:alphaOff val="0"/>
+            </a:schemeClr>
+          </a:solidFill>
+          <a:prstDash val="solid"/>
+          <a:miter lim="800000"/>
+        </a:ln>
+        <a:effectLst/>
+      </dsp:spPr>
+      <dsp:style>
+        <a:lnRef idx="2">
+          <a:scrgbClr r="0" g="0" b="0"/>
+        </a:lnRef>
+        <a:fillRef idx="1">
+          <a:scrgbClr r="0" g="0" b="0"/>
+        </a:fillRef>
+        <a:effectRef idx="0">
+          <a:scrgbClr r="0" g="0" b="0"/>
+        </a:effectRef>
+        <a:fontRef idx="minor">
+          <a:schemeClr val="lt1"/>
+        </a:fontRef>
+      </dsp:style>
+      <dsp:txBody>
+        <a:bodyPr spcFirstLastPara="0" vert="horz" wrap="square" lIns="40005" tIns="40005" rIns="40005" bIns="40005" numCol="1" spcCol="1270" anchor="ctr" anchorCtr="0">
+          <a:noAutofit/>
+        </a:bodyPr>
+        <a:lstStyle/>
+        <a:p>
+          <a:pPr lvl="0" algn="ctr" defTabSz="2800350">
+            <a:lnSpc>
+              <a:spcPct val="90000"/>
+            </a:lnSpc>
+            <a:spcBef>
+              <a:spcPct val="0"/>
+            </a:spcBef>
+            <a:spcAft>
+              <a:spcPct val="35000"/>
+            </a:spcAft>
+          </a:pPr>
+          <a:r>
+            <a:rPr lang="en-GB" sz="6300" kern="1200" dirty="0" smtClean="0"/>
+            <a:t> </a:t>
+          </a:r>
+          <a:endParaRPr lang="en-GB" sz="6300" kern="1200" dirty="0"/>
+        </a:p>
+      </dsp:txBody>
+      <dsp:txXfrm>
+        <a:off x="3056022" y="2347167"/>
+        <a:ext cx="1980189" cy="960220"/>
+      </dsp:txXfrm>
+    </dsp:sp>
+    <dsp:sp modelId="{934B9D86-16B3-4B0B-9A7D-A424E84E9540}">
+      <dsp:nvSpPr>
+        <dsp:cNvPr id="0" name=""/>
+        <dsp:cNvSpPr/>
+      </dsp:nvSpPr>
+      <dsp:spPr>
+        <a:xfrm rot="12942401">
+          <a:off x="2115722" y="2517096"/>
+          <a:ext cx="1004876" cy="33881"/>
+        </a:xfrm>
+        <a:custGeom>
+          <a:avLst/>
+          <a:gdLst/>
+          <a:ahLst/>
+          <a:cxnLst/>
+          <a:rect l="0" t="0" r="0" b="0"/>
+          <a:pathLst>
+            <a:path>
+              <a:moveTo>
+                <a:pt x="0" y="16940"/>
+              </a:moveTo>
+              <a:lnTo>
+                <a:pt x="1004876" y="16940"/>
+              </a:lnTo>
+            </a:path>
+          </a:pathLst>
+        </a:custGeom>
+        <a:noFill/>
+        <a:ln w="12700" cap="flat" cmpd="sng" algn="ctr">
+          <a:solidFill>
+            <a:schemeClr val="accent1">
+              <a:shade val="80000"/>
+              <a:hueOff val="0"/>
+              <a:satOff val="0"/>
+              <a:lumOff val="0"/>
+              <a:alphaOff val="0"/>
+            </a:schemeClr>
+          </a:solidFill>
+          <a:prstDash val="solid"/>
+          <a:miter lim="800000"/>
+        </a:ln>
+        <a:effectLst/>
+      </dsp:spPr>
+      <dsp:style>
+        <a:lnRef idx="2">
+          <a:scrgbClr r="0" g="0" b="0"/>
+        </a:lnRef>
+        <a:fillRef idx="0">
+          <a:scrgbClr r="0" g="0" b="0"/>
+        </a:fillRef>
+        <a:effectRef idx="0">
+          <a:scrgbClr r="0" g="0" b="0"/>
+        </a:effectRef>
+        <a:fontRef idx="minor"/>
+      </dsp:style>
+      <dsp:txBody>
+        <a:bodyPr spcFirstLastPara="0" vert="horz" wrap="square" lIns="12700" tIns="0" rIns="12700" bIns="0" numCol="1" spcCol="1270" anchor="ctr" anchorCtr="0">
+          <a:noAutofit/>
+        </a:bodyPr>
+        <a:lstStyle/>
+        <a:p>
+          <a:pPr lvl="0" algn="ctr" defTabSz="222250">
+            <a:lnSpc>
+              <a:spcPct val="90000"/>
+            </a:lnSpc>
+            <a:spcBef>
+              <a:spcPct val="0"/>
+            </a:spcBef>
+            <a:spcAft>
+              <a:spcPct val="35000"/>
+            </a:spcAft>
+          </a:pPr>
+          <a:endParaRPr lang="en-GB" sz="500" kern="1200"/>
+        </a:p>
+      </dsp:txBody>
+      <dsp:txXfrm rot="10800000">
+        <a:off x="2593038" y="2508915"/>
+        <a:ext cx="50243" cy="50243"/>
+      </dsp:txXfrm>
+    </dsp:sp>
+    <dsp:sp modelId="{A4E9D010-33E6-4695-896B-B387183646F7}">
+      <dsp:nvSpPr>
+        <dsp:cNvPr id="0" name=""/>
+        <dsp:cNvSpPr/>
+      </dsp:nvSpPr>
+      <dsp:spPr>
+        <a:xfrm>
+          <a:off x="170235" y="1730811"/>
+          <a:ext cx="2039937" cy="1019968"/>
+        </a:xfrm>
+        <a:prstGeom prst="roundRect">
+          <a:avLst>
+            <a:gd name="adj" fmla="val 10000"/>
+          </a:avLst>
+        </a:prstGeom>
+        <a:solidFill>
+          <a:schemeClr val="accent1">
+            <a:hueOff val="0"/>
+            <a:satOff val="0"/>
+            <a:lumOff val="0"/>
+            <a:alphaOff val="0"/>
+          </a:schemeClr>
+        </a:solidFill>
+        <a:ln w="12700" cap="flat" cmpd="sng" algn="ctr">
+          <a:solidFill>
+            <a:schemeClr val="lt1">
+              <a:hueOff val="0"/>
+              <a:satOff val="0"/>
+              <a:lumOff val="0"/>
+              <a:alphaOff val="0"/>
+            </a:schemeClr>
+          </a:solidFill>
+          <a:prstDash val="solid"/>
+          <a:miter lim="800000"/>
+        </a:ln>
+        <a:effectLst/>
+      </dsp:spPr>
+      <dsp:style>
+        <a:lnRef idx="2">
+          <a:scrgbClr r="0" g="0" b="0"/>
+        </a:lnRef>
+        <a:fillRef idx="1">
+          <a:scrgbClr r="0" g="0" b="0"/>
+        </a:fillRef>
+        <a:effectRef idx="0">
+          <a:scrgbClr r="0" g="0" b="0"/>
+        </a:effectRef>
+        <a:fontRef idx="minor">
+          <a:schemeClr val="lt1"/>
+        </a:fontRef>
+      </dsp:style>
+      <dsp:txBody>
+        <a:bodyPr spcFirstLastPara="0" vert="horz" wrap="square" lIns="40005" tIns="40005" rIns="40005" bIns="40005" numCol="1" spcCol="1270" anchor="ctr" anchorCtr="0">
+          <a:noAutofit/>
+        </a:bodyPr>
+        <a:lstStyle/>
+        <a:p>
+          <a:pPr lvl="0" algn="ctr" defTabSz="2800350">
+            <a:lnSpc>
+              <a:spcPct val="90000"/>
+            </a:lnSpc>
+            <a:spcBef>
+              <a:spcPct val="0"/>
+            </a:spcBef>
+            <a:spcAft>
+              <a:spcPct val="35000"/>
+            </a:spcAft>
+          </a:pPr>
+          <a:r>
+            <a:rPr lang="en-GB" sz="6300" kern="1200" dirty="0" smtClean="0"/>
+            <a:t> </a:t>
+          </a:r>
+          <a:endParaRPr lang="en-GB" sz="6300" kern="1200" dirty="0"/>
+        </a:p>
+      </dsp:txBody>
+      <dsp:txXfrm>
+        <a:off x="200109" y="1760685"/>
+        <a:ext cx="1980189" cy="960220"/>
+      </dsp:txXfrm>
+    </dsp:sp>
+    <dsp:sp modelId="{35695188-4D5E-4DC3-8F92-104BAF725286}">
+      <dsp:nvSpPr>
+        <dsp:cNvPr id="0" name=""/>
+        <dsp:cNvSpPr/>
+      </dsp:nvSpPr>
+      <dsp:spPr>
+        <a:xfrm rot="8657599">
+          <a:off x="2115722" y="3103578"/>
+          <a:ext cx="1004876" cy="33881"/>
+        </a:xfrm>
+        <a:custGeom>
+          <a:avLst/>
+          <a:gdLst/>
+          <a:ahLst/>
+          <a:cxnLst/>
+          <a:rect l="0" t="0" r="0" b="0"/>
+          <a:pathLst>
+            <a:path>
+              <a:moveTo>
+                <a:pt x="0" y="16940"/>
+              </a:moveTo>
+              <a:lnTo>
+                <a:pt x="1004876" y="16940"/>
+              </a:lnTo>
+            </a:path>
+          </a:pathLst>
+        </a:custGeom>
+        <a:noFill/>
+        <a:ln w="12700" cap="flat" cmpd="sng" algn="ctr">
+          <a:solidFill>
+            <a:schemeClr val="accent1">
+              <a:shade val="80000"/>
+              <a:hueOff val="0"/>
+              <a:satOff val="0"/>
+              <a:lumOff val="0"/>
+              <a:alphaOff val="0"/>
+            </a:schemeClr>
+          </a:solidFill>
+          <a:prstDash val="solid"/>
+          <a:miter lim="800000"/>
+        </a:ln>
+        <a:effectLst/>
+      </dsp:spPr>
+      <dsp:style>
+        <a:lnRef idx="2">
+          <a:scrgbClr r="0" g="0" b="0"/>
+        </a:lnRef>
+        <a:fillRef idx="0">
+          <a:scrgbClr r="0" g="0" b="0"/>
+        </a:fillRef>
+        <a:effectRef idx="0">
+          <a:scrgbClr r="0" g="0" b="0"/>
+        </a:effectRef>
+        <a:fontRef idx="minor"/>
+      </dsp:style>
+      <dsp:txBody>
+        <a:bodyPr spcFirstLastPara="0" vert="horz" wrap="square" lIns="12700" tIns="0" rIns="12700" bIns="0" numCol="1" spcCol="1270" anchor="ctr" anchorCtr="0">
+          <a:noAutofit/>
+        </a:bodyPr>
+        <a:lstStyle/>
+        <a:p>
+          <a:pPr lvl="0" algn="ctr" defTabSz="222250">
+            <a:lnSpc>
+              <a:spcPct val="90000"/>
+            </a:lnSpc>
+            <a:spcBef>
+              <a:spcPct val="0"/>
+            </a:spcBef>
+            <a:spcAft>
+              <a:spcPct val="35000"/>
+            </a:spcAft>
+          </a:pPr>
+          <a:endParaRPr lang="en-GB" sz="500" kern="1200"/>
+        </a:p>
+      </dsp:txBody>
+      <dsp:txXfrm rot="10800000">
+        <a:off x="2593038" y="3095397"/>
+        <a:ext cx="50243" cy="50243"/>
+      </dsp:txXfrm>
+    </dsp:sp>
+    <dsp:sp modelId="{2FFE2959-7013-4275-97FE-0D718B9603CE}">
+      <dsp:nvSpPr>
+        <dsp:cNvPr id="0" name=""/>
+        <dsp:cNvSpPr/>
+      </dsp:nvSpPr>
+      <dsp:spPr>
+        <a:xfrm>
+          <a:off x="170235" y="2903775"/>
+          <a:ext cx="2039937" cy="1019968"/>
+        </a:xfrm>
+        <a:prstGeom prst="roundRect">
+          <a:avLst>
+            <a:gd name="adj" fmla="val 10000"/>
+          </a:avLst>
+        </a:prstGeom>
+        <a:solidFill>
+          <a:schemeClr val="accent1">
+            <a:hueOff val="0"/>
+            <a:satOff val="0"/>
+            <a:lumOff val="0"/>
+            <a:alphaOff val="0"/>
+          </a:schemeClr>
+        </a:solidFill>
+        <a:ln w="12700" cap="flat" cmpd="sng" algn="ctr">
+          <a:solidFill>
+            <a:schemeClr val="lt1">
+              <a:hueOff val="0"/>
+              <a:satOff val="0"/>
+              <a:lumOff val="0"/>
+              <a:alphaOff val="0"/>
+            </a:schemeClr>
+          </a:solidFill>
+          <a:prstDash val="solid"/>
+          <a:miter lim="800000"/>
+        </a:ln>
+        <a:effectLst/>
+      </dsp:spPr>
+      <dsp:style>
+        <a:lnRef idx="2">
+          <a:scrgbClr r="0" g="0" b="0"/>
+        </a:lnRef>
+        <a:fillRef idx="1">
+          <a:scrgbClr r="0" g="0" b="0"/>
+        </a:fillRef>
+        <a:effectRef idx="0">
+          <a:scrgbClr r="0" g="0" b="0"/>
+        </a:effectRef>
+        <a:fontRef idx="minor">
+          <a:schemeClr val="lt1"/>
+        </a:fontRef>
+      </dsp:style>
+      <dsp:txBody>
+        <a:bodyPr spcFirstLastPara="0" vert="horz" wrap="square" lIns="40005" tIns="40005" rIns="40005" bIns="40005" numCol="1" spcCol="1270" anchor="ctr" anchorCtr="0">
+          <a:noAutofit/>
+        </a:bodyPr>
+        <a:lstStyle/>
+        <a:p>
+          <a:pPr lvl="0" algn="ctr" defTabSz="2800350">
+            <a:lnSpc>
+              <a:spcPct val="90000"/>
+            </a:lnSpc>
+            <a:spcBef>
+              <a:spcPct val="0"/>
+            </a:spcBef>
+            <a:spcAft>
+              <a:spcPct val="35000"/>
+            </a:spcAft>
+          </a:pPr>
+          <a:r>
+            <a:rPr lang="en-GB" sz="6300" kern="1200" dirty="0" smtClean="0"/>
+            <a:t> </a:t>
+          </a:r>
+          <a:endParaRPr lang="en-GB" sz="6300" kern="1200" dirty="0"/>
+        </a:p>
+      </dsp:txBody>
+      <dsp:txXfrm>
+        <a:off x="200109" y="2933649"/>
+        <a:ext cx="1980189" cy="960220"/>
+      </dsp:txXfrm>
+    </dsp:sp>
+    <dsp:sp modelId="{8373141E-6E89-469C-8C2C-2222A4818AE9}">
+      <dsp:nvSpPr>
+        <dsp:cNvPr id="0" name=""/>
+        <dsp:cNvSpPr/>
+      </dsp:nvSpPr>
+      <dsp:spPr>
+        <a:xfrm rot="7970822">
+          <a:off x="4874130" y="4129921"/>
+          <a:ext cx="1199886" cy="33881"/>
+        </a:xfrm>
+        <a:custGeom>
+          <a:avLst/>
+          <a:gdLst/>
+          <a:ahLst/>
+          <a:cxnLst/>
+          <a:rect l="0" t="0" r="0" b="0"/>
+          <a:pathLst>
+            <a:path>
+              <a:moveTo>
+                <a:pt x="0" y="16940"/>
+              </a:moveTo>
+              <a:lnTo>
+                <a:pt x="1199886" y="16940"/>
+              </a:lnTo>
+            </a:path>
+          </a:pathLst>
+        </a:custGeom>
+        <a:noFill/>
+        <a:ln w="12700" cap="flat" cmpd="sng" algn="ctr">
+          <a:solidFill>
+            <a:schemeClr val="accent1">
+              <a:shade val="60000"/>
+              <a:hueOff val="0"/>
+              <a:satOff val="0"/>
+              <a:lumOff val="0"/>
+              <a:alphaOff val="0"/>
+            </a:schemeClr>
+          </a:solidFill>
+          <a:prstDash val="solid"/>
+          <a:miter lim="800000"/>
+        </a:ln>
+        <a:effectLst/>
+      </dsp:spPr>
+      <dsp:style>
+        <a:lnRef idx="2">
+          <a:scrgbClr r="0" g="0" b="0"/>
+        </a:lnRef>
+        <a:fillRef idx="0">
+          <a:scrgbClr r="0" g="0" b="0"/>
+        </a:fillRef>
+        <a:effectRef idx="0">
+          <a:scrgbClr r="0" g="0" b="0"/>
+        </a:effectRef>
+        <a:fontRef idx="minor"/>
+      </dsp:style>
+      <dsp:txBody>
+        <a:bodyPr spcFirstLastPara="0" vert="horz" wrap="square" lIns="12700" tIns="0" rIns="12700" bIns="0" numCol="1" spcCol="1270" anchor="ctr" anchorCtr="0">
+          <a:noAutofit/>
+        </a:bodyPr>
+        <a:lstStyle/>
+        <a:p>
+          <a:pPr lvl="0" algn="ctr" defTabSz="222250">
+            <a:lnSpc>
+              <a:spcPct val="90000"/>
+            </a:lnSpc>
+            <a:spcBef>
+              <a:spcPct val="0"/>
+            </a:spcBef>
+            <a:spcAft>
+              <a:spcPct val="35000"/>
+            </a:spcAft>
+          </a:pPr>
+          <a:endParaRPr lang="en-GB" sz="500" kern="1200"/>
+        </a:p>
+      </dsp:txBody>
+      <dsp:txXfrm rot="10800000">
+        <a:off x="5444076" y="4116865"/>
+        <a:ext cx="59994" cy="59994"/>
+      </dsp:txXfrm>
+    </dsp:sp>
+    <dsp:sp modelId="{ADE5334B-5F7D-4014-85B2-3ADEB4103056}">
+      <dsp:nvSpPr>
+        <dsp:cNvPr id="0" name=""/>
+        <dsp:cNvSpPr/>
+      </dsp:nvSpPr>
+      <dsp:spPr>
+        <a:xfrm>
+          <a:off x="3026148" y="4076739"/>
+          <a:ext cx="2039937" cy="1019968"/>
+        </a:xfrm>
+        <a:prstGeom prst="roundRect">
+          <a:avLst>
+            <a:gd name="adj" fmla="val 10000"/>
+          </a:avLst>
+        </a:prstGeom>
+        <a:solidFill>
+          <a:schemeClr val="accent1">
+            <a:hueOff val="0"/>
+            <a:satOff val="0"/>
+            <a:lumOff val="0"/>
+            <a:alphaOff val="0"/>
+          </a:schemeClr>
+        </a:solidFill>
+        <a:ln w="12700" cap="flat" cmpd="sng" algn="ctr">
+          <a:solidFill>
+            <a:schemeClr val="lt1">
+              <a:hueOff val="0"/>
+              <a:satOff val="0"/>
+              <a:lumOff val="0"/>
+              <a:alphaOff val="0"/>
+            </a:schemeClr>
+          </a:solidFill>
+          <a:prstDash val="solid"/>
+          <a:miter lim="800000"/>
+        </a:ln>
+        <a:effectLst/>
+      </dsp:spPr>
+      <dsp:style>
+        <a:lnRef idx="2">
+          <a:scrgbClr r="0" g="0" b="0"/>
+        </a:lnRef>
+        <a:fillRef idx="1">
+          <a:scrgbClr r="0" g="0" b="0"/>
+        </a:fillRef>
+        <a:effectRef idx="0">
+          <a:scrgbClr r="0" g="0" b="0"/>
+        </a:effectRef>
+        <a:fontRef idx="minor">
+          <a:schemeClr val="lt1"/>
+        </a:fontRef>
+      </dsp:style>
+      <dsp:txBody>
+        <a:bodyPr spcFirstLastPara="0" vert="horz" wrap="square" lIns="40005" tIns="40005" rIns="40005" bIns="40005" numCol="1" spcCol="1270" anchor="ctr" anchorCtr="0">
+          <a:noAutofit/>
+        </a:bodyPr>
+        <a:lstStyle/>
+        <a:p>
+          <a:pPr lvl="0" algn="ctr" defTabSz="2800350">
+            <a:lnSpc>
+              <a:spcPct val="90000"/>
+            </a:lnSpc>
+            <a:spcBef>
+              <a:spcPct val="0"/>
+            </a:spcBef>
+            <a:spcAft>
+              <a:spcPct val="35000"/>
+            </a:spcAft>
+          </a:pPr>
+          <a:r>
+            <a:rPr lang="en-GB" sz="6300" kern="1200" dirty="0" smtClean="0"/>
+            <a:t> </a:t>
+          </a:r>
+          <a:endParaRPr lang="en-GB" sz="6300" kern="1200" dirty="0"/>
+        </a:p>
+      </dsp:txBody>
+      <dsp:txXfrm>
+        <a:off x="3056022" y="4106613"/>
+        <a:ext cx="1980189" cy="960220"/>
+      </dsp:txXfrm>
+    </dsp:sp>
+    <dsp:sp modelId="{C3AA3DF1-7072-4B04-A0D9-3CC73D165D16}">
+      <dsp:nvSpPr>
+        <dsp:cNvPr id="0" name=""/>
+        <dsp:cNvSpPr/>
+      </dsp:nvSpPr>
+      <dsp:spPr>
+        <a:xfrm rot="10800000">
+          <a:off x="2210173" y="4569783"/>
+          <a:ext cx="815975" cy="33881"/>
+        </a:xfrm>
+        <a:custGeom>
+          <a:avLst/>
+          <a:gdLst/>
+          <a:ahLst/>
+          <a:cxnLst/>
+          <a:rect l="0" t="0" r="0" b="0"/>
+          <a:pathLst>
+            <a:path>
+              <a:moveTo>
+                <a:pt x="0" y="16940"/>
+              </a:moveTo>
+              <a:lnTo>
+                <a:pt x="815975" y="16940"/>
+              </a:lnTo>
+            </a:path>
+          </a:pathLst>
+        </a:custGeom>
+        <a:noFill/>
+        <a:ln w="12700" cap="flat" cmpd="sng" algn="ctr">
+          <a:solidFill>
+            <a:schemeClr val="accent1">
+              <a:shade val="80000"/>
+              <a:hueOff val="0"/>
+              <a:satOff val="0"/>
+              <a:lumOff val="0"/>
+              <a:alphaOff val="0"/>
+            </a:schemeClr>
+          </a:solidFill>
+          <a:prstDash val="solid"/>
+          <a:miter lim="800000"/>
+        </a:ln>
+        <a:effectLst/>
+      </dsp:spPr>
+      <dsp:style>
+        <a:lnRef idx="2">
+          <a:scrgbClr r="0" g="0" b="0"/>
+        </a:lnRef>
+        <a:fillRef idx="0">
+          <a:scrgbClr r="0" g="0" b="0"/>
+        </a:fillRef>
+        <a:effectRef idx="0">
+          <a:scrgbClr r="0" g="0" b="0"/>
+        </a:effectRef>
+        <a:fontRef idx="minor"/>
+      </dsp:style>
+      <dsp:txBody>
+        <a:bodyPr spcFirstLastPara="0" vert="horz" wrap="square" lIns="12700" tIns="0" rIns="12700" bIns="0" numCol="1" spcCol="1270" anchor="ctr" anchorCtr="0">
+          <a:noAutofit/>
+        </a:bodyPr>
+        <a:lstStyle/>
+        <a:p>
+          <a:pPr lvl="0" algn="ctr" defTabSz="222250">
+            <a:lnSpc>
+              <a:spcPct val="90000"/>
+            </a:lnSpc>
+            <a:spcBef>
+              <a:spcPct val="0"/>
+            </a:spcBef>
+            <a:spcAft>
+              <a:spcPct val="35000"/>
+            </a:spcAft>
+          </a:pPr>
+          <a:endParaRPr lang="en-GB" sz="500" kern="1200"/>
+        </a:p>
+      </dsp:txBody>
+      <dsp:txXfrm rot="10800000">
+        <a:off x="2597761" y="4566324"/>
+        <a:ext cx="40798" cy="40798"/>
+      </dsp:txXfrm>
+    </dsp:sp>
+    <dsp:sp modelId="{E44DFEB6-D973-460F-AC4F-40368BFA49D2}">
+      <dsp:nvSpPr>
+        <dsp:cNvPr id="0" name=""/>
+        <dsp:cNvSpPr/>
+      </dsp:nvSpPr>
+      <dsp:spPr>
+        <a:xfrm>
+          <a:off x="170235" y="4076739"/>
+          <a:ext cx="2039937" cy="1019968"/>
+        </a:xfrm>
+        <a:prstGeom prst="roundRect">
+          <a:avLst>
+            <a:gd name="adj" fmla="val 10000"/>
+          </a:avLst>
+        </a:prstGeom>
+        <a:solidFill>
+          <a:schemeClr val="accent1">
+            <a:hueOff val="0"/>
+            <a:satOff val="0"/>
+            <a:lumOff val="0"/>
+            <a:alphaOff val="0"/>
+          </a:schemeClr>
+        </a:solidFill>
+        <a:ln w="12700" cap="flat" cmpd="sng" algn="ctr">
+          <a:solidFill>
+            <a:schemeClr val="lt1">
+              <a:hueOff val="0"/>
+              <a:satOff val="0"/>
+              <a:lumOff val="0"/>
+              <a:alphaOff val="0"/>
+            </a:schemeClr>
+          </a:solidFill>
+          <a:prstDash val="solid"/>
+          <a:miter lim="800000"/>
+        </a:ln>
+        <a:effectLst/>
+      </dsp:spPr>
+      <dsp:style>
+        <a:lnRef idx="2">
+          <a:scrgbClr r="0" g="0" b="0"/>
+        </a:lnRef>
+        <a:fillRef idx="1">
+          <a:scrgbClr r="0" g="0" b="0"/>
+        </a:fillRef>
+        <a:effectRef idx="0">
+          <a:scrgbClr r="0" g="0" b="0"/>
+        </a:effectRef>
+        <a:fontRef idx="minor">
+          <a:schemeClr val="lt1"/>
+        </a:fontRef>
+      </dsp:style>
+      <dsp:txBody>
+        <a:bodyPr spcFirstLastPara="0" vert="horz" wrap="square" lIns="40005" tIns="40005" rIns="40005" bIns="40005" numCol="1" spcCol="1270" anchor="ctr" anchorCtr="0">
+          <a:noAutofit/>
+        </a:bodyPr>
+        <a:lstStyle/>
+        <a:p>
+          <a:pPr lvl="0" algn="ctr" defTabSz="2800350">
+            <a:lnSpc>
+              <a:spcPct val="90000"/>
+            </a:lnSpc>
+            <a:spcBef>
+              <a:spcPct val="0"/>
+            </a:spcBef>
+            <a:spcAft>
+              <a:spcPct val="35000"/>
+            </a:spcAft>
+          </a:pPr>
+          <a:r>
+            <a:rPr lang="en-GB" sz="6300" kern="1200" dirty="0" smtClean="0"/>
+            <a:t> </a:t>
+          </a:r>
+          <a:endParaRPr lang="en-GB" sz="6300" kern="1200" dirty="0"/>
+        </a:p>
+      </dsp:txBody>
+      <dsp:txXfrm>
+        <a:off x="200109" y="4106613"/>
+        <a:ext cx="1980189" cy="960220"/>
+      </dsp:txXfrm>
+    </dsp:sp>
+  </dsp:spTree>
+</dsp:drawing>
+</file>
+
+<file path=ppt/diagrams/layout1.xml><?xml version="1.0" encoding="utf-8"?>
+<dgm:layoutDef xmlns:dgm="http://schemas.openxmlformats.org/drawingml/2006/diagram" xmlns:a="http://schemas.openxmlformats.org/drawingml/2006/main" uniqueId="urn:microsoft.com/office/officeart/2005/8/layout/hierarchy5">
+  <dgm:title val=""/>
+  <dgm:desc val=""/>
+  <dgm:catLst>
+    <dgm:cat type="hierarchy" pri="6000"/>
+  </dgm:catLst>
+  <dgm:sampData>
+    <dgm:dataModel>
+      <dgm:ptLst>
+        <dgm:pt modelId="0" type="doc"/>
+        <dgm:pt modelId="1">
+          <dgm:prSet phldr="1"/>
+        </dgm:pt>
+        <dgm:pt modelId="2">
+          <dgm:prSet phldr="1"/>
+        </dgm:pt>
+        <dgm:pt modelId="21">
+          <dgm:prSet phldr="1"/>
+        </dgm:pt>
+        <dgm:pt modelId="22">
+          <dgm:prSet phldr="1"/>
+        </dgm:pt>
+        <dgm:pt modelId="3">
+          <dgm:prSet phldr="1"/>
+        </dgm:pt>
+        <dgm:pt modelId="31">
+          <dgm:prSet phldr="1"/>
+        </dgm:pt>
+        <dgm:pt modelId="4">
+          <dgm:prSet phldr="1"/>
+        </dgm:pt>
+        <dgm:pt modelId="5">
+          <dgm:prSet phldr="1"/>
+        </dgm:pt>
+        <dgm:pt modelId="6">
+          <dgm:prSet phldr="1"/>
+        </dgm:pt>
+      </dgm:ptLst>
+      <dgm:cxnLst>
+        <dgm:cxn modelId="7" srcId="0" destId="1" srcOrd="0" destOrd="0"/>
+        <dgm:cxn modelId="8" srcId="1" destId="2" srcOrd="0" destOrd="0"/>
+        <dgm:cxn modelId="9" srcId="1" destId="3" srcOrd="1" destOrd="0"/>
+        <dgm:cxn modelId="23" srcId="2" destId="21" srcOrd="0" destOrd="0"/>
+        <dgm:cxn modelId="24" srcId="2" destId="22" srcOrd="1" destOrd="0"/>
+        <dgm:cxn modelId="33" srcId="3" destId="31" srcOrd="0" destOrd="0"/>
+        <dgm:cxn modelId="10" srcId="0" destId="4" srcOrd="1" destOrd="0"/>
+        <dgm:cxn modelId="11" srcId="0" destId="5" srcOrd="2" destOrd="0"/>
+        <dgm:cxn modelId="12" srcId="0" destId="6" srcOrd="3" destOrd="0"/>
+      </dgm:cxnLst>
+      <dgm:bg/>
+      <dgm:whole/>
+    </dgm:dataModel>
+  </dgm:sampData>
+  <dgm:styleData>
+    <dgm:dataModel>
+      <dgm:ptLst>
+        <dgm:pt modelId="0" type="doc"/>
+        <dgm:pt modelId="1"/>
+        <dgm:pt modelId="11"/>
+        <dgm:pt modelId="12"/>
+        <dgm:pt modelId="2"/>
+        <dgm:pt modelId="3"/>
+      </dgm:ptLst>
+      <dgm:cxnLst>
+        <dgm:cxn modelId="4" srcId="0" destId="1" srcOrd="0" destOrd="0"/>
+        <dgm:cxn modelId="13" srcId="1" destId="11" srcOrd="0" destOrd="0"/>
+        <dgm:cxn modelId="14" srcId="1" destId="12" srcOrd="1" destOrd="0"/>
+        <dgm:cxn modelId="5" srcId="0" destId="2" srcOrd="1" destOrd="0"/>
+        <dgm:cxn modelId="6" srcId="0" destId="3" srcOrd="2" destOrd="0"/>
+      </dgm:cxnLst>
+      <dgm:bg/>
+      <dgm:whole/>
+    </dgm:dataModel>
+  </dgm:styleData>
+  <dgm:clrData>
+    <dgm:dataModel>
+      <dgm:ptLst>
+        <dgm:pt modelId="0" type="doc"/>
+        <dgm:pt modelId="1"/>
+        <dgm:pt modelId="2"/>
+        <dgm:pt modelId="21"/>
+        <dgm:pt modelId="211"/>
+        <dgm:pt modelId="3"/>
+        <dgm:pt modelId="31"/>
+        <dgm:pt modelId="311"/>
+        <dgm:pt modelId="4"/>
+        <dgm:pt modelId="5"/>
+        <dgm:pt modelId="6"/>
+        <dgm:pt modelId="7"/>
+      </dgm:ptLst>
+      <dgm:cxnLst>
+        <dgm:cxn modelId="8" srcId="0" destId="1" srcOrd="0" destOrd="0"/>
+        <dgm:cxn modelId="9" srcId="1" destId="2" srcOrd="0" destOrd="0"/>
+        <dgm:cxn modelId="10" srcId="1" destId="3" srcOrd="1" destOrd="0"/>
+        <dgm:cxn modelId="23" srcId="2" destId="21" srcOrd="0" destOrd="0"/>
+        <dgm:cxn modelId="24" srcId="21" destId="211" srcOrd="0" destOrd="0"/>
+        <dgm:cxn modelId="33" srcId="3" destId="31" srcOrd="0" destOrd="0"/>
+        <dgm:cxn modelId="34" srcId="31" destId="311" srcOrd="0" destOrd="0"/>
+        <dgm:cxn modelId="11" srcId="0" destId="4" srcOrd="1" destOrd="0"/>
+        <dgm:cxn modelId="12" srcId="0" destId="5" srcOrd="2" destOrd="0"/>
+        <dgm:cxn modelId="13" srcId="0" destId="6" srcOrd="3" destOrd="0"/>
+        <dgm:cxn modelId="14" srcId="0" destId="7" srcOrd="4" destOrd="0"/>
+      </dgm:cxnLst>
+      <dgm:bg/>
+      <dgm:whole/>
+    </dgm:dataModel>
+  </dgm:clrData>
+  <dgm:layoutNode name="mainComposite">
+    <dgm:varLst>
+      <dgm:chPref val="1"/>
+      <dgm:dir/>
+      <dgm:animOne val="branch"/>
+      <dgm:animLvl val="lvl"/>
+      <dgm:resizeHandles val="exact"/>
+    </dgm:varLst>
+    <dgm:alg type="composite"/>
+    <dgm:presOf/>
+    <dgm:shape xmlns:r="http://schemas.openxmlformats.org/officeDocument/2006/relationships" r:blip="">
+      <dgm:adjLst/>
+    </dgm:shape>
+    <dgm:choose name="Name0">
+      <dgm:if name="Name1" axis="ch" ptType="node" func="cnt" op="gte" val="2">
+        <dgm:choose name="Name2">
+          <dgm:if name="Name3" func="var" arg="dir" op="equ" val="norm">
+            <dgm:constrLst>
+              <dgm:constr type="l" for="ch" forName="hierFlow"/>
+              <dgm:constr type="t" for="ch" forName="hierFlow" refType="h" fact="0.3"/>
+              <dgm:constr type="r" for="ch" forName="hierFlow" refType="w" fact="0.98"/>
+              <dgm:constr type="b" for="ch" forName="hierFlow" refType="h" fact="0.96"/>
+              <dgm:constr type="l" for="ch" forName="bgShapesFlow"/>
+              <dgm:constr type="t" for="ch" forName="bgShapesFlow"/>
+              <dgm:constr type="r" for="ch" forName="bgShapesFlow" refType="w"/>
+              <dgm:constr type="b" for="ch" forName="bgShapesFlow" refType="h"/>
+              <dgm:constr type="h" for="des" forName="level1Shape" refType="h"/>
+              <dgm:constr type="w" for="des" forName="level1Shape" refType="h" refFor="des" refForName="level1Shape" fact="2"/>
+              <dgm:constr type="w" for="des" forName="level2Shape" refType="w" refFor="des" refForName="level1Shape" op="equ"/>
+              <dgm:constr type="h" for="des" forName="level2Shape" refType="h" refFor="des" refForName="level1Shape" op="equ"/>
+              <dgm:constr type="sp" for="des" refType="w" refFor="des" refForName="level1Shape" op="equ" fact="0.4"/>
+              <dgm:constr type="sibSp" for="des" forName="hierChild1" refType="h" refFor="des" refForName="level1Shape" op="equ" fact="0.15"/>
+              <dgm:constr type="sibSp" for="des" forName="hierChild2" refType="sibSp" refFor="des" refForName="hierChild1" op="equ"/>
+              <dgm:constr type="sibSp" for="des" forName="hierChild3" refType="sibSp" refFor="des" refForName="hierChild1" op="equ"/>
+              <dgm:constr type="userA" for="des" refType="w" refFor="des" refForName="level1Shape" op="equ"/>
+              <dgm:constr type="userB" for="des" refType="sp" refFor="des" op="equ"/>
+              <dgm:constr type="w" for="des" forName="firstBuf" refType="w" refFor="des" refForName="level1Shape" fact="0.1"/>
+            </dgm:constrLst>
+          </dgm:if>
+          <dgm:else name="Name4">
+            <dgm:constrLst>
+              <dgm:constr type="l" for="ch" forName="hierFlow" refType="w" fact="0.02"/>
+              <dgm:constr type="t" for="ch" forName="hierFlow" refType="h" fact="0.3"/>
+              <dgm:constr type="r" for="ch" forName="hierFlow" refType="w"/>
+              <dgm:constr type="b" for="ch" forName="hierFlow" refType="h" fact="0.96"/>
+              <dgm:constr type="l" for="ch" forName="bgShapesFlow"/>
+              <dgm:constr type="t" for="ch" forName="bgShapesFlow"/>
+              <dgm:constr type="r" for="ch" forName="bgShapesFlow" refType="w"/>
+              <dgm:constr type="b" for="ch" forName="bgShapesFlow" refType="h"/>
+              <dgm:constr type="h" for="des" forName="level1Shape" refType="h"/>
+              <dgm:constr type="w" for="des" forName="level1Shape" refType="h" refFor="des" refForName="level1Shape" fact="2"/>
+              <dgm:constr type="w" for="des" forName="level2Shape" refType="w" refFor="des" refForName="level1Shape" op="equ"/>
+              <dgm:constr type="h" for="des" forName="level2Shape" refType="h" refFor="des" refForName="level1Shape" op="equ"/>
+              <dgm:constr type="sp" for="des" refType="w" refFor="des" refForName="level1Shape" op="equ" fact="0.4"/>
+              <dgm:constr type="sibSp" for="des" forName="hierChild1" refType="h" refFor="des" refForName="level1Shape" op="equ" fact="0.15"/>
+              <dgm:constr type="sibSp" for="des" forName="hierChild2" refType="sibSp" refFor="des" refForName="hierChild1" op="equ"/>
+              <dgm:constr type="sibSp" for="des" forName="hierChild3" refType="sibSp" refFor="des" refForName="hierChild1" op="equ"/>
+              <dgm:constr type="userA" for="des" refType="w" refFor="des" refForName="level1Shape" op="equ"/>
+              <dgm:constr type="userB" for="des" refType="sp" refFor="des" op="equ"/>
+              <dgm:constr type="w" for="des" forName="firstBuf" refType="w" refFor="des" refForName="level1Shape" fact="0.1"/>
+            </dgm:constrLst>
+          </dgm:else>
+        </dgm:choose>
+      </dgm:if>
+      <dgm:else name="Name5">
+        <dgm:constrLst>
+          <dgm:constr type="l" for="ch" forName="hierFlow"/>
+          <dgm:constr type="t" for="ch" forName="hierFlow"/>
+          <dgm:constr type="r" for="ch" forName="hierFlow" refType="w"/>
+          <dgm:constr type="b" for="ch" forName="hierFlow" refType="h"/>
+          <dgm:constr type="l" for="ch" forName="bgShapesFlow"/>
+          <dgm:constr type="t" for="ch" forName="bgShapesFlow"/>
+          <dgm:constr type="r" for="ch" forName="bgShapesFlow" refType="w"/>
+          <dgm:constr type="b" for="ch" forName="bgShapesFlow" refType="h"/>
+          <dgm:constr type="h" for="des" forName="level1Shape" refType="h"/>
+          <dgm:constr type="w" for="des" forName="level1Shape" refType="h" refFor="des" refForName="level1Shape" fact="2"/>
+          <dgm:constr type="w" for="des" forName="level2Shape" refType="w" refFor="des" refForName="level1Shape" op="equ"/>
+          <dgm:constr type="h" for="des" forName="level2Shape" refType="h" refFor="des" refForName="level1Shape" op="equ"/>
+          <dgm:constr type="sp" for="des" refType="w" refFor="des" refForName="level1Shape" op="equ" fact="0.4"/>
+          <dgm:constr type="sibSp" for="des" forName="hierChild1" refType="h" refFor="des" refForName="level1Shape" op="equ" fact="0.15"/>
+          <dgm:constr type="sibSp" for="des" forName="hierChild2" refType="sibSp" refFor="des" refForName="hierChild1" op="equ"/>
+          <dgm:constr type="sibSp" for="des" forName="hierChild3" refType="sibSp" refFor="des" refForName="hierChild1" op="equ"/>
+          <dgm:constr type="userA" for="des" refType="w" refFor="des" refForName="level1Shape" op="equ"/>
+          <dgm:constr type="userB" for="des" refType="sp" refFor="des" op="equ"/>
+          <dgm:constr type="w" for="des" forName="firstBuf" refType="w" refFor="des" refForName="level1Shape" fact="0.1"/>
+        </dgm:constrLst>
+      </dgm:else>
+    </dgm:choose>
+    <dgm:ruleLst/>
+    <dgm:layoutNode name="hierFlow">
+      <dgm:choose name="Name6">
+        <dgm:if name="Name7" func="var" arg="dir" op="equ" val="norm">
+          <dgm:alg type="lin">
+            <dgm:param type="linDir" val="fromL"/>
+            <dgm:param type="nodeVertAlign" val="mid"/>
+            <dgm:param type="vertAlign" val="mid"/>
+            <dgm:param type="nodeHorzAlign" val="l"/>
+            <dgm:param type="horzAlign" val="l"/>
+            <dgm:param type="fallback" val="2D"/>
+          </dgm:alg>
+        </dgm:if>
+        <dgm:else name="Name8">
+          <dgm:alg type="lin">
+            <dgm:param type="linDir" val="fromR"/>
+            <dgm:param type="nodeVertAlign" val="mid"/>
+            <dgm:param type="vertAlign" val="mid"/>
+            <dgm:param type="nodeHorzAlign" val="r"/>
+            <dgm:param type="horzAlign" val="r"/>
+            <dgm:param type="fallback" val="2D"/>
+          </dgm:alg>
+        </dgm:else>
+      </dgm:choose>
+      <dgm:shape xmlns:r="http://schemas.openxmlformats.org/officeDocument/2006/relationships" r:blip="">
+        <dgm:adjLst/>
+      </dgm:shape>
+      <dgm:presOf/>
+      <dgm:constrLst>
+        <dgm:constr type="primFontSz" for="des" ptType="node" op="equ" val="65"/>
+        <dgm:constr type="primFontSz" for="des" forName="connTx" op="equ" val="55"/>
+        <dgm:constr type="primFontSz" for="des" forName="connTx" refType="primFontSz" refFor="des" refPtType="node" op="lte" fact="0.8"/>
+      </dgm:constrLst>
+      <dgm:ruleLst/>
+      <dgm:choose name="Name9">
+        <dgm:if name="Name10" axis="ch" ptType="node" func="cnt" op="gte" val="2">
+          <dgm:layoutNode name="firstBuf">
+            <dgm:alg type="sp"/>
+            <dgm:shape xmlns:r="http://schemas.openxmlformats.org/officeDocument/2006/relationships" r:blip="">
+              <dgm:adjLst/>
+            </dgm:shape>
+            <dgm:presOf/>
+            <dgm:constrLst/>
+            <dgm:ruleLst/>
+          </dgm:layoutNode>
+        </dgm:if>
+        <dgm:else name="Name11"/>
+      </dgm:choose>
+      <dgm:layoutNode name="hierChild1">
+        <dgm:varLst>
+          <dgm:chPref val="1"/>
+          <dgm:animOne val="branch"/>
+          <dgm:animLvl val="lvl"/>
+        </dgm:varLst>
+        <dgm:choose name="Name12">
+          <dgm:if name="Name13" func="var" arg="dir" op="equ" val="norm">
+            <dgm:alg type="hierChild">
+              <dgm:param type="linDir" val="fromT"/>
+              <dgm:param type="chAlign" val="l"/>
+            </dgm:alg>
+          </dgm:if>
+          <dgm:else name="Name14">
+            <dgm:alg type="hierChild">
+              <dgm:param type="linDir" val="fromT"/>
+              <dgm:param type="chAlign" val="r"/>
+            </dgm:alg>
+          </dgm:else>
+        </dgm:choose>
+        <dgm:shape xmlns:r="http://schemas.openxmlformats.org/officeDocument/2006/relationships" r:blip="">
+          <dgm:adjLst/>
+        </dgm:shape>
+        <dgm:presOf/>
+        <dgm:constrLst/>
+        <dgm:ruleLst/>
+        <dgm:forEach name="Name15" axis="ch" cnt="3">
+          <dgm:forEach name="Name16" axis="self" ptType="node">
+            <dgm:layoutNode name="Name17">
+              <dgm:choose name="Name18">
+                <dgm:if name="Name19" func="var" arg="dir" op="equ" val="norm">
+                  <dgm:alg type="hierRoot">
+                    <dgm:param type="hierAlign" val="lCtrCh"/>
+                  </dgm:alg>
+                </dgm:if>
+                <dgm:else name="Name20">
+                  <dgm:alg type="hierRoot">
+                    <dgm:param type="hierAlign" val="rCtrCh"/>
+                  </dgm:alg>
+                </dgm:else>
+              </dgm:choose>
+              <dgm:shape xmlns:r="http://schemas.openxmlformats.org/officeDocument/2006/relationships" r:blip="">
+                <dgm:adjLst/>
+              </dgm:shape>
+              <dgm:presOf/>
+              <dgm:constrLst/>
+              <dgm:ruleLst/>
+              <dgm:layoutNode name="level1Shape" styleLbl="node0">
+                <dgm:varLst>
+                  <dgm:chPref val="3"/>
+                </dgm:varLst>
+                <dgm:alg type="tx"/>
+                <dgm:shape xmlns:r="http://schemas.openxmlformats.org/officeDocument/2006/relationships" type="roundRect" r:blip="">
+                  <dgm:adjLst>
+                    <dgm:adj idx="1" val="0.1"/>
+                  </dgm:adjLst>
+                </dgm:shape>
+                <dgm:presOf axis="self"/>
+                <dgm:constrLst>
+                  <dgm:constr type="tMarg" refType="primFontSz" fact="0.05"/>
+                  <dgm:constr type="bMarg" refType="primFontSz" fact="0.05"/>
+                  <dgm:constr type="lMarg" refType="primFontSz" fact="0.05"/>
+                  <dgm:constr type="rMarg" refType="primFontSz" fact="0.05"/>
+                </dgm:constrLst>
+                <dgm:ruleLst>
+                  <dgm:rule type="primFontSz" val="5" fact="NaN" max="NaN"/>
+                </dgm:ruleLst>
+              </dgm:layoutNode>
+              <dgm:layoutNode name="hierChild2">
+                <dgm:choose name="Name21">
+                  <dgm:if name="Name22" func="var" arg="dir" op="equ" val="norm">
+                    <dgm:alg type="hierChild">
+                      <dgm:param type="linDir" val="fromT"/>
+                      <dgm:param type="chAlign" val="l"/>
+                    </dgm:alg>
+                  </dgm:if>
+                  <dgm:else name="Name23">
+                    <dgm:alg type="hierChild">
+                      <dgm:param type="linDir" val="fromT"/>
+                      <dgm:param type="chAlign" val="r"/>
+                    </dgm:alg>
+                  </dgm:else>
+                </dgm:choose>
+                <dgm:shape xmlns:r="http://schemas.openxmlformats.org/officeDocument/2006/relationships" r:blip="">
+                  <dgm:adjLst/>
+                </dgm:shape>
+                <dgm:presOf/>
+                <dgm:constrLst/>
+                <dgm:ruleLst/>
+                <dgm:forEach name="repeat" axis="ch">
+                  <dgm:forEach name="Name24" axis="self" ptType="parTrans" cnt="1">
+                    <dgm:layoutNode name="Name25">
+                      <dgm:choose name="Name26">
+                        <dgm:if name="Name27" func="var" arg="dir" op="equ" val="norm">
+                          <dgm:alg type="conn">
+                            <dgm:param type="dim" val="1D"/>
+                            <dgm:param type="begPts" val="midR"/>
+                            <dgm:param type="endPts" val="midL"/>
+                            <dgm:param type="endSty" val="noArr"/>
+                          </dgm:alg>
+                        </dgm:if>
+                        <dgm:else name="Name28">
+                          <dgm:alg type="conn">
+                            <dgm:param type="dim" val="1D"/>
+                            <dgm:param type="begPts" val="midL"/>
+                            <dgm:param type="endPts" val="midR"/>
+                            <dgm:param type="endSty" val="noArr"/>
+                          </dgm:alg>
+                        </dgm:else>
+                      </dgm:choose>
+                      <dgm:shape xmlns:r="http://schemas.openxmlformats.org/officeDocument/2006/relationships" type="conn" r:blip="">
+                        <dgm:adjLst/>
+                      </dgm:shape>
+                      <dgm:presOf axis="self"/>
+                      <dgm:constrLst>
+                        <dgm:constr type="w" val="1"/>
+                        <dgm:constr type="h" val="5"/>
+                        <dgm:constr type="connDist"/>
+                        <dgm:constr type="begPad"/>
+                        <dgm:constr type="endPad"/>
+                        <dgm:constr type="userA" for="ch" refType="connDist"/>
+                      </dgm:constrLst>
+                      <dgm:ruleLst/>
+                      <dgm:layoutNode name="connTx">
+                        <dgm:alg type="tx">
+                          <dgm:param type="autoTxRot" val="grav"/>
+                        </dgm:alg>
+                        <dgm:shape xmlns:r="http://schemas.openxmlformats.org/officeDocument/2006/relationships" type="rect" r:blip="" hideGeom="1">
+                          <dgm:adjLst/>
+                        </dgm:shape>
+                        <dgm:presOf axis="self"/>
+                        <dgm:constrLst>
+                          <dgm:constr type="userA"/>
+                          <dgm:constr type="w" refType="userA" fact="0.05"/>
+                          <dgm:constr type="h" refType="userA" fact="0.05"/>
+                          <dgm:constr type="lMarg" val="1"/>
+                          <dgm:constr type="rMarg" val="1"/>
+                          <dgm:constr type="tMarg"/>
+                          <dgm:constr type="bMarg"/>
+                        </dgm:constrLst>
+                        <dgm:ruleLst>
+                          <dgm:rule type="h" val="NaN" fact="0.25" max="NaN"/>
+                          <dgm:rule type="w" val="NaN" fact="0.8" max="NaN"/>
+                          <dgm:rule type="primFontSz" val="5" fact="NaN" max="NaN"/>
+                        </dgm:ruleLst>
+                      </dgm:layoutNode>
+                    </dgm:layoutNode>
+                  </dgm:forEach>
+                  <dgm:forEach name="Name29" axis="self" ptType="node">
+                    <dgm:layoutNode name="Name30">
+                      <dgm:choose name="Name31">
+                        <dgm:if name="Name32" func="var" arg="dir" op="equ" val="norm">
+                          <dgm:alg type="hierRoot">
+                            <dgm:param type="hierAlign" val="lCtrCh"/>
+                          </dgm:alg>
+                        </dgm:if>
+                        <dgm:else name="Name33">
+                          <dgm:alg type="hierRoot">
+                            <dgm:param type="hierAlign" val="rCtrCh"/>
+                          </dgm:alg>
+                        </dgm:else>
+                      </dgm:choose>
+                      <dgm:shape xmlns:r="http://schemas.openxmlformats.org/officeDocument/2006/relationships" r:blip="">
+                        <dgm:adjLst/>
+                      </dgm:shape>
+                      <dgm:presOf/>
+                      <dgm:constrLst/>
+                      <dgm:ruleLst/>
+                      <dgm:layoutNode name="level2Shape">
+                        <dgm:alg type="tx"/>
+                        <dgm:shape xmlns:r="http://schemas.openxmlformats.org/officeDocument/2006/relationships" type="roundRect" r:blip="">
+                          <dgm:adjLst>
+                            <dgm:adj idx="1" val="0.1"/>
+                          </dgm:adjLst>
+                        </dgm:shape>
+                        <dgm:presOf axis="self"/>
+                        <dgm:constrLst>
+                          <dgm:constr type="tMarg" refType="primFontSz" fact="0.05"/>
+                          <dgm:constr type="bMarg" refType="primFontSz" fact="0.05"/>
+                          <dgm:constr type="lMarg" refType="primFontSz" fact="0.05"/>
+                          <dgm:constr type="rMarg" refType="primFontSz" fact="0.05"/>
+                        </dgm:constrLst>
+                        <dgm:ruleLst>
+                          <dgm:rule type="primFontSz" val="5" fact="NaN" max="NaN"/>
+                        </dgm:ruleLst>
+                      </dgm:layoutNode>
+                      <dgm:layoutNode name="hierChild3">
+                        <dgm:choose name="Name34">
+                          <dgm:if name="Name35" func="var" arg="dir" op="equ" val="norm">
+                            <dgm:alg type="hierChild">
+                              <dgm:param type="linDir" val="fromT"/>
+                              <dgm:param type="chAlign" val="l"/>
+                            </dgm:alg>
+                          </dgm:if>
+                          <dgm:else name="Name36">
+                            <dgm:alg type="hierChild">
+                              <dgm:param type="linDir" val="fromT"/>
+                              <dgm:param type="chAlign" val="r"/>
+                            </dgm:alg>
+                          </dgm:else>
+                        </dgm:choose>
+                        <dgm:shape xmlns:r="http://schemas.openxmlformats.org/officeDocument/2006/relationships" r:blip="">
+                          <dgm:adjLst/>
+                        </dgm:shape>
+                        <dgm:presOf/>
+                        <dgm:constrLst/>
+                        <dgm:ruleLst/>
+                        <dgm:forEach name="Name37" ref="repeat"/>
+                      </dgm:layoutNode>
+                    </dgm:layoutNode>
+                  </dgm:forEach>
+                </dgm:forEach>
+              </dgm:layoutNode>
+            </dgm:layoutNode>
+          </dgm:forEach>
+        </dgm:forEach>
+      </dgm:layoutNode>
+    </dgm:layoutNode>
+    <dgm:layoutNode name="bgShapesFlow">
+      <dgm:choose name="Name38">
+        <dgm:if name="Name39" func="var" arg="dir" op="equ" val="norm">
+          <dgm:alg type="lin">
+            <dgm:param type="linDir" val="fromL"/>
+            <dgm:param type="nodeVertAlign" val="mid"/>
+            <dgm:param type="vertAlign" val="mid"/>
+            <dgm:param type="nodeHorzAlign" val="l"/>
+            <dgm:param type="horzAlign" val="l"/>
+          </dgm:alg>
+        </dgm:if>
+        <dgm:else name="Name40">
+          <dgm:alg type="lin">
+            <dgm:param type="linDir" val="fromR"/>
+            <dgm:param type="nodeVertAlign" val="mid"/>
+            <dgm:param type="vertAlign" val="mid"/>
+            <dgm:param type="nodeHorzAlign" val="r"/>
+            <dgm:param type="horzAlign" val="r"/>
+          </dgm:alg>
+        </dgm:else>
+      </dgm:choose>
+      <dgm:shape xmlns:r="http://schemas.openxmlformats.org/officeDocument/2006/relationships" r:blip="">
+        <dgm:adjLst/>
+      </dgm:shape>
+      <dgm:presOf/>
+      <dgm:constrLst>
+        <dgm:constr type="w" for="ch" forName="rectComp" refType="w"/>
+        <dgm:constr type="h" for="ch" forName="rectComp" refType="h"/>
+        <dgm:constr type="h" for="des" forName="bgRect" refType="h"/>
+        <dgm:constr type="primFontSz" for="des" forName="bgRectTx" op="equ" val="65"/>
+      </dgm:constrLst>
+      <dgm:ruleLst/>
+      <dgm:forEach name="Name41" axis="ch" ptType="node" st="2">
+        <dgm:layoutNode name="rectComp">
+          <dgm:alg type="composite"/>
+          <dgm:shape xmlns:r="http://schemas.openxmlformats.org/officeDocument/2006/relationships" r:blip="">
+            <dgm:adjLst/>
+          </dgm:shape>
+          <dgm:presOf/>
+          <dgm:constrLst>
+            <dgm:constr type="userA"/>
+            <dgm:constr type="l" for="ch" forName="bgRect"/>
+            <dgm:constr type="t" for="ch" forName="bgRect"/>
+            <dgm:constr type="w" for="ch" forName="bgRect" refType="userA" fact="1.2"/>
+            <dgm:constr type="l" for="ch" forName="bgRectTx"/>
+            <dgm:constr type="t" for="ch" forName="bgRectTx"/>
+            <dgm:constr type="h" for="ch" forName="bgRectTx" refType="h" refFor="ch" refForName="bgRect" fact="0.3"/>
+            <dgm:constr type="w" for="ch" forName="bgRectTx" refType="w" refFor="ch" refForName="bgRect" op="equ"/>
+          </dgm:constrLst>
+          <dgm:ruleLst/>
+          <dgm:layoutNode name="bgRect" styleLbl="bgShp">
+            <dgm:alg type="sp"/>
+            <dgm:shape xmlns:r="http://schemas.openxmlformats.org/officeDocument/2006/relationships" type="roundRect" r:blip="" zOrderOff="-999">
+              <dgm:adjLst>
+                <dgm:adj idx="1" val="0.1"/>
+              </dgm:adjLst>
+            </dgm:shape>
+            <dgm:presOf axis="desOrSelf" ptType="node"/>
+            <dgm:constrLst/>
+            <dgm:ruleLst/>
+          </dgm:layoutNode>
+          <dgm:layoutNode name="bgRectTx" styleLbl="bgShp">
+            <dgm:varLst>
+              <dgm:bulletEnabled val="1"/>
+            </dgm:varLst>
+            <dgm:alg type="tx"/>
+            <dgm:shape xmlns:r="http://schemas.openxmlformats.org/officeDocument/2006/relationships" type="rect" r:blip="" zOrderOff="-999" hideGeom="1">
+              <dgm:adjLst/>
+            </dgm:shape>
+            <dgm:presOf axis="desOrSelf" ptType="node"/>
+            <dgm:constrLst/>
+            <dgm:ruleLst>
+              <dgm:rule type="primFontSz" val="5" fact="NaN" max="NaN"/>
+            </dgm:ruleLst>
+          </dgm:layoutNode>
+        </dgm:layoutNode>
+        <dgm:choose name="Name42">
+          <dgm:if name="Name43" axis="self" ptType="node" func="revPos" op="gte" val="2">
+            <dgm:layoutNode name="spComp">
+              <dgm:alg type="composite"/>
+              <dgm:shape xmlns:r="http://schemas.openxmlformats.org/officeDocument/2006/relationships" r:blip="">
+                <dgm:adjLst/>
+              </dgm:shape>
+              <dgm:presOf/>
+              <dgm:constrLst>
+                <dgm:constr type="userA"/>
+                <dgm:constr type="userB"/>
+                <dgm:constr type="l" for="ch" forName="hSp"/>
+                <dgm:constr type="t" for="ch" forName="hSp"/>
+                <dgm:constr type="w" for="ch" forName="hSp" refType="userB"/>
+                <dgm:constr type="wOff" for="ch" forName="hSp" refType="userA" fact="-0.2"/>
+              </dgm:constrLst>
+              <dgm:ruleLst/>
+              <dgm:layoutNode name="hSp">
+                <dgm:alg type="sp"/>
+                <dgm:shape xmlns:r="http://schemas.openxmlformats.org/officeDocument/2006/relationships" r:blip="">
+                  <dgm:adjLst/>
+                </dgm:shape>
+                <dgm:presOf/>
+                <dgm:constrLst/>
+                <dgm:ruleLst/>
+              </dgm:layoutNode>
+            </dgm:layoutNode>
+          </dgm:if>
+          <dgm:else name="Name44"/>
+        </dgm:choose>
+      </dgm:forEach>
+    </dgm:layoutNode>
+  </dgm:layoutNode>
+</dgm:layoutDef>
+</file>
+
+<file path=ppt/diagrams/quickStyle1.xml><?xml version="1.0" encoding="utf-8"?>
+<dgm:styleDef xmlns:dgm="http://schemas.openxmlformats.org/drawingml/2006/diagram" xmlns:a="http://schemas.openxmlformats.org/drawingml/2006/main" uniqueId="urn:microsoft.com/office/officeart/2005/8/quickstyle/simple1">
+  <dgm:title val=""/>
+  <dgm:desc val=""/>
+  <dgm:catLst>
+    <dgm:cat type="simple" pri="10100"/>
+  </dgm:catLst>
+  <dgm:scene3d>
+    <a:camera prst="orthographicFront"/>
+    <a:lightRig rig="threePt" dir="t"/>
+  </dgm:scene3d>
+  <dgm:styleLbl name="node0">
+    <dgm:scene3d>
+      <a:camera prst="orthographicFront"/>
+      <a:lightRig rig="threePt" dir="t"/>
+    </dgm:scene3d>
+    <dgm:sp3d/>
+    <dgm:txPr/>
+    <dgm:style>
+      <a:lnRef idx="2">
+        <a:scrgbClr r="0" g="0" b="0"/>
+      </a:lnRef>
+      <a:fillRef idx="1">
+        <a:scrgbClr r="0" g="0" b="0"/>
+      </a:fillRef>
+      <a:effectRef idx="0">
+        <a:scrgbClr r="0" g="0" b="0"/>
+      </a:effectRef>
+      <a:fontRef idx="minor">
+        <a:schemeClr val="lt1"/>
+      </a:fontRef>
+    </dgm:style>
+  </dgm:styleLbl>
+  <dgm:styleLbl name="lnNode1">
+    <dgm:scene3d>
+      <a:camera prst="orthographicFront"/>
+      <a:lightRig rig="threePt" dir="t"/>
+    </dgm:scene3d>
+    <dgm:sp3d/>
+    <dgm:txPr/>
+    <dgm:style>
+      <a:lnRef idx="2">
+        <a:scrgbClr r="0" g="0" b="0"/>
+      </a:lnRef>
+      <a:fillRef idx="1">
+        <a:scrgbClr r="0" g="0" b="0"/>
+      </a:fillRef>
+      <a:effectRef idx="0">
+        <a:scrgbClr r="0" g="0" b="0"/>
+      </a:effectRef>
+      <a:fontRef idx="minor">
+        <a:schemeClr val="lt1"/>
+      </a:fontRef>
+    </dgm:style>
+  </dgm:styleLbl>
+  <dgm:styleLbl name="vennNode1">
+    <dgm:scene3d>
+      <a:camera prst="orthographicFront"/>
+      <a:lightRig rig="threePt" dir="t"/>
+    </dgm:scene3d>
+    <dgm:sp3d/>
+    <dgm:txPr/>
+    <dgm:style>
+      <a:lnRef idx="2">
+        <a:scrgbClr r="0" g="0" b="0"/>
+      </a:lnRef>
+      <a:fillRef idx="1">
+        <a:scrgbClr r="0" g="0" b="0"/>
+      </a:fillRef>
+      <a:effectRef idx="0">
+        <a:scrgbClr r="0" g="0" b="0"/>
+      </a:effectRef>
+      <a:fontRef idx="minor">
+        <a:schemeClr val="tx1"/>
+      </a:fontRef>
+    </dgm:style>
+  </dgm:styleLbl>
+  <dgm:styleLbl name="alignNode1">
+    <dgm:scene3d>
+      <a:camera prst="orthographicFront"/>
+      <a:lightRig rig="threePt" dir="t"/>
+    </dgm:scene3d>
+    <dgm:sp3d/>
+    <dgm:txPr/>
+    <dgm:style>
+      <a:lnRef idx="2">
+        <a:scrgbClr r="0" g="0" b="0"/>
+      </a:lnRef>
+      <a:fillRef idx="1">
+        <a:scrgbClr r="0" g="0" b="0"/>
+      </a:fillRef>
+      <a:effectRef idx="0">
+        <a:scrgbClr r="0" g="0" b="0"/>
+      </a:effectRef>
+      <a:fontRef idx="minor">
+        <a:schemeClr val="lt1"/>
+      </a:fontRef>
+    </dgm:style>
+  </dgm:styleLbl>
+  <dgm:styleLbl name="node1">
+    <dgm:scene3d>
+      <a:camera prst="orthographicFront"/>
+      <a:lightRig rig="threePt" dir="t"/>
+    </dgm:scene3d>
+    <dgm:sp3d/>
+    <dgm:txPr/>
+    <dgm:style>
+      <a:lnRef idx="2">
+        <a:scrgbClr r="0" g="0" b="0"/>
+      </a:lnRef>
+      <a:fillRef idx="1">
+        <a:scrgbClr r="0" g="0" b="0"/>
+      </a:fillRef>
+      <a:effectRef idx="0">
+        <a:scrgbClr r="0" g="0" b="0"/>
+      </a:effectRef>
+      <a:fontRef idx="minor">
+        <a:schemeClr val="lt1"/>
+      </a:fontRef>
+    </dgm:style>
+  </dgm:styleLbl>
+  <dgm:styleLbl name="node2">
+    <dgm:scene3d>
+      <a:camera prst="orthographicFront"/>
+      <a:lightRig rig="threePt" dir="t"/>
+    </dgm:scene3d>
+    <dgm:sp3d/>
+    <dgm:txPr/>
+    <dgm:style>
+      <a:lnRef idx="2">
+        <a:scrgbClr r="0" g="0" b="0"/>
+      </a:lnRef>
+      <a:fillRef idx="1">
+        <a:scrgbClr r="0" g="0" b="0"/>
+      </a:fillRef>
+      <a:effectRef idx="0">
+        <a:scrgbClr r="0" g="0" b="0"/>
+      </a:effectRef>
+      <a:fontRef idx="minor">
+        <a:schemeClr val="lt1"/>
+      </a:fontRef>
+    </dgm:style>
+  </dgm:styleLbl>
+  <dgm:styleLbl name="node3">
+    <dgm:scene3d>
+      <a:camera prst="orthographicFront"/>
+      <a:lightRig rig="threePt" dir="t"/>
+    </dgm:scene3d>
+    <dgm:sp3d/>
+    <dgm:txPr/>
+    <dgm:style>
+      <a:lnRef idx="2">
+        <a:scrgbClr r="0" g="0" b="0"/>
+      </a:lnRef>
+      <a:fillRef idx="1">
+        <a:scrgbClr r="0" g="0" b="0"/>
+      </a:fillRef>
+      <a:effectRef idx="0">
+        <a:scrgbClr r="0" g="0" b="0"/>
+      </a:effectRef>
+      <a:fontRef idx="minor">
+        <a:schemeClr val="lt1"/>
+      </a:fontRef>
+    </dgm:style>
+  </dgm:styleLbl>
+  <dgm:styleLbl name="node4">
+    <dgm:scene3d>
+      <a:camera prst="orthographicFront"/>
+      <a:lightRig rig="threePt" dir="t"/>
+    </dgm:scene3d>
+    <dgm:sp3d/>
+    <dgm:txPr/>
+    <dgm:style>
+      <a:lnRef idx="2">
+        <a:scrgbClr r="0" g="0" b="0"/>
+      </a:lnRef>
+      <a:fillRef idx="1">
+        <a:scrgbClr r="0" g="0" b="0"/>
+      </a:fillRef>
+      <a:effectRef idx="0">
+        <a:scrgbClr r="0" g="0" b="0"/>
+      </a:effectRef>
+      <a:fontRef idx="minor">
+        <a:schemeClr val="lt1"/>
+      </a:fontRef>
+    </dgm:style>
+  </dgm:styleLbl>
+  <dgm:styleLbl name="fgImgPlace1">
+    <dgm:scene3d>
+      <a:camera prst="orthographicFront"/>
+      <a:lightRig rig="threePt" dir="t"/>
+    </dgm:scene3d>
+    <dgm:sp3d/>
+    <dgm:txPr/>
+    <dgm:style>
+      <a:lnRef idx="2">
+        <a:scrgbClr r="0" g="0" b="0"/>
+      </a:lnRef>
+      <a:fillRef idx="1">
+        <a:scrgbClr r="0" g="0" b="0"/>
+      </a:fillRef>
+      <a:effectRef idx="0">
+        <a:scrgbClr r="0" g="0" b="0"/>
+      </a:effectRef>
+      <a:fontRef idx="minor"/>
+    </dgm:style>
+  </dgm:styleLbl>
+  <dgm:styleLbl name="alignImgPlace1">
+    <dgm:scene3d>
+      <a:camera prst="orthographicFront"/>
+      <a:lightRig rig="threePt" dir="t"/>
+    </dgm:scene3d>
+    <dgm:sp3d/>
+    <dgm:txPr/>
+    <dgm:style>
+      <a:lnRef idx="2">
+        <a:scrgbClr r="0" g="0" b="0"/>
+      </a:lnRef>
+      <a:fillRef idx="1">
+        <a:scrgbClr r="0" g="0" b="0"/>
+      </a:fillRef>
+      <a:effectRef idx="0">
+        <a:scrgbClr r="0" g="0" b="0"/>
+      </a:effectRef>
+      <a:fontRef idx="minor"/>
+    </dgm:style>
+  </dgm:styleLbl>
+  <dgm:styleLbl name="bgImgPlace1">
+    <dgm:scene3d>
+      <a:camera prst="orthographicFront"/>
+      <a:lightRig rig="threePt" dir="t"/>
+    </dgm:scene3d>
+    <dgm:sp3d/>
+    <dgm:txPr/>
+    <dgm:style>
+      <a:lnRef idx="2">
+        <a:scrgbClr r="0" g="0" b="0"/>
+      </a:lnRef>
+      <a:fillRef idx="1">
+        <a:scrgbClr r="0" g="0" b="0"/>
+      </a:fillRef>
+      <a:effectRef idx="0">
+        <a:scrgbClr r="0" g="0" b="0"/>
+      </a:effectRef>
+      <a:fontRef idx="minor"/>
+    </dgm:style>
+  </dgm:styleLbl>
+  <dgm:styleLbl name="sibTrans2D1">
+    <dgm:scene3d>
+      <a:camera prst="orthographicFront"/>
+      <a:lightRig rig="threePt" dir="t"/>
+    </dgm:scene3d>
+    <dgm:sp3d/>
+    <dgm:txPr/>
+    <dgm:style>
+      <a:lnRef idx="0">
+        <a:scrgbClr r="0" g="0" b="0"/>
+      </a:lnRef>
+      <a:fillRef idx="1">
+        <a:scrgbClr r="0" g="0" b="0"/>
+      </a:fillRef>
+      <a:effectRef idx="0">
+        <a:scrgbClr r="0" g="0" b="0"/>
+      </a:effectRef>
+      <a:fontRef idx="minor">
+        <a:schemeClr val="lt1"/>
+      </a:fontRef>
+    </dgm:style>
+  </dgm:styleLbl>
+  <dgm:styleLbl name="fgSibTrans2D1">
+    <dgm:scene3d>
+      <a:camera prst="orthographicFront"/>
+      <a:lightRig rig="threePt" dir="t"/>
+    </dgm:scene3d>
+    <dgm:sp3d/>
+    <dgm:txPr/>
+    <dgm:style>
+      <a:lnRef idx="0">
+        <a:scrgbClr r="0" g="0" b="0"/>
+      </a:lnRef>
+      <a:fillRef idx="1">
+        <a:scrgbClr r="0" g="0" b="0"/>
+      </a:fillRef>
+      <a:effectRef idx="0">
+        <a:scrgbClr r="0" g="0" b="0"/>
+      </a:effectRef>
+      <a:fontRef idx="minor">
+        <a:schemeClr val="lt1"/>
+      </a:fontRef>
+    </dgm:style>
+  </dgm:styleLbl>
+  <dgm:styleLbl name="bgSibTrans2D1">
+    <dgm:scene3d>
+      <a:camera prst="orthographicFront"/>
+      <a:lightRig rig="threePt" dir="t"/>
+    </dgm:scene3d>
+    <dgm:sp3d/>
+    <dgm:txPr/>
+    <dgm:style>
+      <a:lnRef idx="0">
+        <a:scrgbClr r="0" g="0" b="0"/>
+      </a:lnRef>
+      <a:fillRef idx="1">
+        <a:scrgbClr r="0" g="0" b="0"/>
+      </a:fillRef>
+      <a:effectRef idx="0">
+        <a:scrgbClr r="0" g="0" b="0"/>
+      </a:effectRef>
+      <a:fontRef idx="minor">
+        <a:schemeClr val="lt1"/>
+      </a:fontRef>
+    </dgm:style>
+  </dgm:styleLbl>
+  <dgm:styleLbl name="sibTrans1D1">
+    <dgm:scene3d>
+      <a:camera prst="orthographicFront"/>
+      <a:lightRig rig="threePt" dir="t"/>
+    </dgm:scene3d>
+    <dgm:sp3d/>
+    <dgm:txPr/>
+    <dgm:style>
+      <a:lnRef idx="1">
+        <a:scrgbClr r="0" g="0" b="0"/>
+      </a:lnRef>
+      <a:fillRef idx="0">
+        <a:scrgbClr r="0" g="0" b="0"/>
+      </a:fillRef>
+      <a:effectRef idx="0">
+        <a:scrgbClr r="0" g="0" b="0"/>
+      </a:effectRef>
+      <a:fontRef idx="minor"/>
+    </dgm:style>
+  </dgm:styleLbl>
+  <dgm:styleLbl name="callout">
+    <dgm:scene3d>
+      <a:camera prst="orthographicFront"/>
+      <a:lightRig rig="threePt" dir="t"/>
+    </dgm:scene3d>
+    <dgm:sp3d/>
+    <dgm:txPr/>
+    <dgm:style>
+      <a:lnRef idx="2">
+        <a:scrgbClr r="0" g="0" b="0"/>
+      </a:lnRef>
+      <a:fillRef idx="1">
+        <a:scrgbClr r="0" g="0" b="0"/>
+      </a:fillRef>
+      <a:effectRef idx="0">
+        <a:scrgbClr r="0" g="0" b="0"/>
+      </a:effectRef>
+      <a:fontRef idx="minor"/>
+    </dgm:style>
+  </dgm:styleLbl>
+  <dgm:styleLbl name="asst0">
+    <dgm:scene3d>
+      <a:camera prst="orthographicFront"/>
+      <a:lightRig rig="threePt" dir="t"/>
+    </dgm:scene3d>
+    <dgm:sp3d/>
+    <dgm:txPr/>
+    <dgm:style>
+      <a:lnRef idx="2">
+        <a:scrgbClr r="0" g="0" b="0"/>
+      </a:lnRef>
+      <a:fillRef idx="1">
+        <a:scrgbClr r="0" g="0" b="0"/>
+      </a:fillRef>
+      <a:effectRef idx="0">
+        <a:scrgbClr r="0" g="0" b="0"/>
+      </a:effectRef>
+      <a:fontRef idx="minor">
+        <a:schemeClr val="lt1"/>
+      </a:fontRef>
+    </dgm:style>
+  </dgm:styleLbl>
+  <dgm:styleLbl name="asst1">
+    <dgm:scene3d>
+      <a:camera prst="orthographicFront"/>
+      <a:lightRig rig="threePt" dir="t"/>
+    </dgm:scene3d>
+    <dgm:sp3d/>
+    <dgm:txPr/>
+    <dgm:style>
+      <a:lnRef idx="2">
+        <a:scrgbClr r="0" g="0" b="0"/>
+      </a:lnRef>
+      <a:fillRef idx="1">
+        <a:scrgbClr r="0" g="0" b="0"/>
+      </a:fillRef>
+      <a:effectRef idx="0">
+        <a:scrgbClr r="0" g="0" b="0"/>
+      </a:effectRef>
+      <a:fontRef idx="minor">
+        <a:schemeClr val="lt1"/>
+      </a:fontRef>
+    </dgm:style>
+  </dgm:styleLbl>
+  <dgm:styleLbl name="asst2">
+    <dgm:scene3d>
+      <a:camera prst="orthographicFront"/>
+      <a:lightRig rig="threePt" dir="t"/>
+    </dgm:scene3d>
+    <dgm:sp3d/>
+    <dgm:txPr/>
+    <dgm:style>
+      <a:lnRef idx="2">
+        <a:scrgbClr r="0" g="0" b="0"/>
+      </a:lnRef>
+      <a:fillRef idx="1">
+        <a:scrgbClr r="0" g="0" b="0"/>
+      </a:fillRef>
+      <a:effectRef idx="0">
+        <a:scrgbClr r="0" g="0" b="0"/>
+      </a:effectRef>
+      <a:fontRef idx="minor">
+        <a:schemeClr val="lt1"/>
+      </a:fontRef>
+    </dgm:style>
+  </dgm:styleLbl>
+  <dgm:styleLbl name="asst3">
+    <dgm:scene3d>
+      <a:camera prst="orthographicFront"/>
+      <a:lightRig rig="threePt" dir="t"/>
+    </dgm:scene3d>
+    <dgm:sp3d/>
+    <dgm:txPr/>
+    <dgm:style>
+      <a:lnRef idx="2">
+        <a:scrgbClr r="0" g="0" b="0"/>
+      </a:lnRef>
+      <a:fillRef idx="1">
+        <a:scrgbClr r="0" g="0" b="0"/>
+      </a:fillRef>
+      <a:effectRef idx="0">
+        <a:scrgbClr r="0" g="0" b="0"/>
+      </a:effectRef>
+      <a:fontRef idx="minor">
+        <a:schemeClr val="lt1"/>
+      </a:fontRef>
+    </dgm:style>
+  </dgm:styleLbl>
+  <dgm:styleLbl name="asst4">
+    <dgm:scene3d>
+      <a:camera prst="orthographicFront"/>
+      <a:lightRig rig="threePt" dir="t"/>
+    </dgm:scene3d>
+    <dgm:sp3d/>
+    <dgm:txPr/>
+    <dgm:style>
+      <a:lnRef idx="2">
+        <a:scrgbClr r="0" g="0" b="0"/>
+      </a:lnRef>
+      <a:fillRef idx="1">
+        <a:scrgbClr r="0" g="0" b="0"/>
+      </a:fillRef>
+      <a:effectRef idx="0">
+        <a:scrgbClr r="0" g="0" b="0"/>
+      </a:effectRef>
+      <a:fontRef idx="minor">
+        <a:schemeClr val="lt1"/>
+      </a:fontRef>
+    </dgm:style>
+  </dgm:styleLbl>
+  <dgm:styleLbl name="parChTrans2D1">
+    <dgm:scene3d>
+      <a:camera prst="orthographicFront"/>
+      <a:lightRig rig="threePt" dir="t"/>
+    </dgm:scene3d>
+    <dgm:sp3d/>
+    <dgm:txPr/>
+    <dgm:style>
+      <a:lnRef idx="2">
+        <a:scrgbClr r="0" g="0" b="0"/>
+      </a:lnRef>
+      <a:fillRef idx="1">
+        <a:scrgbClr r="0" g="0" b="0"/>
+      </a:fillRef>
+      <a:effectRef idx="0">
+        <a:scrgbClr r="0" g="0" b="0"/>
+      </a:effectRef>
+      <a:fontRef idx="minor">
+        <a:schemeClr val="lt1"/>
+      </a:fontRef>
+    </dgm:style>
+  </dgm:styleLbl>
+  <dgm:styleLbl name="parChTrans2D2">
+    <dgm:scene3d>
+      <a:camera prst="orthographicFront"/>
+      <a:lightRig rig="threePt" dir="t"/>
+    </dgm:scene3d>
+    <dgm:sp3d/>
+    <dgm:txPr/>
+    <dgm:style>
+      <a:lnRef idx="2">
+        <a:scrgbClr r="0" g="0" b="0"/>
+      </a:lnRef>
+      <a:fillRef idx="1">
+        <a:scrgbClr r="0" g="0" b="0"/>
+      </a:fillRef>
+      <a:effectRef idx="0">
+        <a:scrgbClr r="0" g="0" b="0"/>
+      </a:effectRef>
+      <a:fontRef idx="minor">
+        <a:schemeClr val="lt1"/>
+      </a:fontRef>
+    </dgm:style>
+  </dgm:styleLbl>
+  <dgm:styleLbl name="parChTrans2D3">
+    <dgm:scene3d>
+      <a:camera prst="orthographicFront"/>
+      <a:lightRig rig="threePt" dir="t"/>
+    </dgm:scene3d>
+    <dgm:sp3d/>
+    <dgm:txPr/>
+    <dgm:style>
+      <a:lnRef idx="2">
+        <a:scrgbClr r="0" g="0" b="0"/>
+      </a:lnRef>
+      <a:fillRef idx="1">
+        <a:scrgbClr r="0" g="0" b="0"/>
+      </a:fillRef>
+      <a:effectRef idx="0">
+        <a:scrgbClr r="0" g="0" b="0"/>
+      </a:effectRef>
+      <a:fontRef idx="minor">
+        <a:schemeClr val="lt1"/>
+      </a:fontRef>
+    </dgm:style>
+  </dgm:styleLbl>
+  <dgm:styleLbl name="parChTrans2D4">
+    <dgm:scene3d>
+      <a:camera prst="orthographicFront"/>
+      <a:lightRig rig="threePt" dir="t"/>
+    </dgm:scene3d>
+    <dgm:sp3d/>
+    <dgm:txPr/>
+    <dgm:style>
+      <a:lnRef idx="2">
+        <a:scrgbClr r="0" g="0" b="0"/>
+      </a:lnRef>
+      <a:fillRef idx="1">
+        <a:scrgbClr r="0" g="0" b="0"/>
+      </a:fillRef>
+      <a:effectRef idx="0">
+        <a:scrgbClr r="0" g="0" b="0"/>
+      </a:effectRef>
+      <a:fontRef idx="minor">
+        <a:schemeClr val="lt1"/>
+      </a:fontRef>
+    </dgm:style>
+  </dgm:styleLbl>
+  <dgm:styleLbl name="parChTrans1D1">
+    <dgm:scene3d>
+      <a:camera prst="orthographicFront"/>
+      <a:lightRig rig="threePt" dir="t"/>
+    </dgm:scene3d>
+    <dgm:sp3d/>
+    <dgm:txPr/>
+    <dgm:style>
+      <a:lnRef idx="2">
+        <a:scrgbClr r="0" g="0" b="0"/>
+      </a:lnRef>
+      <a:fillRef idx="0">
+        <a:scrgbClr r="0" g="0" b="0"/>
+      </a:fillRef>
+      <a:effectRef idx="0">
+        <a:scrgbClr r="0" g="0" b="0"/>
+      </a:effectRef>
+      <a:fontRef idx="minor"/>
+    </dgm:style>
+  </dgm:styleLbl>
+  <dgm:styleLbl name="parChTrans1D2">
+    <dgm:scene3d>
+      <a:camera prst="orthographicFront"/>
+      <a:lightRig rig="threePt" dir="t"/>
+    </dgm:scene3d>
+    <dgm:sp3d/>
+    <dgm:txPr/>
+    <dgm:style>
+      <a:lnRef idx="2">
+        <a:scrgbClr r="0" g="0" b="0"/>
+      </a:lnRef>
+      <a:fillRef idx="0">
+        <a:scrgbClr r="0" g="0" b="0"/>
+      </a:fillRef>
+      <a:effectRef idx="0">
+        <a:scrgbClr r="0" g="0" b="0"/>
+      </a:effectRef>
+      <a:fontRef idx="minor"/>
+    </dgm:style>
+  </dgm:styleLbl>
+  <dgm:styleLbl name="parChTrans1D3">
+    <dgm:scene3d>
+      <a:camera prst="orthographicFront"/>
+      <a:lightRig rig="threePt" dir="t"/>
+    </dgm:scene3d>
+    <dgm:sp3d/>
+    <dgm:txPr/>
+    <dgm:style>
+      <a:lnRef idx="2">
+        <a:scrgbClr r="0" g="0" b="0"/>
+      </a:lnRef>
+      <a:fillRef idx="0">
+        <a:scrgbClr r="0" g="0" b="0"/>
+      </a:fillRef>
+      <a:effectRef idx="0">
+        <a:scrgbClr r="0" g="0" b="0"/>
+      </a:effectRef>
+      <a:fontRef idx="minor"/>
+    </dgm:style>
+  </dgm:styleLbl>
+  <dgm:styleLbl name="parChTrans1D4">
+    <dgm:scene3d>
+      <a:camera prst="orthographicFront"/>
+      <a:lightRig rig="threePt" dir="t"/>
+    </dgm:scene3d>
+    <dgm:sp3d/>
+    <dgm:txPr/>
+    <dgm:style>
+      <a:lnRef idx="2">
+        <a:scrgbClr r="0" g="0" b="0"/>
+      </a:lnRef>
+      <a:fillRef idx="0">
+        <a:scrgbClr r="0" g="0" b="0"/>
+      </a:fillRef>
+      <a:effectRef idx="0">
+        <a:scrgbClr r="0" g="0" b="0"/>
+      </a:effectRef>
+      <a:fontRef idx="minor"/>
+    </dgm:style>
+  </dgm:styleLbl>
+  <dgm:styleLbl name="fgAcc1">
+    <dgm:scene3d>
+      <a:camera prst="orthographicFront"/>
+      <a:lightRig rig="threePt" dir="t"/>
+    </dgm:scene3d>
+    <dgm:sp3d/>
+    <dgm:txPr/>
+    <dgm:style>
+      <a:lnRef idx="2">
+        <a:scrgbClr r="0" g="0" b="0"/>
+      </a:lnRef>
+      <a:fillRef idx="1">
+        <a:scrgbClr r="0" g="0" b="0"/>
+      </a:fillRef>
+      <a:effectRef idx="0">
+        <a:scrgbClr r="0" g="0" b="0"/>
+      </a:effectRef>
+      <a:fontRef idx="minor"/>
+    </dgm:style>
+  </dgm:styleLbl>
+  <dgm:styleLbl name="conFgAcc1">
+    <dgm:scene3d>
+      <a:camera prst="orthographicFront"/>
+      <a:lightRig rig="threePt" dir="t"/>
+    </dgm:scene3d>
+    <dgm:sp3d/>
+    <dgm:txPr/>
+    <dgm:style>
+      <a:lnRef idx="2">
+        <a:scrgbClr r="0" g="0" b="0"/>
+      </a:lnRef>
+      <a:fillRef idx="1">
+        <a:scrgbClr r="0" g="0" b="0"/>
+      </a:fillRef>
+      <a:effectRef idx="0">
+        <a:scrgbClr r="0" g="0" b="0"/>
+      </a:effectRef>
+      <a:fontRef idx="minor"/>
+    </dgm:style>
+  </dgm:styleLbl>
+  <dgm:styleLbl name="alignAcc1">
+    <dgm:scene3d>
+      <a:camera prst="orthographicFront"/>
+      <a:lightRig rig="threePt" dir="t"/>
+    </dgm:scene3d>
+    <dgm:sp3d/>
+    <dgm:txPr/>
+    <dgm:style>
+      <a:lnRef idx="2">
+        <a:scrgbClr r="0" g="0" b="0"/>
+      </a:lnRef>
+      <a:fillRef idx="1">
+        <a:scrgbClr r="0" g="0" b="0"/>
+      </a:fillRef>
+      <a:effectRef idx="0">
+        <a:scrgbClr r="0" g="0" b="0"/>
+      </a:effectRef>
+      <a:fontRef idx="minor"/>
+    </dgm:style>
+  </dgm:styleLbl>
+  <dgm:styleLbl name="trAlignAcc1">
+    <dgm:scene3d>
+      <a:camera prst="orthographicFront"/>
+      <a:lightRig rig="threePt" dir="t"/>
+    </dgm:scene3d>
+    <dgm:sp3d/>
+    <dgm:txPr/>
+    <dgm:style>
+      <a:lnRef idx="1">
+        <a:scrgbClr r="0" g="0" b="0"/>
+      </a:lnRef>
+      <a:fillRef idx="1">
+        <a:scrgbClr r="0" g="0" b="0"/>
+      </a:fillRef>
+      <a:effectRef idx="0">
+        <a:scrgbClr r="0" g="0" b="0"/>
+      </a:effectRef>
+      <a:fontRef idx="minor"/>
+    </dgm:style>
+  </dgm:styleLbl>
+  <dgm:styleLbl name="bgAcc1">
+    <dgm:scene3d>
+      <a:camera prst="orthographicFront"/>
+      <a:lightRig rig="threePt" dir="t"/>
+    </dgm:scene3d>
+    <dgm:sp3d/>
+    <dgm:txPr/>
+    <dgm:style>
+      <a:lnRef idx="2">
+        <a:scrgbClr r="0" g="0" b="0"/>
+      </a:lnRef>
+      <a:fillRef idx="1">
+        <a:scrgbClr r="0" g="0" b="0"/>
+      </a:fillRef>
+      <a:effectRef idx="0">
+        <a:scrgbClr r="0" g="0" b="0"/>
+      </a:effectRef>
+      <a:fontRef idx="minor"/>
+    </dgm:style>
+  </dgm:styleLbl>
+  <dgm:styleLbl name="solidFgAcc1">
+    <dgm:scene3d>
+      <a:camera prst="orthographicFront"/>
+      <a:lightRig rig="threePt" dir="t"/>
+    </dgm:scene3d>
+    <dgm:sp3d/>
+    <dgm:txPr/>
+    <dgm:style>
+      <a:lnRef idx="2">
+        <a:scrgbClr r="0" g="0" b="0"/>
+      </a:lnRef>
+      <a:fillRef idx="1">
+        <a:scrgbClr r="0" g="0" b="0"/>
+      </a:fillRef>
+      <a:effectRef idx="0">
+        <a:scrgbClr r="0" g="0" b="0"/>
+      </a:effectRef>
+      <a:fontRef idx="minor"/>
+    </dgm:style>
+  </dgm:styleLbl>
+  <dgm:styleLbl name="solidAlignAcc1">
+    <dgm:scene3d>
+      <a:camera prst="orthographicFront"/>
+      <a:lightRig rig="threePt" dir="t"/>
+    </dgm:scene3d>
+    <dgm:sp3d/>
+    <dgm:txPr/>
+    <dgm:style>
+      <a:lnRef idx="2">
+        <a:scrgbClr r="0" g="0" b="0"/>
+      </a:lnRef>
+      <a:fillRef idx="1">
+        <a:scrgbClr r="0" g="0" b="0"/>
+      </a:fillRef>
+      <a:effectRef idx="0">
+        <a:scrgbClr r="0" g="0" b="0"/>
+      </a:effectRef>
+      <a:fontRef idx="minor"/>
+    </dgm:style>
+  </dgm:styleLbl>
+  <dgm:styleLbl name="solidBgAcc1">
+    <dgm:scene3d>
+      <a:camera prst="orthographicFront"/>
+      <a:lightRig rig="threePt" dir="t"/>
+    </dgm:scene3d>
+    <dgm:sp3d/>
+    <dgm:txPr/>
+    <dgm:style>
+      <a:lnRef idx="2">
+        <a:scrgbClr r="0" g="0" b="0"/>
+      </a:lnRef>
+      <a:fillRef idx="1">
+        <a:scrgbClr r="0" g="0" b="0"/>
+      </a:fillRef>
+      <a:effectRef idx="0">
+        <a:scrgbClr r="0" g="0" b="0"/>
+      </a:effectRef>
+      <a:fontRef idx="minor"/>
+    </dgm:style>
+  </dgm:styleLbl>
+  <dgm:styleLbl name="fgAccFollowNode1">
+    <dgm:scene3d>
+      <a:camera prst="orthographicFront"/>
+      <a:lightRig rig="threePt" dir="t"/>
+    </dgm:scene3d>
+    <dgm:sp3d/>
+    <dgm:txPr/>
+    <dgm:style>
+      <a:lnRef idx="2">
+        <a:scrgbClr r="0" g="0" b="0"/>
+      </a:lnRef>
+      <a:fillRef idx="1">
+        <a:scrgbClr r="0" g="0" b="0"/>
+      </a:fillRef>
+      <a:effectRef idx="0">
+        <a:scrgbClr r="0" g="0" b="0"/>
+      </a:effectRef>
+      <a:fontRef idx="minor"/>
+    </dgm:style>
+  </dgm:styleLbl>
+  <dgm:styleLbl name="alignAccFollowNode1">
+    <dgm:scene3d>
+      <a:camera prst="orthographicFront"/>
+      <a:lightRig rig="threePt" dir="t"/>
+    </dgm:scene3d>
+    <dgm:sp3d/>
+    <dgm:txPr/>
+    <dgm:style>
+      <a:lnRef idx="2">
+        <a:scrgbClr r="0" g="0" b="0"/>
+      </a:lnRef>
+      <a:fillRef idx="1">
+        <a:scrgbClr r="0" g="0" b="0"/>
+      </a:fillRef>
+      <a:effectRef idx="0">
+        <a:scrgbClr r="0" g="0" b="0"/>
+      </a:effectRef>
+      <a:fontRef idx="minor"/>
+    </dgm:style>
+  </dgm:styleLbl>
+  <dgm:styleLbl name="bgAccFollowNode1">
+    <dgm:scene3d>
+      <a:camera prst="orthographicFront"/>
+      <a:lightRig rig="threePt" dir="t"/>
+    </dgm:scene3d>
+    <dgm:sp3d/>
+    <dgm:txPr/>
+    <dgm:style>
+      <a:lnRef idx="2">
+        <a:scrgbClr r="0" g="0" b="0"/>
+      </a:lnRef>
+      <a:fillRef idx="1">
+        <a:scrgbClr r="0" g="0" b="0"/>
+      </a:fillRef>
+      <a:effectRef idx="0">
+        <a:scrgbClr r="0" g="0" b="0"/>
+      </a:effectRef>
+      <a:fontRef idx="minor"/>
+    </dgm:style>
+  </dgm:styleLbl>
+  <dgm:styleLbl name="fgAcc0">
+    <dgm:scene3d>
+      <a:camera prst="orthographicFront"/>
+      <a:lightRig rig="threePt" dir="t"/>
+    </dgm:scene3d>
+    <dgm:sp3d/>
+    <dgm:txPr/>
+    <dgm:style>
+      <a:lnRef idx="2">
+        <a:scrgbClr r="0" g="0" b="0"/>
+      </a:lnRef>
+      <a:fillRef idx="1">
+        <a:scrgbClr r="0" g="0" b="0"/>
+      </a:fillRef>
+      <a:effectRef idx="0">
+        <a:scrgbClr r="0" g="0" b="0"/>
+      </a:effectRef>
+      <a:fontRef idx="minor"/>
+    </dgm:style>
+  </dgm:styleLbl>
+  <dgm:styleLbl name="fgAcc2">
+    <dgm:scene3d>
+      <a:camera prst="orthographicFront"/>
+      <a:lightRig rig="threePt" dir="t"/>
+    </dgm:scene3d>
+    <dgm:sp3d/>
+    <dgm:txPr/>
+    <dgm:style>
+      <a:lnRef idx="2">
+        <a:scrgbClr r="0" g="0" b="0"/>
+      </a:lnRef>
+      <a:fillRef idx="1">
+        <a:scrgbClr r="0" g="0" b="0"/>
+      </a:fillRef>
+      <a:effectRef idx="0">
+        <a:scrgbClr r="0" g="0" b="0"/>
+      </a:effectRef>
+      <a:fontRef idx="minor"/>
+    </dgm:style>
+  </dgm:styleLbl>
+  <dgm:styleLbl name="fgAcc3">
+    <dgm:scene3d>
+      <a:camera prst="orthographicFront"/>
+      <a:lightRig rig="threePt" dir="t"/>
+    </dgm:scene3d>
+    <dgm:sp3d/>
+    <dgm:txPr/>
+    <dgm:style>
+      <a:lnRef idx="2">
+        <a:scrgbClr r="0" g="0" b="0"/>
+      </a:lnRef>
+      <a:fillRef idx="1">
+        <a:scrgbClr r="0" g="0" b="0"/>
+      </a:fillRef>
+      <a:effectRef idx="0">
+        <a:scrgbClr r="0" g="0" b="0"/>
+      </a:effectRef>
+      <a:fontRef idx="minor"/>
+    </dgm:style>
+  </dgm:styleLbl>
+  <dgm:styleLbl name="fgAcc4">
+    <dgm:scene3d>
+      <a:camera prst="orthographicFront"/>
+      <a:lightRig rig="threePt" dir="t"/>
+    </dgm:scene3d>
+    <dgm:sp3d/>
+    <dgm:txPr/>
+    <dgm:style>
+      <a:lnRef idx="2">
+        <a:scrgbClr r="0" g="0" b="0"/>
+      </a:lnRef>
+      <a:fillRef idx="1">
+        <a:scrgbClr r="0" g="0" b="0"/>
+      </a:fillRef>
+      <a:effectRef idx="0">
+        <a:scrgbClr r="0" g="0" b="0"/>
+      </a:effectRef>
+      <a:fontRef idx="minor"/>
+    </dgm:style>
+  </dgm:styleLbl>
+  <dgm:styleLbl name="bgShp">
+    <dgm:scene3d>
+      <a:camera prst="orthographicFront"/>
+      <a:lightRig rig="threePt" dir="t"/>
+    </dgm:scene3d>
+    <dgm:sp3d/>
+    <dgm:txPr/>
+    <dgm:style>
+      <a:lnRef idx="0">
+        <a:scrgbClr r="0" g="0" b="0"/>
+      </a:lnRef>
+      <a:fillRef idx="1">
+        <a:scrgbClr r="0" g="0" b="0"/>
+      </a:fillRef>
+      <a:effectRef idx="0">
+        <a:scrgbClr r="0" g="0" b="0"/>
+      </a:effectRef>
+      <a:fontRef idx="minor"/>
+    </dgm:style>
+  </dgm:styleLbl>
+  <dgm:styleLbl name="dkBgShp">
+    <dgm:scene3d>
+      <a:camera prst="orthographicFront"/>
+      <a:lightRig rig="threePt" dir="t"/>
+    </dgm:scene3d>
+    <dgm:sp3d/>
+    <dgm:txPr/>
+    <dgm:style>
+      <a:lnRef idx="0">
+        <a:scrgbClr r="0" g="0" b="0"/>
+      </a:lnRef>
+      <a:fillRef idx="1">
+        <a:scrgbClr r="0" g="0" b="0"/>
+      </a:fillRef>
+      <a:effectRef idx="0">
+        <a:scrgbClr r="0" g="0" b="0"/>
+      </a:effectRef>
+      <a:fontRef idx="minor"/>
+    </dgm:style>
+  </dgm:styleLbl>
+  <dgm:styleLbl name="trBgShp">
+    <dgm:scene3d>
+      <a:camera prst="orthographicFront"/>
+      <a:lightRig rig="threePt" dir="t"/>
+    </dgm:scene3d>
+    <dgm:sp3d/>
+    <dgm:txPr/>
+    <dgm:style>
+      <a:lnRef idx="0">
+        <a:scrgbClr r="0" g="0" b="0"/>
+      </a:lnRef>
+      <a:fillRef idx="1">
+        <a:scrgbClr r="0" g="0" b="0"/>
+      </a:fillRef>
+      <a:effectRef idx="0">
+        <a:scrgbClr r="0" g="0" b="0"/>
+      </a:effectRef>
+      <a:fontRef idx="minor"/>
+    </dgm:style>
+  </dgm:styleLbl>
+  <dgm:styleLbl name="fgShp">
+    <dgm:scene3d>
+      <a:camera prst="orthographicFront"/>
+      <a:lightRig rig="threePt" dir="t"/>
+    </dgm:scene3d>
+    <dgm:sp3d/>
+    <dgm:txPr/>
+    <dgm:style>
+      <a:lnRef idx="2">
+        <a:scrgbClr r="0" g="0" b="0"/>
+      </a:lnRef>
+      <a:fillRef idx="1">
+        <a:scrgbClr r="0" g="0" b="0"/>
+      </a:fillRef>
+      <a:effectRef idx="0">
+        <a:scrgbClr r="0" g="0" b="0"/>
+      </a:effectRef>
+      <a:fontRef idx="minor"/>
+    </dgm:style>
+  </dgm:styleLbl>
+  <dgm:styleLbl name="revTx">
+    <dgm:scene3d>
+      <a:camera prst="orthographicFront"/>
+      <a:lightRig rig="threePt" dir="t"/>
+    </dgm:scene3d>
+    <dgm:sp3d/>
+    <dgm:txPr/>
+    <dgm:style>
+      <a:lnRef idx="0">
+        <a:scrgbClr r="0" g="0" b="0"/>
+      </a:lnRef>
+      <a:fillRef idx="0">
+        <a:scrgbClr r="0" g="0" b="0"/>
+      </a:fillRef>
+      <a:effectRef idx="0">
+        <a:scrgbClr r="0" g="0" b="0"/>
+      </a:effectRef>
+      <a:fontRef idx="minor"/>
+    </dgm:style>
+  </dgm:styleLbl>
+</dgm:styleDef>
 </file>
 
 <file path=ppt/slideLayouts/slideLayout1.xml><?xml version="1.0" encoding="utf-8"?>
@@ -238,7 +4380,7 @@
           <a:p>
             <a:fld id="{3DB8CEA6-1520-4954-BE6B-D9A89136BDDD}" type="datetimeFigureOut">
               <a:rPr lang="en-GB" smtClean="0"/>
-              <a:t>12/11/2015</a:t>
+              <a:t>28/11/2015</a:t>
             </a:fld>
             <a:endParaRPr lang="en-GB"/>
           </a:p>
@@ -408,7 +4550,7 @@
           <a:p>
             <a:fld id="{3DB8CEA6-1520-4954-BE6B-D9A89136BDDD}" type="datetimeFigureOut">
               <a:rPr lang="en-GB" smtClean="0"/>
-              <a:t>12/11/2015</a:t>
+              <a:t>28/11/2015</a:t>
             </a:fld>
             <a:endParaRPr lang="en-GB"/>
           </a:p>
@@ -588,7 +4730,7 @@
           <a:p>
             <a:fld id="{3DB8CEA6-1520-4954-BE6B-D9A89136BDDD}" type="datetimeFigureOut">
               <a:rPr lang="en-GB" smtClean="0"/>
-              <a:t>12/11/2015</a:t>
+              <a:t>28/11/2015</a:t>
             </a:fld>
             <a:endParaRPr lang="en-GB"/>
           </a:p>
@@ -758,7 +4900,7 @@
           <a:p>
             <a:fld id="{3DB8CEA6-1520-4954-BE6B-D9A89136BDDD}" type="datetimeFigureOut">
               <a:rPr lang="en-GB" smtClean="0"/>
-              <a:t>12/11/2015</a:t>
+              <a:t>28/11/2015</a:t>
             </a:fld>
             <a:endParaRPr lang="en-GB"/>
           </a:p>
@@ -1004,7 +5146,7 @@
           <a:p>
             <a:fld id="{3DB8CEA6-1520-4954-BE6B-D9A89136BDDD}" type="datetimeFigureOut">
               <a:rPr lang="en-GB" smtClean="0"/>
-              <a:t>12/11/2015</a:t>
+              <a:t>28/11/2015</a:t>
             </a:fld>
             <a:endParaRPr lang="en-GB"/>
           </a:p>
@@ -1236,7 +5378,7 @@
           <a:p>
             <a:fld id="{3DB8CEA6-1520-4954-BE6B-D9A89136BDDD}" type="datetimeFigureOut">
               <a:rPr lang="en-GB" smtClean="0"/>
-              <a:t>12/11/2015</a:t>
+              <a:t>28/11/2015</a:t>
             </a:fld>
             <a:endParaRPr lang="en-GB"/>
           </a:p>
@@ -1603,7 +5745,7 @@
           <a:p>
             <a:fld id="{3DB8CEA6-1520-4954-BE6B-D9A89136BDDD}" type="datetimeFigureOut">
               <a:rPr lang="en-GB" smtClean="0"/>
-              <a:t>12/11/2015</a:t>
+              <a:t>28/11/2015</a:t>
             </a:fld>
             <a:endParaRPr lang="en-GB"/>
           </a:p>
@@ -1721,7 +5863,7 @@
           <a:p>
             <a:fld id="{3DB8CEA6-1520-4954-BE6B-D9A89136BDDD}" type="datetimeFigureOut">
               <a:rPr lang="en-GB" smtClean="0"/>
-              <a:t>12/11/2015</a:t>
+              <a:t>28/11/2015</a:t>
             </a:fld>
             <a:endParaRPr lang="en-GB"/>
           </a:p>
@@ -1816,7 +5958,7 @@
           <a:p>
             <a:fld id="{3DB8CEA6-1520-4954-BE6B-D9A89136BDDD}" type="datetimeFigureOut">
               <a:rPr lang="en-GB" smtClean="0"/>
-              <a:t>12/11/2015</a:t>
+              <a:t>28/11/2015</a:t>
             </a:fld>
             <a:endParaRPr lang="en-GB"/>
           </a:p>
@@ -2093,7 +6235,7 @@
           <a:p>
             <a:fld id="{3DB8CEA6-1520-4954-BE6B-D9A89136BDDD}" type="datetimeFigureOut">
               <a:rPr lang="en-GB" smtClean="0"/>
-              <a:t>12/11/2015</a:t>
+              <a:t>28/11/2015</a:t>
             </a:fld>
             <a:endParaRPr lang="en-GB"/>
           </a:p>
@@ -2346,7 +6488,7 @@
           <a:p>
             <a:fld id="{3DB8CEA6-1520-4954-BE6B-D9A89136BDDD}" type="datetimeFigureOut">
               <a:rPr lang="en-GB" smtClean="0"/>
-              <a:t>12/11/2015</a:t>
+              <a:t>28/11/2015</a:t>
             </a:fld>
             <a:endParaRPr lang="en-GB"/>
           </a:p>
@@ -2559,7 +6701,7 @@
           <a:p>
             <a:fld id="{3DB8CEA6-1520-4954-BE6B-D9A89136BDDD}" type="datetimeFigureOut">
               <a:rPr lang="en-GB" smtClean="0"/>
-              <a:t>12/11/2015</a:t>
+              <a:t>28/11/2015</a:t>
             </a:fld>
             <a:endParaRPr lang="en-GB"/>
           </a:p>
@@ -3295,6 +7437,148 @@
 </p:sld>
 </file>
 
+<file path=ppt/slides/slide2.xml><?xml version="1.0" encoding="utf-8"?>
+<p:sld xmlns:a="http://schemas.openxmlformats.org/drawingml/2006/main" xmlns:r="http://schemas.openxmlformats.org/officeDocument/2006/relationships" xmlns:p="http://schemas.openxmlformats.org/presentationml/2006/main">
+  <p:cSld>
+    <p:spTree>
+      <p:nvGrpSpPr>
+        <p:cNvPr id="1" name=""/>
+        <p:cNvGrpSpPr/>
+        <p:nvPr/>
+      </p:nvGrpSpPr>
+      <p:grpSpPr>
+        <a:xfrm>
+          <a:off x="0" y="0"/>
+          <a:ext cx="0" cy="0"/>
+          <a:chOff x="0" y="0"/>
+          <a:chExt cx="0" cy="0"/>
+        </a:xfrm>
+      </p:grpSpPr>
+      <p:graphicFrame>
+        <p:nvGraphicFramePr>
+          <p:cNvPr id="2" name="Diagram 1"/>
+          <p:cNvGraphicFramePr/>
+          <p:nvPr>
+            <p:extLst>
+              <p:ext uri="{D42A27DB-BD31-4B8C-83A1-F6EECF244321}">
+                <p14:modId xmlns:p14="http://schemas.microsoft.com/office/powerpoint/2010/main" val="2131577679"/>
+              </p:ext>
+            </p:extLst>
+          </p:nvPr>
+        </p:nvGraphicFramePr>
+        <p:xfrm>
+          <a:off x="2032000" y="719666"/>
+          <a:ext cx="8128000" cy="5418667"/>
+        </p:xfrm>
+        <a:graphic>
+          <a:graphicData uri="http://schemas.openxmlformats.org/drawingml/2006/diagram">
+            <dgm:relIds xmlns:dgm="http://schemas.openxmlformats.org/drawingml/2006/diagram" xmlns:r="http://schemas.openxmlformats.org/officeDocument/2006/relationships" r:dm="rId2" r:lo="rId3" r:qs="rId4" r:cs="rId5"/>
+          </a:graphicData>
+        </a:graphic>
+      </p:graphicFrame>
+      <p:cxnSp>
+        <p:nvCxnSpPr>
+          <p:cNvPr id="5" name="Straight Connector 4"/>
+          <p:cNvCxnSpPr/>
+          <p:nvPr/>
+        </p:nvCxnSpPr>
+        <p:spPr>
+          <a:xfrm flipV="1">
+            <a:off x="4217437" y="3526971"/>
+            <a:ext cx="858416" cy="1772817"/>
+          </a:xfrm>
+          <a:prstGeom prst="line">
+            <a:avLst/>
+          </a:prstGeom>
+        </p:spPr>
+        <p:style>
+          <a:lnRef idx="1">
+            <a:schemeClr val="accent1"/>
+          </a:lnRef>
+          <a:fillRef idx="0">
+            <a:schemeClr val="accent1"/>
+          </a:fillRef>
+          <a:effectRef idx="0">
+            <a:schemeClr val="accent1"/>
+          </a:effectRef>
+          <a:fontRef idx="minor">
+            <a:schemeClr val="tx1"/>
+          </a:fontRef>
+        </p:style>
+      </p:cxnSp>
+      <p:cxnSp>
+        <p:nvCxnSpPr>
+          <p:cNvPr id="7" name="Straight Connector 6"/>
+          <p:cNvCxnSpPr/>
+          <p:nvPr/>
+        </p:nvCxnSpPr>
+        <p:spPr>
+          <a:xfrm flipH="1" flipV="1">
+            <a:off x="4217437" y="2948473"/>
+            <a:ext cx="858416" cy="2351315"/>
+          </a:xfrm>
+          <a:prstGeom prst="line">
+            <a:avLst/>
+          </a:prstGeom>
+        </p:spPr>
+        <p:style>
+          <a:lnRef idx="1">
+            <a:schemeClr val="accent1"/>
+          </a:lnRef>
+          <a:fillRef idx="0">
+            <a:schemeClr val="accent1"/>
+          </a:fillRef>
+          <a:effectRef idx="0">
+            <a:schemeClr val="accent1"/>
+          </a:effectRef>
+          <a:fontRef idx="minor">
+            <a:schemeClr val="tx1"/>
+          </a:fontRef>
+        </p:style>
+      </p:cxnSp>
+      <p:cxnSp>
+        <p:nvCxnSpPr>
+          <p:cNvPr id="10" name="Straight Connector 9"/>
+          <p:cNvCxnSpPr/>
+          <p:nvPr/>
+        </p:nvCxnSpPr>
+        <p:spPr>
+          <a:xfrm flipH="1" flipV="1">
+            <a:off x="4217438" y="4124132"/>
+            <a:ext cx="858415" cy="1156390"/>
+          </a:xfrm>
+          <a:prstGeom prst="line">
+            <a:avLst/>
+          </a:prstGeom>
+        </p:spPr>
+        <p:style>
+          <a:lnRef idx="1">
+            <a:schemeClr val="accent1"/>
+          </a:lnRef>
+          <a:fillRef idx="0">
+            <a:schemeClr val="accent1"/>
+          </a:fillRef>
+          <a:effectRef idx="0">
+            <a:schemeClr val="accent1"/>
+          </a:effectRef>
+          <a:fontRef idx="minor">
+            <a:schemeClr val="tx1"/>
+          </a:fontRef>
+        </p:style>
+      </p:cxnSp>
+    </p:spTree>
+    <p:extLst>
+      <p:ext uri="{BB962C8B-B14F-4D97-AF65-F5344CB8AC3E}">
+        <p14:creationId xmlns:p14="http://schemas.microsoft.com/office/powerpoint/2010/main" val="778152368"/>
+      </p:ext>
+    </p:extLst>
+  </p:cSld>
+  <p:clrMapOvr>
+    <a:masterClrMapping/>
+  </p:clrMapOvr>
+</p:sld>
+</file>
+
 <file path=ppt/theme/theme1.xml><?xml version="1.0" encoding="utf-8"?>
 <a:theme xmlns:a="http://schemas.openxmlformats.org/drawingml/2006/main" name="Office Theme">
   <a:themeElements>

--- a/NOV/img/images.pptx
+++ b/NOV/img/images.pptx
@@ -6,7 +6,8 @@
   </p:sldMasterIdLst>
   <p:sldIdLst>
     <p:sldId id="256" r:id="rId2"/>
-    <p:sldId id="257" r:id="rId3"/>
+    <p:sldId id="258" r:id="rId3"/>
+    <p:sldId id="257" r:id="rId4"/>
   </p:sldIdLst>
   <p:sldSz cx="12192000" cy="6858000"/>
   <p:notesSz cx="6858000" cy="9144000"/>
@@ -1218,6 +1219,13 @@
         </dgm:presLayoutVars>
       </dgm:prSet>
       <dgm:spPr/>
+      <dgm:t>
+        <a:bodyPr/>
+        <a:lstStyle/>
+        <a:p>
+          <a:endParaRPr lang="en-GB"/>
+        </a:p>
+      </dgm:t>
     </dgm:pt>
     <dgm:pt modelId="{56144D66-FB86-45AE-A33A-E9F7D053D5EE}" type="pres">
       <dgm:prSet presAssocID="{64202AC5-7621-4BEA-A4C3-4346A3B76C60}" presName="hierFlow" presStyleCnt="0"/>
@@ -1248,6 +1256,13 @@
         </dgm:presLayoutVars>
       </dgm:prSet>
       <dgm:spPr/>
+      <dgm:t>
+        <a:bodyPr/>
+        <a:lstStyle/>
+        <a:p>
+          <a:endParaRPr lang="en-GB"/>
+        </a:p>
+      </dgm:t>
     </dgm:pt>
     <dgm:pt modelId="{F979056C-F989-432C-89F0-090B669E7C56}" type="pres">
       <dgm:prSet presAssocID="{C91BAFB5-A6D7-454D-B4E8-165A4961C2A8}" presName="hierChild2" presStyleCnt="0"/>
@@ -1256,10 +1271,24 @@
     <dgm:pt modelId="{5479C08E-D141-4414-A115-E442B60FEC4D}" type="pres">
       <dgm:prSet presAssocID="{FD3216D4-CB88-4730-BBB1-718B00152892}" presName="Name25" presStyleLbl="parChTrans1D2" presStyleIdx="0" presStyleCnt="2"/>
       <dgm:spPr/>
+      <dgm:t>
+        <a:bodyPr/>
+        <a:lstStyle/>
+        <a:p>
+          <a:endParaRPr lang="en-GB"/>
+        </a:p>
+      </dgm:t>
     </dgm:pt>
     <dgm:pt modelId="{BF3AFFA4-062F-48CF-AB2D-DEA96162F64A}" type="pres">
       <dgm:prSet presAssocID="{FD3216D4-CB88-4730-BBB1-718B00152892}" presName="connTx" presStyleLbl="parChTrans1D2" presStyleIdx="0" presStyleCnt="2"/>
       <dgm:spPr/>
+      <dgm:t>
+        <a:bodyPr/>
+        <a:lstStyle/>
+        <a:p>
+          <a:endParaRPr lang="en-GB"/>
+        </a:p>
+      </dgm:t>
     </dgm:pt>
     <dgm:pt modelId="{CD43CB15-0E58-4F9A-89CB-2057231D4388}" type="pres">
       <dgm:prSet presAssocID="{645A7BD1-820A-4A94-85C9-51CAE17DD8BD}" presName="Name30" presStyleCnt="0"/>
@@ -1268,6 +1297,13 @@
     <dgm:pt modelId="{304546B6-6368-477C-9454-99808B6E531D}" type="pres">
       <dgm:prSet presAssocID="{645A7BD1-820A-4A94-85C9-51CAE17DD8BD}" presName="level2Shape" presStyleLbl="node2" presStyleIdx="0" presStyleCnt="2"/>
       <dgm:spPr/>
+      <dgm:t>
+        <a:bodyPr/>
+        <a:lstStyle/>
+        <a:p>
+          <a:endParaRPr lang="en-GB"/>
+        </a:p>
+      </dgm:t>
     </dgm:pt>
     <dgm:pt modelId="{A0FE47CF-F9DF-4308-9C09-4698E16E2C82}" type="pres">
       <dgm:prSet presAssocID="{645A7BD1-820A-4A94-85C9-51CAE17DD8BD}" presName="hierChild3" presStyleCnt="0"/>
@@ -1276,10 +1312,24 @@
     <dgm:pt modelId="{934B9D86-16B3-4B0B-9A7D-A424E84E9540}" type="pres">
       <dgm:prSet presAssocID="{D316DFA6-D15C-4369-8C33-424E939B0BC7}" presName="Name25" presStyleLbl="parChTrans1D3" presStyleIdx="0" presStyleCnt="3"/>
       <dgm:spPr/>
+      <dgm:t>
+        <a:bodyPr/>
+        <a:lstStyle/>
+        <a:p>
+          <a:endParaRPr lang="en-GB"/>
+        </a:p>
+      </dgm:t>
     </dgm:pt>
     <dgm:pt modelId="{BC20CA0E-A358-4DE7-B27D-F4C540E72D4F}" type="pres">
       <dgm:prSet presAssocID="{D316DFA6-D15C-4369-8C33-424E939B0BC7}" presName="connTx" presStyleLbl="parChTrans1D3" presStyleIdx="0" presStyleCnt="3"/>
       <dgm:spPr/>
+      <dgm:t>
+        <a:bodyPr/>
+        <a:lstStyle/>
+        <a:p>
+          <a:endParaRPr lang="en-GB"/>
+        </a:p>
+      </dgm:t>
     </dgm:pt>
     <dgm:pt modelId="{FD3CC20A-D895-48EF-B4D0-B77F89B43542}" type="pres">
       <dgm:prSet presAssocID="{22665F06-27B5-4CFC-998E-1AA885C93314}" presName="Name30" presStyleCnt="0"/>
@@ -1288,6 +1338,13 @@
     <dgm:pt modelId="{A4E9D010-33E6-4695-896B-B387183646F7}" type="pres">
       <dgm:prSet presAssocID="{22665F06-27B5-4CFC-998E-1AA885C93314}" presName="level2Shape" presStyleLbl="node3" presStyleIdx="0" presStyleCnt="3"/>
       <dgm:spPr/>
+      <dgm:t>
+        <a:bodyPr/>
+        <a:lstStyle/>
+        <a:p>
+          <a:endParaRPr lang="en-GB"/>
+        </a:p>
+      </dgm:t>
     </dgm:pt>
     <dgm:pt modelId="{C8407893-5B8F-42FA-BD62-5174DDCE7F95}" type="pres">
       <dgm:prSet presAssocID="{22665F06-27B5-4CFC-998E-1AA885C93314}" presName="hierChild3" presStyleCnt="0"/>
@@ -1296,10 +1353,24 @@
     <dgm:pt modelId="{35695188-4D5E-4DC3-8F92-104BAF725286}" type="pres">
       <dgm:prSet presAssocID="{BC01E95B-D8A1-4016-A1FF-2DB86A3D319D}" presName="Name25" presStyleLbl="parChTrans1D3" presStyleIdx="1" presStyleCnt="3"/>
       <dgm:spPr/>
+      <dgm:t>
+        <a:bodyPr/>
+        <a:lstStyle/>
+        <a:p>
+          <a:endParaRPr lang="en-GB"/>
+        </a:p>
+      </dgm:t>
     </dgm:pt>
     <dgm:pt modelId="{D7E578AC-26C7-4AC2-BC78-B7F1D9A07984}" type="pres">
       <dgm:prSet presAssocID="{BC01E95B-D8A1-4016-A1FF-2DB86A3D319D}" presName="connTx" presStyleLbl="parChTrans1D3" presStyleIdx="1" presStyleCnt="3"/>
       <dgm:spPr/>
+      <dgm:t>
+        <a:bodyPr/>
+        <a:lstStyle/>
+        <a:p>
+          <a:endParaRPr lang="en-GB"/>
+        </a:p>
+      </dgm:t>
     </dgm:pt>
     <dgm:pt modelId="{93DF7CBB-1FE5-4E89-A3E1-CB0B0141A8BE}" type="pres">
       <dgm:prSet presAssocID="{73524CFE-BD8B-481D-AB6A-6C5DF6C9E4E1}" presName="Name30" presStyleCnt="0"/>
@@ -1308,6 +1379,13 @@
     <dgm:pt modelId="{2FFE2959-7013-4275-97FE-0D718B9603CE}" type="pres">
       <dgm:prSet presAssocID="{73524CFE-BD8B-481D-AB6A-6C5DF6C9E4E1}" presName="level2Shape" presStyleLbl="node3" presStyleIdx="1" presStyleCnt="3"/>
       <dgm:spPr/>
+      <dgm:t>
+        <a:bodyPr/>
+        <a:lstStyle/>
+        <a:p>
+          <a:endParaRPr lang="en-GB"/>
+        </a:p>
+      </dgm:t>
     </dgm:pt>
     <dgm:pt modelId="{09B6136B-02BE-4449-A6D9-5C540119A3F2}" type="pres">
       <dgm:prSet presAssocID="{73524CFE-BD8B-481D-AB6A-6C5DF6C9E4E1}" presName="hierChild3" presStyleCnt="0"/>
@@ -1316,10 +1394,24 @@
     <dgm:pt modelId="{8373141E-6E89-469C-8C2C-2222A4818AE9}" type="pres">
       <dgm:prSet presAssocID="{AB3699B2-8561-454A-806E-9D089908F7A6}" presName="Name25" presStyleLbl="parChTrans1D2" presStyleIdx="1" presStyleCnt="2"/>
       <dgm:spPr/>
+      <dgm:t>
+        <a:bodyPr/>
+        <a:lstStyle/>
+        <a:p>
+          <a:endParaRPr lang="en-GB"/>
+        </a:p>
+      </dgm:t>
     </dgm:pt>
     <dgm:pt modelId="{857A7D8A-0AA1-403A-AB2E-7E94CA1880A6}" type="pres">
       <dgm:prSet presAssocID="{AB3699B2-8561-454A-806E-9D089908F7A6}" presName="connTx" presStyleLbl="parChTrans1D2" presStyleIdx="1" presStyleCnt="2"/>
       <dgm:spPr/>
+      <dgm:t>
+        <a:bodyPr/>
+        <a:lstStyle/>
+        <a:p>
+          <a:endParaRPr lang="en-GB"/>
+        </a:p>
+      </dgm:t>
     </dgm:pt>
     <dgm:pt modelId="{DAFBC4D5-5B97-40AA-8E74-21D53B53EC0B}" type="pres">
       <dgm:prSet presAssocID="{13558860-2432-4B23-A59D-A5A5E1E91322}" presName="Name30" presStyleCnt="0"/>
@@ -1328,6 +1420,13 @@
     <dgm:pt modelId="{ADE5334B-5F7D-4014-85B2-3ADEB4103056}" type="pres">
       <dgm:prSet presAssocID="{13558860-2432-4B23-A59D-A5A5E1E91322}" presName="level2Shape" presStyleLbl="node2" presStyleIdx="1" presStyleCnt="2"/>
       <dgm:spPr/>
+      <dgm:t>
+        <a:bodyPr/>
+        <a:lstStyle/>
+        <a:p>
+          <a:endParaRPr lang="en-GB"/>
+        </a:p>
+      </dgm:t>
     </dgm:pt>
     <dgm:pt modelId="{4E157B58-2077-483D-BFB3-160DA4600754}" type="pres">
       <dgm:prSet presAssocID="{13558860-2432-4B23-A59D-A5A5E1E91322}" presName="hierChild3" presStyleCnt="0"/>
@@ -1336,10 +1435,24 @@
     <dgm:pt modelId="{C3AA3DF1-7072-4B04-A0D9-3CC73D165D16}" type="pres">
       <dgm:prSet presAssocID="{29D0DE6F-62F6-4234-8A17-F0F949D6F6F2}" presName="Name25" presStyleLbl="parChTrans1D3" presStyleIdx="2" presStyleCnt="3"/>
       <dgm:spPr/>
+      <dgm:t>
+        <a:bodyPr/>
+        <a:lstStyle/>
+        <a:p>
+          <a:endParaRPr lang="en-GB"/>
+        </a:p>
+      </dgm:t>
     </dgm:pt>
     <dgm:pt modelId="{27276609-32E0-4F2A-844A-06268B023994}" type="pres">
       <dgm:prSet presAssocID="{29D0DE6F-62F6-4234-8A17-F0F949D6F6F2}" presName="connTx" presStyleLbl="parChTrans1D3" presStyleIdx="2" presStyleCnt="3"/>
       <dgm:spPr/>
+      <dgm:t>
+        <a:bodyPr/>
+        <a:lstStyle/>
+        <a:p>
+          <a:endParaRPr lang="en-GB"/>
+        </a:p>
+      </dgm:t>
     </dgm:pt>
     <dgm:pt modelId="{423EBE52-43FD-4BA6-B00A-E22E6A579CE0}" type="pres">
       <dgm:prSet presAssocID="{9B364363-80C2-4ED6-9A5E-D57780958CBF}" presName="Name30" presStyleCnt="0"/>
@@ -1348,6 +1461,13 @@
     <dgm:pt modelId="{E44DFEB6-D973-460F-AC4F-40368BFA49D2}" type="pres">
       <dgm:prSet presAssocID="{9B364363-80C2-4ED6-9A5E-D57780958CBF}" presName="level2Shape" presStyleLbl="node3" presStyleIdx="2" presStyleCnt="3"/>
       <dgm:spPr/>
+      <dgm:t>
+        <a:bodyPr/>
+        <a:lstStyle/>
+        <a:p>
+          <a:endParaRPr lang="en-GB"/>
+        </a:p>
+      </dgm:t>
     </dgm:pt>
     <dgm:pt modelId="{F6386710-A2B1-4396-A238-D00C12F37BC8}" type="pres">
       <dgm:prSet presAssocID="{9B364363-80C2-4ED6-9A5E-D57780958CBF}" presName="hierChild3" presStyleCnt="0"/>
@@ -1440,6 +1560,13 @@
     <dgm:pt modelId="{A6150320-98F9-427D-850C-EF89B9801654}" type="pres">
       <dgm:prSet presAssocID="{40B239C4-28FD-4786-82E1-CE8964C229EE}" presName="bgRect" presStyleLbl="bgShp" presStyleIdx="2" presStyleCnt="3"/>
       <dgm:spPr/>
+      <dgm:t>
+        <a:bodyPr/>
+        <a:lstStyle/>
+        <a:p>
+          <a:endParaRPr lang="en-GB"/>
+        </a:p>
+      </dgm:t>
     </dgm:pt>
     <dgm:pt modelId="{C2BDCCFD-A3DD-47E4-B0F1-7088FBEA944B}" type="pres">
       <dgm:prSet presAssocID="{40B239C4-28FD-4786-82E1-CE8964C229EE}" presName="bgRectTx" presStyleLbl="bgShp" presStyleIdx="2" presStyleCnt="3">
@@ -1448,41 +1575,48 @@
         </dgm:presLayoutVars>
       </dgm:prSet>
       <dgm:spPr/>
+      <dgm:t>
+        <a:bodyPr/>
+        <a:lstStyle/>
+        <a:p>
+          <a:endParaRPr lang="en-GB"/>
+        </a:p>
+      </dgm:t>
     </dgm:pt>
   </dgm:ptLst>
   <dgm:cxnLst>
+    <dgm:cxn modelId="{14693F1D-CBA9-4AFF-BA55-36CF0CFF8783}" type="presOf" srcId="{645A7BD1-820A-4A94-85C9-51CAE17DD8BD}" destId="{304546B6-6368-477C-9454-99808B6E531D}" srcOrd="0" destOrd="0" presId="urn:microsoft.com/office/officeart/2005/8/layout/hierarchy5"/>
+    <dgm:cxn modelId="{29DC4A53-8ADF-4224-A6B7-81473E76D3A5}" srcId="{13558860-2432-4B23-A59D-A5A5E1E91322}" destId="{9B364363-80C2-4ED6-9A5E-D57780958CBF}" srcOrd="0" destOrd="0" parTransId="{29D0DE6F-62F6-4234-8A17-F0F949D6F6F2}" sibTransId="{A8236A71-C4D9-4D99-A691-F15327725F34}"/>
+    <dgm:cxn modelId="{D0FEBC03-D910-4BEE-9EE8-A6ACEF3EB712}" type="presOf" srcId="{64202AC5-7621-4BEA-A4C3-4346A3B76C60}" destId="{22CFCC7D-D6FB-49DD-BAD7-8A4B586ECB8D}" srcOrd="0" destOrd="0" presId="urn:microsoft.com/office/officeart/2005/8/layout/hierarchy5"/>
+    <dgm:cxn modelId="{37C6713E-DE14-43D1-9ED4-5AA8D0BFEED6}" type="presOf" srcId="{29D0DE6F-62F6-4234-8A17-F0F949D6F6F2}" destId="{C3AA3DF1-7072-4B04-A0D9-3CC73D165D16}" srcOrd="0" destOrd="0" presId="urn:microsoft.com/office/officeart/2005/8/layout/hierarchy5"/>
+    <dgm:cxn modelId="{76B536AD-64B2-4A27-9143-2F07A099080B}" type="presOf" srcId="{D97AAC04-45EB-4D63-A223-94B3DDD4B6F7}" destId="{FA50A609-1686-4EE3-B1D8-0823ED3BF084}" srcOrd="0" destOrd="0" presId="urn:microsoft.com/office/officeart/2005/8/layout/hierarchy5"/>
+    <dgm:cxn modelId="{20817D41-D9C3-464F-83EE-04655CD6DCFA}" type="presOf" srcId="{FD3216D4-CB88-4730-BBB1-718B00152892}" destId="{BF3AFFA4-062F-48CF-AB2D-DEA96162F64A}" srcOrd="1" destOrd="0" presId="urn:microsoft.com/office/officeart/2005/8/layout/hierarchy5"/>
+    <dgm:cxn modelId="{B6B46424-BAC5-43DF-B218-92C8166D3C9A}" srcId="{64202AC5-7621-4BEA-A4C3-4346A3B76C60}" destId="{40B239C4-28FD-4786-82E1-CE8964C229EE}" srcOrd="3" destOrd="0" parTransId="{960179C2-2CB0-4855-B2D8-756AABAA4C52}" sibTransId="{8FFA6799-5F63-4CE2-8037-BE225643027C}"/>
+    <dgm:cxn modelId="{95056C6F-94E8-4185-8118-20608CD79E6A}" srcId="{645A7BD1-820A-4A94-85C9-51CAE17DD8BD}" destId="{22665F06-27B5-4CFC-998E-1AA885C93314}" srcOrd="0" destOrd="0" parTransId="{D316DFA6-D15C-4369-8C33-424E939B0BC7}" sibTransId="{0513C8A6-1ABE-4268-A980-D05EF606D529}"/>
+    <dgm:cxn modelId="{44F6E36A-3734-4773-80A2-44DAE5750674}" type="presOf" srcId="{D316DFA6-D15C-4369-8C33-424E939B0BC7}" destId="{BC20CA0E-A358-4DE7-B27D-F4C540E72D4F}" srcOrd="1" destOrd="0" presId="urn:microsoft.com/office/officeart/2005/8/layout/hierarchy5"/>
+    <dgm:cxn modelId="{4487CC81-177D-4ED5-9528-82AC1DB30DFD}" type="presOf" srcId="{9B364363-80C2-4ED6-9A5E-D57780958CBF}" destId="{E44DFEB6-D973-460F-AC4F-40368BFA49D2}" srcOrd="0" destOrd="0" presId="urn:microsoft.com/office/officeart/2005/8/layout/hierarchy5"/>
+    <dgm:cxn modelId="{B475F859-D147-45B8-AD26-6E70AA8F727E}" type="presOf" srcId="{596AB4A6-0F1A-4023-B6EF-8E441759BDB0}" destId="{8E119355-392E-4C42-8A78-F0AE50F9CF16}" srcOrd="1" destOrd="0" presId="urn:microsoft.com/office/officeart/2005/8/layout/hierarchy5"/>
+    <dgm:cxn modelId="{17BAD398-96CC-441A-B91E-07A303A91401}" type="presOf" srcId="{FD3216D4-CB88-4730-BBB1-718B00152892}" destId="{5479C08E-D141-4414-A115-E442B60FEC4D}" srcOrd="0" destOrd="0" presId="urn:microsoft.com/office/officeart/2005/8/layout/hierarchy5"/>
+    <dgm:cxn modelId="{5017BEC3-AC64-4EDE-B12D-A0A8A6795EDE}" type="presOf" srcId="{73524CFE-BD8B-481D-AB6A-6C5DF6C9E4E1}" destId="{2FFE2959-7013-4275-97FE-0D718B9603CE}" srcOrd="0" destOrd="0" presId="urn:microsoft.com/office/officeart/2005/8/layout/hierarchy5"/>
+    <dgm:cxn modelId="{861A73F0-B450-4A39-9A1E-A17C17040A30}" srcId="{C91BAFB5-A6D7-454D-B4E8-165A4961C2A8}" destId="{13558860-2432-4B23-A59D-A5A5E1E91322}" srcOrd="1" destOrd="0" parTransId="{AB3699B2-8561-454A-806E-9D089908F7A6}" sibTransId="{A166CA5E-FBD0-4829-A076-940288435130}"/>
+    <dgm:cxn modelId="{6191B307-4B73-4EF6-975C-10F3D58CF978}" type="presOf" srcId="{29D0DE6F-62F6-4234-8A17-F0F949D6F6F2}" destId="{27276609-32E0-4F2A-844A-06268B023994}" srcOrd="1" destOrd="0" presId="urn:microsoft.com/office/officeart/2005/8/layout/hierarchy5"/>
+    <dgm:cxn modelId="{C8E7F9D9-E56A-4C4F-B750-036B2C4BE301}" type="presOf" srcId="{AB3699B2-8561-454A-806E-9D089908F7A6}" destId="{8373141E-6E89-469C-8C2C-2222A4818AE9}" srcOrd="0" destOrd="0" presId="urn:microsoft.com/office/officeart/2005/8/layout/hierarchy5"/>
+    <dgm:cxn modelId="{5D65786B-885B-4C67-A61C-7844AA5E0644}" srcId="{64202AC5-7621-4BEA-A4C3-4346A3B76C60}" destId="{D97AAC04-45EB-4D63-A223-94B3DDD4B6F7}" srcOrd="1" destOrd="0" parTransId="{E3563EDF-AC43-4A88-ADE7-D070FBD5F31A}" sibTransId="{28D6891D-24BA-4D80-8DFC-A51E7D608B49}"/>
+    <dgm:cxn modelId="{0AC9E053-DDA5-4078-BCA3-2EB54D43ABA7}" type="presOf" srcId="{40B239C4-28FD-4786-82E1-CE8964C229EE}" destId="{A6150320-98F9-427D-850C-EF89B9801654}" srcOrd="0" destOrd="0" presId="urn:microsoft.com/office/officeart/2005/8/layout/hierarchy5"/>
+    <dgm:cxn modelId="{015DE5E7-8979-44BD-97FE-EE1FEAD7F829}" type="presOf" srcId="{C91BAFB5-A6D7-454D-B4E8-165A4961C2A8}" destId="{216E6CCD-2C2C-4AEE-BD07-0696D423DD9F}" srcOrd="0" destOrd="0" presId="urn:microsoft.com/office/officeart/2005/8/layout/hierarchy5"/>
+    <dgm:cxn modelId="{610E928D-B2BB-4A62-9A73-A59DAE06099E}" srcId="{645A7BD1-820A-4A94-85C9-51CAE17DD8BD}" destId="{73524CFE-BD8B-481D-AB6A-6C5DF6C9E4E1}" srcOrd="1" destOrd="0" parTransId="{BC01E95B-D8A1-4016-A1FF-2DB86A3D319D}" sibTransId="{798DF8A6-D1BA-4602-98C0-C3428D5E596C}"/>
+    <dgm:cxn modelId="{A2B5DA7A-536E-49FC-A6E6-182D14F8BEB1}" srcId="{C91BAFB5-A6D7-454D-B4E8-165A4961C2A8}" destId="{645A7BD1-820A-4A94-85C9-51CAE17DD8BD}" srcOrd="0" destOrd="0" parTransId="{FD3216D4-CB88-4730-BBB1-718B00152892}" sibTransId="{BC56E52A-C754-4F3E-956C-D0A4491BD03D}"/>
+    <dgm:cxn modelId="{647B2205-FB1C-4C52-819A-4FC0CFF64975}" type="presOf" srcId="{D316DFA6-D15C-4369-8C33-424E939B0BC7}" destId="{934B9D86-16B3-4B0B-9A7D-A424E84E9540}" srcOrd="0" destOrd="0" presId="urn:microsoft.com/office/officeart/2005/8/layout/hierarchy5"/>
+    <dgm:cxn modelId="{7D65430C-C2D5-4D81-BB09-0BAA5133F742}" type="presOf" srcId="{22665F06-27B5-4CFC-998E-1AA885C93314}" destId="{A4E9D010-33E6-4695-896B-B387183646F7}" srcOrd="0" destOrd="0" presId="urn:microsoft.com/office/officeart/2005/8/layout/hierarchy5"/>
+    <dgm:cxn modelId="{5E44B950-B740-49F6-AA7D-FDE17DA603B3}" type="presOf" srcId="{D97AAC04-45EB-4D63-A223-94B3DDD4B6F7}" destId="{4C2EF9B0-CFB7-43C7-A9B1-7059A05BE40D}" srcOrd="1" destOrd="0" presId="urn:microsoft.com/office/officeart/2005/8/layout/hierarchy5"/>
+    <dgm:cxn modelId="{F88EBC0C-F61B-4C15-A927-9A1039E3F90A}" type="presOf" srcId="{BC01E95B-D8A1-4016-A1FF-2DB86A3D319D}" destId="{35695188-4D5E-4DC3-8F92-104BAF725286}" srcOrd="0" destOrd="0" presId="urn:microsoft.com/office/officeart/2005/8/layout/hierarchy5"/>
+    <dgm:cxn modelId="{6A4588BD-1F34-4726-B6EC-02C8C5F3052E}" type="presOf" srcId="{40B239C4-28FD-4786-82E1-CE8964C229EE}" destId="{C2BDCCFD-A3DD-47E4-B0F1-7088FBEA944B}" srcOrd="1" destOrd="0" presId="urn:microsoft.com/office/officeart/2005/8/layout/hierarchy5"/>
+    <dgm:cxn modelId="{26408113-CC49-485D-85E7-3B0F069DA9A0}" srcId="{64202AC5-7621-4BEA-A4C3-4346A3B76C60}" destId="{C91BAFB5-A6D7-454D-B4E8-165A4961C2A8}" srcOrd="0" destOrd="0" parTransId="{65699593-C987-4A39-82B9-6F49FE2FDDF9}" sibTransId="{9A537FD6-0CC6-4E77-B06A-3950548C9465}"/>
+    <dgm:cxn modelId="{83A011F0-7CCF-46CA-B586-32A76EB4D608}" type="presOf" srcId="{13558860-2432-4B23-A59D-A5A5E1E91322}" destId="{ADE5334B-5F7D-4014-85B2-3ADEB4103056}" srcOrd="0" destOrd="0" presId="urn:microsoft.com/office/officeart/2005/8/layout/hierarchy5"/>
+    <dgm:cxn modelId="{D4110127-E291-4596-B532-97D07B476D33}" type="presOf" srcId="{AB3699B2-8561-454A-806E-9D089908F7A6}" destId="{857A7D8A-0AA1-403A-AB2E-7E94CA1880A6}" srcOrd="1" destOrd="0" presId="urn:microsoft.com/office/officeart/2005/8/layout/hierarchy5"/>
+    <dgm:cxn modelId="{523A9E7C-0D27-4710-A790-D0D8EF49DA26}" srcId="{64202AC5-7621-4BEA-A4C3-4346A3B76C60}" destId="{596AB4A6-0F1A-4023-B6EF-8E441759BDB0}" srcOrd="2" destOrd="0" parTransId="{BE8D69FA-26A0-4589-900B-80E515675091}" sibTransId="{FB79C6AC-2F32-4EE1-8518-17257CF4449D}"/>
     <dgm:cxn modelId="{BBB180CA-7879-4CC2-8BB0-941F248AE749}" type="presOf" srcId="{596AB4A6-0F1A-4023-B6EF-8E441759BDB0}" destId="{5FDB450B-16BA-49B2-B9A1-8D77E23EE14C}" srcOrd="0" destOrd="0" presId="urn:microsoft.com/office/officeart/2005/8/layout/hierarchy5"/>
-    <dgm:cxn modelId="{B475F859-D147-45B8-AD26-6E70AA8F727E}" type="presOf" srcId="{596AB4A6-0F1A-4023-B6EF-8E441759BDB0}" destId="{8E119355-392E-4C42-8A78-F0AE50F9CF16}" srcOrd="1" destOrd="0" presId="urn:microsoft.com/office/officeart/2005/8/layout/hierarchy5"/>
-    <dgm:cxn modelId="{5E44B950-B740-49F6-AA7D-FDE17DA603B3}" type="presOf" srcId="{D97AAC04-45EB-4D63-A223-94B3DDD4B6F7}" destId="{4C2EF9B0-CFB7-43C7-A9B1-7059A05BE40D}" srcOrd="1" destOrd="0" presId="urn:microsoft.com/office/officeart/2005/8/layout/hierarchy5"/>
-    <dgm:cxn modelId="{523A9E7C-0D27-4710-A790-D0D8EF49DA26}" srcId="{64202AC5-7621-4BEA-A4C3-4346A3B76C60}" destId="{596AB4A6-0F1A-4023-B6EF-8E441759BDB0}" srcOrd="2" destOrd="0" parTransId="{BE8D69FA-26A0-4589-900B-80E515675091}" sibTransId="{FB79C6AC-2F32-4EE1-8518-17257CF4449D}"/>
-    <dgm:cxn modelId="{17BAD398-96CC-441A-B91E-07A303A91401}" type="presOf" srcId="{FD3216D4-CB88-4730-BBB1-718B00152892}" destId="{5479C08E-D141-4414-A115-E442B60FEC4D}" srcOrd="0" destOrd="0" presId="urn:microsoft.com/office/officeart/2005/8/layout/hierarchy5"/>
-    <dgm:cxn modelId="{861A73F0-B450-4A39-9A1E-A17C17040A30}" srcId="{C91BAFB5-A6D7-454D-B4E8-165A4961C2A8}" destId="{13558860-2432-4B23-A59D-A5A5E1E91322}" srcOrd="1" destOrd="0" parTransId="{AB3699B2-8561-454A-806E-9D089908F7A6}" sibTransId="{A166CA5E-FBD0-4829-A076-940288435130}"/>
-    <dgm:cxn modelId="{95056C6F-94E8-4185-8118-20608CD79E6A}" srcId="{645A7BD1-820A-4A94-85C9-51CAE17DD8BD}" destId="{22665F06-27B5-4CFC-998E-1AA885C93314}" srcOrd="0" destOrd="0" parTransId="{D316DFA6-D15C-4369-8C33-424E939B0BC7}" sibTransId="{0513C8A6-1ABE-4268-A980-D05EF606D529}"/>
-    <dgm:cxn modelId="{D4110127-E291-4596-B532-97D07B476D33}" type="presOf" srcId="{AB3699B2-8561-454A-806E-9D089908F7A6}" destId="{857A7D8A-0AA1-403A-AB2E-7E94CA1880A6}" srcOrd="1" destOrd="0" presId="urn:microsoft.com/office/officeart/2005/8/layout/hierarchy5"/>
-    <dgm:cxn modelId="{14693F1D-CBA9-4AFF-BA55-36CF0CFF8783}" type="presOf" srcId="{645A7BD1-820A-4A94-85C9-51CAE17DD8BD}" destId="{304546B6-6368-477C-9454-99808B6E531D}" srcOrd="0" destOrd="0" presId="urn:microsoft.com/office/officeart/2005/8/layout/hierarchy5"/>
-    <dgm:cxn modelId="{C8E7F9D9-E56A-4C4F-B750-036B2C4BE301}" type="presOf" srcId="{AB3699B2-8561-454A-806E-9D089908F7A6}" destId="{8373141E-6E89-469C-8C2C-2222A4818AE9}" srcOrd="0" destOrd="0" presId="urn:microsoft.com/office/officeart/2005/8/layout/hierarchy5"/>
-    <dgm:cxn modelId="{6A4588BD-1F34-4726-B6EC-02C8C5F3052E}" type="presOf" srcId="{40B239C4-28FD-4786-82E1-CE8964C229EE}" destId="{C2BDCCFD-A3DD-47E4-B0F1-7088FBEA944B}" srcOrd="1" destOrd="0" presId="urn:microsoft.com/office/officeart/2005/8/layout/hierarchy5"/>
-    <dgm:cxn modelId="{647B2205-FB1C-4C52-819A-4FC0CFF64975}" type="presOf" srcId="{D316DFA6-D15C-4369-8C33-424E939B0BC7}" destId="{934B9D86-16B3-4B0B-9A7D-A424E84E9540}" srcOrd="0" destOrd="0" presId="urn:microsoft.com/office/officeart/2005/8/layout/hierarchy5"/>
-    <dgm:cxn modelId="{A2B5DA7A-536E-49FC-A6E6-182D14F8BEB1}" srcId="{C91BAFB5-A6D7-454D-B4E8-165A4961C2A8}" destId="{645A7BD1-820A-4A94-85C9-51CAE17DD8BD}" srcOrd="0" destOrd="0" parTransId="{FD3216D4-CB88-4730-BBB1-718B00152892}" sibTransId="{BC56E52A-C754-4F3E-956C-D0A4491BD03D}"/>
-    <dgm:cxn modelId="{76B536AD-64B2-4A27-9143-2F07A099080B}" type="presOf" srcId="{D97AAC04-45EB-4D63-A223-94B3DDD4B6F7}" destId="{FA50A609-1686-4EE3-B1D8-0823ED3BF084}" srcOrd="0" destOrd="0" presId="urn:microsoft.com/office/officeart/2005/8/layout/hierarchy5"/>
-    <dgm:cxn modelId="{610E928D-B2BB-4A62-9A73-A59DAE06099E}" srcId="{645A7BD1-820A-4A94-85C9-51CAE17DD8BD}" destId="{73524CFE-BD8B-481D-AB6A-6C5DF6C9E4E1}" srcOrd="1" destOrd="0" parTransId="{BC01E95B-D8A1-4016-A1FF-2DB86A3D319D}" sibTransId="{798DF8A6-D1BA-4602-98C0-C3428D5E596C}"/>
-    <dgm:cxn modelId="{5D65786B-885B-4C67-A61C-7844AA5E0644}" srcId="{64202AC5-7621-4BEA-A4C3-4346A3B76C60}" destId="{D97AAC04-45EB-4D63-A223-94B3DDD4B6F7}" srcOrd="1" destOrd="0" parTransId="{E3563EDF-AC43-4A88-ADE7-D070FBD5F31A}" sibTransId="{28D6891D-24BA-4D80-8DFC-A51E7D608B49}"/>
-    <dgm:cxn modelId="{5017BEC3-AC64-4EDE-B12D-A0A8A6795EDE}" type="presOf" srcId="{73524CFE-BD8B-481D-AB6A-6C5DF6C9E4E1}" destId="{2FFE2959-7013-4275-97FE-0D718B9603CE}" srcOrd="0" destOrd="0" presId="urn:microsoft.com/office/officeart/2005/8/layout/hierarchy5"/>
-    <dgm:cxn modelId="{0AC9E053-DDA5-4078-BCA3-2EB54D43ABA7}" type="presOf" srcId="{40B239C4-28FD-4786-82E1-CE8964C229EE}" destId="{A6150320-98F9-427D-850C-EF89B9801654}" srcOrd="0" destOrd="0" presId="urn:microsoft.com/office/officeart/2005/8/layout/hierarchy5"/>
-    <dgm:cxn modelId="{20817D41-D9C3-464F-83EE-04655CD6DCFA}" type="presOf" srcId="{FD3216D4-CB88-4730-BBB1-718B00152892}" destId="{BF3AFFA4-062F-48CF-AB2D-DEA96162F64A}" srcOrd="1" destOrd="0" presId="urn:microsoft.com/office/officeart/2005/8/layout/hierarchy5"/>
-    <dgm:cxn modelId="{26408113-CC49-485D-85E7-3B0F069DA9A0}" srcId="{64202AC5-7621-4BEA-A4C3-4346A3B76C60}" destId="{C91BAFB5-A6D7-454D-B4E8-165A4961C2A8}" srcOrd="0" destOrd="0" parTransId="{65699593-C987-4A39-82B9-6F49FE2FDDF9}" sibTransId="{9A537FD6-0CC6-4E77-B06A-3950548C9465}"/>
     <dgm:cxn modelId="{3545FFE3-3569-405B-A413-090C58D073DD}" type="presOf" srcId="{BC01E95B-D8A1-4016-A1FF-2DB86A3D319D}" destId="{D7E578AC-26C7-4AC2-BC78-B7F1D9A07984}" srcOrd="1" destOrd="0" presId="urn:microsoft.com/office/officeart/2005/8/layout/hierarchy5"/>
-    <dgm:cxn modelId="{83A011F0-7CCF-46CA-B586-32A76EB4D608}" type="presOf" srcId="{13558860-2432-4B23-A59D-A5A5E1E91322}" destId="{ADE5334B-5F7D-4014-85B2-3ADEB4103056}" srcOrd="0" destOrd="0" presId="urn:microsoft.com/office/officeart/2005/8/layout/hierarchy5"/>
-    <dgm:cxn modelId="{29DC4A53-8ADF-4224-A6B7-81473E76D3A5}" srcId="{13558860-2432-4B23-A59D-A5A5E1E91322}" destId="{9B364363-80C2-4ED6-9A5E-D57780958CBF}" srcOrd="0" destOrd="0" parTransId="{29D0DE6F-62F6-4234-8A17-F0F949D6F6F2}" sibTransId="{A8236A71-C4D9-4D99-A691-F15327725F34}"/>
-    <dgm:cxn modelId="{44F6E36A-3734-4773-80A2-44DAE5750674}" type="presOf" srcId="{D316DFA6-D15C-4369-8C33-424E939B0BC7}" destId="{BC20CA0E-A358-4DE7-B27D-F4C540E72D4F}" srcOrd="1" destOrd="0" presId="urn:microsoft.com/office/officeart/2005/8/layout/hierarchy5"/>
-    <dgm:cxn modelId="{015DE5E7-8979-44BD-97FE-EE1FEAD7F829}" type="presOf" srcId="{C91BAFB5-A6D7-454D-B4E8-165A4961C2A8}" destId="{216E6CCD-2C2C-4AEE-BD07-0696D423DD9F}" srcOrd="0" destOrd="0" presId="urn:microsoft.com/office/officeart/2005/8/layout/hierarchy5"/>
-    <dgm:cxn modelId="{6191B307-4B73-4EF6-975C-10F3D58CF978}" type="presOf" srcId="{29D0DE6F-62F6-4234-8A17-F0F949D6F6F2}" destId="{27276609-32E0-4F2A-844A-06268B023994}" srcOrd="1" destOrd="0" presId="urn:microsoft.com/office/officeart/2005/8/layout/hierarchy5"/>
-    <dgm:cxn modelId="{37C6713E-DE14-43D1-9ED4-5AA8D0BFEED6}" type="presOf" srcId="{29D0DE6F-62F6-4234-8A17-F0F949D6F6F2}" destId="{C3AA3DF1-7072-4B04-A0D9-3CC73D165D16}" srcOrd="0" destOrd="0" presId="urn:microsoft.com/office/officeart/2005/8/layout/hierarchy5"/>
-    <dgm:cxn modelId="{D0FEBC03-D910-4BEE-9EE8-A6ACEF3EB712}" type="presOf" srcId="{64202AC5-7621-4BEA-A4C3-4346A3B76C60}" destId="{22CFCC7D-D6FB-49DD-BAD7-8A4B586ECB8D}" srcOrd="0" destOrd="0" presId="urn:microsoft.com/office/officeart/2005/8/layout/hierarchy5"/>
-    <dgm:cxn modelId="{4487CC81-177D-4ED5-9528-82AC1DB30DFD}" type="presOf" srcId="{9B364363-80C2-4ED6-9A5E-D57780958CBF}" destId="{E44DFEB6-D973-460F-AC4F-40368BFA49D2}" srcOrd="0" destOrd="0" presId="urn:microsoft.com/office/officeart/2005/8/layout/hierarchy5"/>
-    <dgm:cxn modelId="{7D65430C-C2D5-4D81-BB09-0BAA5133F742}" type="presOf" srcId="{22665F06-27B5-4CFC-998E-1AA885C93314}" destId="{A4E9D010-33E6-4695-896B-B387183646F7}" srcOrd="0" destOrd="0" presId="urn:microsoft.com/office/officeart/2005/8/layout/hierarchy5"/>
-    <dgm:cxn modelId="{F88EBC0C-F61B-4C15-A927-9A1039E3F90A}" type="presOf" srcId="{BC01E95B-D8A1-4016-A1FF-2DB86A3D319D}" destId="{35695188-4D5E-4DC3-8F92-104BAF725286}" srcOrd="0" destOrd="0" presId="urn:microsoft.com/office/officeart/2005/8/layout/hierarchy5"/>
-    <dgm:cxn modelId="{B6B46424-BAC5-43DF-B218-92C8166D3C9A}" srcId="{64202AC5-7621-4BEA-A4C3-4346A3B76C60}" destId="{40B239C4-28FD-4786-82E1-CE8964C229EE}" srcOrd="3" destOrd="0" parTransId="{960179C2-2CB0-4855-B2D8-756AABAA4C52}" sibTransId="{8FFA6799-5F63-4CE2-8037-BE225643027C}"/>
     <dgm:cxn modelId="{2D39F1D5-7BFB-4C2B-9F32-C67995A5BD1A}" type="presParOf" srcId="{22CFCC7D-D6FB-49DD-BAD7-8A4B586ECB8D}" destId="{56144D66-FB86-45AE-A33A-E9F7D053D5EE}" srcOrd="0" destOrd="0" presId="urn:microsoft.com/office/officeart/2005/8/layout/hierarchy5"/>
     <dgm:cxn modelId="{F5E58AD8-6901-45D6-B3DF-094FA00165F6}" type="presParOf" srcId="{56144D66-FB86-45AE-A33A-E9F7D053D5EE}" destId="{32912E5B-8F6B-4581-8516-3616DAC2F968}" srcOrd="0" destOrd="0" presId="urn:microsoft.com/office/officeart/2005/8/layout/hierarchy5"/>
     <dgm:cxn modelId="{C9CDA642-8A59-4F6A-8C77-F76E00AB706F}" type="presParOf" srcId="{56144D66-FB86-45AE-A33A-E9F7D053D5EE}" destId="{C95A114C-3D57-488B-925D-9DE5209E6E39}" srcOrd="1" destOrd="0" presId="urn:microsoft.com/office/officeart/2005/8/layout/hierarchy5"/>
@@ -4380,7 +4514,7 @@
           <a:p>
             <a:fld id="{3DB8CEA6-1520-4954-BE6B-D9A89136BDDD}" type="datetimeFigureOut">
               <a:rPr lang="en-GB" smtClean="0"/>
-              <a:t>28/11/2015</a:t>
+              <a:t>29/12/2015</a:t>
             </a:fld>
             <a:endParaRPr lang="en-GB"/>
           </a:p>
@@ -4550,7 +4684,7 @@
           <a:p>
             <a:fld id="{3DB8CEA6-1520-4954-BE6B-D9A89136BDDD}" type="datetimeFigureOut">
               <a:rPr lang="en-GB" smtClean="0"/>
-              <a:t>28/11/2015</a:t>
+              <a:t>29/12/2015</a:t>
             </a:fld>
             <a:endParaRPr lang="en-GB"/>
           </a:p>
@@ -4730,7 +4864,7 @@
           <a:p>
             <a:fld id="{3DB8CEA6-1520-4954-BE6B-D9A89136BDDD}" type="datetimeFigureOut">
               <a:rPr lang="en-GB" smtClean="0"/>
-              <a:t>28/11/2015</a:t>
+              <a:t>29/12/2015</a:t>
             </a:fld>
             <a:endParaRPr lang="en-GB"/>
           </a:p>
@@ -4900,7 +5034,7 @@
           <a:p>
             <a:fld id="{3DB8CEA6-1520-4954-BE6B-D9A89136BDDD}" type="datetimeFigureOut">
               <a:rPr lang="en-GB" smtClean="0"/>
-              <a:t>28/11/2015</a:t>
+              <a:t>29/12/2015</a:t>
             </a:fld>
             <a:endParaRPr lang="en-GB"/>
           </a:p>
@@ -5146,7 +5280,7 @@
           <a:p>
             <a:fld id="{3DB8CEA6-1520-4954-BE6B-D9A89136BDDD}" type="datetimeFigureOut">
               <a:rPr lang="en-GB" smtClean="0"/>
-              <a:t>28/11/2015</a:t>
+              <a:t>29/12/2015</a:t>
             </a:fld>
             <a:endParaRPr lang="en-GB"/>
           </a:p>
@@ -5378,7 +5512,7 @@
           <a:p>
             <a:fld id="{3DB8CEA6-1520-4954-BE6B-D9A89136BDDD}" type="datetimeFigureOut">
               <a:rPr lang="en-GB" smtClean="0"/>
-              <a:t>28/11/2015</a:t>
+              <a:t>29/12/2015</a:t>
             </a:fld>
             <a:endParaRPr lang="en-GB"/>
           </a:p>
@@ -5745,7 +5879,7 @@
           <a:p>
             <a:fld id="{3DB8CEA6-1520-4954-BE6B-D9A89136BDDD}" type="datetimeFigureOut">
               <a:rPr lang="en-GB" smtClean="0"/>
-              <a:t>28/11/2015</a:t>
+              <a:t>29/12/2015</a:t>
             </a:fld>
             <a:endParaRPr lang="en-GB"/>
           </a:p>
@@ -5863,7 +5997,7 @@
           <a:p>
             <a:fld id="{3DB8CEA6-1520-4954-BE6B-D9A89136BDDD}" type="datetimeFigureOut">
               <a:rPr lang="en-GB" smtClean="0"/>
-              <a:t>28/11/2015</a:t>
+              <a:t>29/12/2015</a:t>
             </a:fld>
             <a:endParaRPr lang="en-GB"/>
           </a:p>
@@ -5958,7 +6092,7 @@
           <a:p>
             <a:fld id="{3DB8CEA6-1520-4954-BE6B-D9A89136BDDD}" type="datetimeFigureOut">
               <a:rPr lang="en-GB" smtClean="0"/>
-              <a:t>28/11/2015</a:t>
+              <a:t>29/12/2015</a:t>
             </a:fld>
             <a:endParaRPr lang="en-GB"/>
           </a:p>
@@ -6235,7 +6369,7 @@
           <a:p>
             <a:fld id="{3DB8CEA6-1520-4954-BE6B-D9A89136BDDD}" type="datetimeFigureOut">
               <a:rPr lang="en-GB" smtClean="0"/>
-              <a:t>28/11/2015</a:t>
+              <a:t>29/12/2015</a:t>
             </a:fld>
             <a:endParaRPr lang="en-GB"/>
           </a:p>
@@ -6488,7 +6622,7 @@
           <a:p>
             <a:fld id="{3DB8CEA6-1520-4954-BE6B-D9A89136BDDD}" type="datetimeFigureOut">
               <a:rPr lang="en-GB" smtClean="0"/>
-              <a:t>28/11/2015</a:t>
+              <a:t>29/12/2015</a:t>
             </a:fld>
             <a:endParaRPr lang="en-GB"/>
           </a:p>
@@ -6701,7 +6835,7 @@
           <a:p>
             <a:fld id="{3DB8CEA6-1520-4954-BE6B-D9A89136BDDD}" type="datetimeFigureOut">
               <a:rPr lang="en-GB" smtClean="0"/>
-              <a:t>28/11/2015</a:t>
+              <a:t>29/12/2015</a:t>
             </a:fld>
             <a:endParaRPr lang="en-GB"/>
           </a:p>
@@ -7438,6 +7572,1206 @@
 </file>
 
 <file path=ppt/slides/slide2.xml><?xml version="1.0" encoding="utf-8"?>
+<p:sld xmlns:a="http://schemas.openxmlformats.org/drawingml/2006/main" xmlns:r="http://schemas.openxmlformats.org/officeDocument/2006/relationships" xmlns:p="http://schemas.openxmlformats.org/presentationml/2006/main">
+  <p:cSld>
+    <p:spTree>
+      <p:nvGrpSpPr>
+        <p:cNvPr id="1" name=""/>
+        <p:cNvGrpSpPr/>
+        <p:nvPr/>
+      </p:nvGrpSpPr>
+      <p:grpSpPr>
+        <a:xfrm>
+          <a:off x="0" y="0"/>
+          <a:ext cx="0" cy="0"/>
+          <a:chOff x="0" y="0"/>
+          <a:chExt cx="0" cy="0"/>
+        </a:xfrm>
+      </p:grpSpPr>
+      <p:sp>
+        <p:nvSpPr>
+          <p:cNvPr id="2" name="Oval 1"/>
+          <p:cNvSpPr/>
+          <p:nvPr/>
+        </p:nvSpPr>
+        <p:spPr>
+          <a:xfrm>
+            <a:off x="1716833" y="3769567"/>
+            <a:ext cx="1194320" cy="1194320"/>
+          </a:xfrm>
+          <a:prstGeom prst="ellipse">
+            <a:avLst/>
+          </a:prstGeom>
+          <a:ln w="28575"/>
+        </p:spPr>
+        <p:style>
+          <a:lnRef idx="2">
+            <a:schemeClr val="dk1"/>
+          </a:lnRef>
+          <a:fillRef idx="1">
+            <a:schemeClr val="lt1"/>
+          </a:fillRef>
+          <a:effectRef idx="0">
+            <a:schemeClr val="dk1"/>
+          </a:effectRef>
+          <a:fontRef idx="minor">
+            <a:schemeClr val="dk1"/>
+          </a:fontRef>
+        </p:style>
+        <p:txBody>
+          <a:bodyPr lIns="36000" rIns="36000" rtlCol="0" anchor="ctr"/>
+          <a:lstStyle/>
+          <a:p>
+            <a:pPr algn="ctr"/>
+            <a:r>
+              <a:rPr lang="en-GB" sz="11500" b="1" dirty="0" smtClean="0"/>
+              <a:t>+</a:t>
+            </a:r>
+            <a:endParaRPr lang="en-GB" sz="11500" b="1" dirty="0"/>
+          </a:p>
+        </p:txBody>
+      </p:sp>
+      <p:sp>
+        <p:nvSpPr>
+          <p:cNvPr id="3" name="Flowchart: Summing Junction 2"/>
+          <p:cNvSpPr/>
+          <p:nvPr/>
+        </p:nvSpPr>
+        <p:spPr>
+          <a:xfrm>
+            <a:off x="1231640" y="951723"/>
+            <a:ext cx="671804" cy="671804"/>
+          </a:xfrm>
+          <a:prstGeom prst="flowChartSummingJunction">
+            <a:avLst/>
+          </a:prstGeom>
+          <a:ln w="28575"/>
+        </p:spPr>
+        <p:style>
+          <a:lnRef idx="2">
+            <a:schemeClr val="dk1"/>
+          </a:lnRef>
+          <a:fillRef idx="1">
+            <a:schemeClr val="lt1"/>
+          </a:fillRef>
+          <a:effectRef idx="0">
+            <a:schemeClr val="dk1"/>
+          </a:effectRef>
+          <a:fontRef idx="minor">
+            <a:schemeClr val="dk1"/>
+          </a:fontRef>
+        </p:style>
+        <p:txBody>
+          <a:bodyPr lIns="36000" rIns="36000" rtlCol="0" anchor="ctr"/>
+          <a:lstStyle/>
+          <a:p>
+            <a:pPr algn="ctr"/>
+            <a:endParaRPr lang="en-GB" sz="2800" dirty="0"/>
+          </a:p>
+        </p:txBody>
+      </p:sp>
+      <p:sp>
+        <p:nvSpPr>
+          <p:cNvPr id="4" name="Rectangle 3"/>
+          <p:cNvSpPr/>
+          <p:nvPr/>
+        </p:nvSpPr>
+        <p:spPr>
+          <a:xfrm>
+            <a:off x="3890866" y="830425"/>
+            <a:ext cx="2780522" cy="914400"/>
+          </a:xfrm>
+          <a:prstGeom prst="rect">
+            <a:avLst/>
+          </a:prstGeom>
+          <a:ln w="28575"/>
+        </p:spPr>
+        <p:style>
+          <a:lnRef idx="2">
+            <a:schemeClr val="dk1"/>
+          </a:lnRef>
+          <a:fillRef idx="1">
+            <a:schemeClr val="lt1"/>
+          </a:fillRef>
+          <a:effectRef idx="0">
+            <a:schemeClr val="dk1"/>
+          </a:effectRef>
+          <a:fontRef idx="minor">
+            <a:schemeClr val="dk1"/>
+          </a:fontRef>
+        </p:style>
+        <p:txBody>
+          <a:bodyPr lIns="36000" rIns="36000" rtlCol="0" anchor="ctr"/>
+          <a:lstStyle/>
+          <a:p>
+            <a:pPr algn="ctr"/>
+            <a:r>
+              <a:rPr lang="en-GB" sz="2800" dirty="0" smtClean="0"/>
+              <a:t>Process I</a:t>
+            </a:r>
+            <a:endParaRPr lang="en-GB" sz="2800" dirty="0"/>
+          </a:p>
+        </p:txBody>
+      </p:sp>
+      <p:sp>
+        <p:nvSpPr>
+          <p:cNvPr id="5" name="TextBox 4"/>
+          <p:cNvSpPr txBox="1"/>
+          <p:nvPr/>
+        </p:nvSpPr>
+        <p:spPr>
+          <a:xfrm>
+            <a:off x="1511973" y="1211232"/>
+            <a:ext cx="183311" cy="523220"/>
+          </a:xfrm>
+          <a:prstGeom prst="rect">
+            <a:avLst/>
+          </a:prstGeom>
+          <a:noFill/>
+          <a:ln w="28575">
+            <a:noFill/>
+          </a:ln>
+        </p:spPr>
+        <p:txBody>
+          <a:bodyPr wrap="none" lIns="36000" rIns="36000" rtlCol="0">
+            <a:spAutoFit/>
+          </a:bodyPr>
+          <a:lstStyle/>
+          <a:p>
+            <a:r>
+              <a:rPr lang="en-GB" sz="2800" dirty="0" smtClean="0"/>
+              <a:t>-</a:t>
+            </a:r>
+            <a:endParaRPr lang="en-GB" sz="2800" dirty="0"/>
+          </a:p>
+        </p:txBody>
+      </p:sp>
+      <p:sp>
+        <p:nvSpPr>
+          <p:cNvPr id="6" name="TextBox 5"/>
+          <p:cNvSpPr txBox="1"/>
+          <p:nvPr/>
+        </p:nvSpPr>
+        <p:spPr>
+          <a:xfrm>
+            <a:off x="1251467" y="1045228"/>
+            <a:ext cx="252239" cy="523220"/>
+          </a:xfrm>
+          <a:prstGeom prst="rect">
+            <a:avLst/>
+          </a:prstGeom>
+          <a:noFill/>
+          <a:ln w="28575">
+            <a:noFill/>
+          </a:ln>
+        </p:spPr>
+        <p:txBody>
+          <a:bodyPr wrap="none" lIns="36000" rIns="36000" rtlCol="0">
+            <a:spAutoFit/>
+          </a:bodyPr>
+          <a:lstStyle/>
+          <a:p>
+            <a:r>
+              <a:rPr lang="en-GB" sz="2800" dirty="0" smtClean="0"/>
+              <a:t>+</a:t>
+            </a:r>
+            <a:endParaRPr lang="en-GB" sz="2800" dirty="0"/>
+          </a:p>
+        </p:txBody>
+      </p:sp>
+      <p:sp>
+        <p:nvSpPr>
+          <p:cNvPr id="7" name="Rectangle 6"/>
+          <p:cNvSpPr/>
+          <p:nvPr/>
+        </p:nvSpPr>
+        <p:spPr>
+          <a:xfrm>
+            <a:off x="4124131" y="2295329"/>
+            <a:ext cx="391886" cy="1045029"/>
+          </a:xfrm>
+          <a:prstGeom prst="rect">
+            <a:avLst/>
+          </a:prstGeom>
+          <a:ln w="28575"/>
+        </p:spPr>
+        <p:style>
+          <a:lnRef idx="2">
+            <a:schemeClr val="dk1"/>
+          </a:lnRef>
+          <a:fillRef idx="1">
+            <a:schemeClr val="lt1"/>
+          </a:fillRef>
+          <a:effectRef idx="0">
+            <a:schemeClr val="dk1"/>
+          </a:effectRef>
+          <a:fontRef idx="minor">
+            <a:schemeClr val="dk1"/>
+          </a:fontRef>
+        </p:style>
+        <p:txBody>
+          <a:bodyPr lIns="36000" rIns="36000" rtlCol="0" anchor="ctr"/>
+          <a:lstStyle/>
+          <a:p>
+            <a:pPr algn="ctr"/>
+            <a:r>
+              <a:rPr lang="en-GB" sz="2800" dirty="0" smtClean="0"/>
+              <a:t>h</a:t>
+            </a:r>
+            <a:r>
+              <a:rPr lang="en-GB" sz="2800" baseline="-25000" dirty="0" smtClean="0"/>
+              <a:t>4</a:t>
+            </a:r>
+            <a:endParaRPr lang="en-GB" sz="2800" baseline="-25000" dirty="0"/>
+          </a:p>
+        </p:txBody>
+      </p:sp>
+      <p:sp>
+        <p:nvSpPr>
+          <p:cNvPr id="8" name="Rectangle 7"/>
+          <p:cNvSpPr/>
+          <p:nvPr/>
+        </p:nvSpPr>
+        <p:spPr>
+          <a:xfrm>
+            <a:off x="5085184" y="2295329"/>
+            <a:ext cx="391886" cy="1045029"/>
+          </a:xfrm>
+          <a:prstGeom prst="rect">
+            <a:avLst/>
+          </a:prstGeom>
+          <a:ln w="28575"/>
+        </p:spPr>
+        <p:style>
+          <a:lnRef idx="2">
+            <a:schemeClr val="dk1"/>
+          </a:lnRef>
+          <a:fillRef idx="1">
+            <a:schemeClr val="lt1"/>
+          </a:fillRef>
+          <a:effectRef idx="0">
+            <a:schemeClr val="dk1"/>
+          </a:effectRef>
+          <a:fontRef idx="minor">
+            <a:schemeClr val="dk1"/>
+          </a:fontRef>
+        </p:style>
+        <p:txBody>
+          <a:bodyPr lIns="36000" rIns="36000" rtlCol="0" anchor="ctr"/>
+          <a:lstStyle/>
+          <a:p>
+            <a:pPr algn="ctr"/>
+            <a:r>
+              <a:rPr lang="en-GB" sz="2800" dirty="0" smtClean="0"/>
+              <a:t>h</a:t>
+            </a:r>
+            <a:r>
+              <a:rPr lang="en-GB" sz="2800" baseline="-25000" dirty="0" smtClean="0"/>
+              <a:t>3</a:t>
+            </a:r>
+            <a:endParaRPr lang="en-GB" sz="2800" baseline="-25000" dirty="0"/>
+          </a:p>
+        </p:txBody>
+      </p:sp>
+      <p:sp>
+        <p:nvSpPr>
+          <p:cNvPr id="9" name="Rectangle 8"/>
+          <p:cNvSpPr/>
+          <p:nvPr/>
+        </p:nvSpPr>
+        <p:spPr>
+          <a:xfrm>
+            <a:off x="6111552" y="2295328"/>
+            <a:ext cx="391886" cy="1045029"/>
+          </a:xfrm>
+          <a:prstGeom prst="rect">
+            <a:avLst/>
+          </a:prstGeom>
+          <a:ln w="28575"/>
+        </p:spPr>
+        <p:style>
+          <a:lnRef idx="2">
+            <a:schemeClr val="dk1"/>
+          </a:lnRef>
+          <a:fillRef idx="1">
+            <a:schemeClr val="lt1"/>
+          </a:fillRef>
+          <a:effectRef idx="0">
+            <a:schemeClr val="dk1"/>
+          </a:effectRef>
+          <a:fontRef idx="minor">
+            <a:schemeClr val="dk1"/>
+          </a:fontRef>
+        </p:style>
+        <p:txBody>
+          <a:bodyPr lIns="36000" rIns="36000" rtlCol="0" anchor="ctr"/>
+          <a:lstStyle/>
+          <a:p>
+            <a:pPr algn="ctr"/>
+            <a:r>
+              <a:rPr lang="en-GB" sz="2800" dirty="0" smtClean="0"/>
+              <a:t>h</a:t>
+            </a:r>
+            <a:r>
+              <a:rPr lang="en-GB" sz="2800" baseline="-25000" dirty="0" smtClean="0"/>
+              <a:t>2</a:t>
+            </a:r>
+            <a:endParaRPr lang="en-GB" sz="2800" baseline="-25000" dirty="0"/>
+          </a:p>
+        </p:txBody>
+      </p:sp>
+      <p:sp>
+        <p:nvSpPr>
+          <p:cNvPr id="10" name="Rectangle 9"/>
+          <p:cNvSpPr/>
+          <p:nvPr/>
+        </p:nvSpPr>
+        <p:spPr>
+          <a:xfrm>
+            <a:off x="8322907" y="1772814"/>
+            <a:ext cx="391886" cy="1045029"/>
+          </a:xfrm>
+          <a:prstGeom prst="rect">
+            <a:avLst/>
+          </a:prstGeom>
+          <a:ln w="28575"/>
+        </p:spPr>
+        <p:style>
+          <a:lnRef idx="2">
+            <a:schemeClr val="dk1"/>
+          </a:lnRef>
+          <a:fillRef idx="1">
+            <a:schemeClr val="lt1"/>
+          </a:fillRef>
+          <a:effectRef idx="0">
+            <a:schemeClr val="dk1"/>
+          </a:effectRef>
+          <a:fontRef idx="minor">
+            <a:schemeClr val="dk1"/>
+          </a:fontRef>
+        </p:style>
+        <p:txBody>
+          <a:bodyPr lIns="36000" rIns="36000" rtlCol="0" anchor="ctr"/>
+          <a:lstStyle/>
+          <a:p>
+            <a:pPr algn="ctr"/>
+            <a:r>
+              <a:rPr lang="en-GB" sz="2800" dirty="0" smtClean="0"/>
+              <a:t>h</a:t>
+            </a:r>
+            <a:r>
+              <a:rPr lang="en-GB" sz="2800" baseline="-25000" dirty="0" smtClean="0"/>
+              <a:t>1</a:t>
+            </a:r>
+            <a:endParaRPr lang="en-GB" sz="2800" baseline="-25000" dirty="0"/>
+          </a:p>
+        </p:txBody>
+      </p:sp>
+      <p:cxnSp>
+        <p:nvCxnSpPr>
+          <p:cNvPr id="12" name="Straight Arrow Connector 11"/>
+          <p:cNvCxnSpPr>
+            <a:stCxn id="3" idx="6"/>
+            <a:endCxn id="4" idx="1"/>
+          </p:cNvCxnSpPr>
+          <p:nvPr/>
+        </p:nvCxnSpPr>
+        <p:spPr>
+          <a:xfrm>
+            <a:off x="1903444" y="1287625"/>
+            <a:ext cx="1987422" cy="0"/>
+          </a:xfrm>
+          <a:prstGeom prst="straightConnector1">
+            <a:avLst/>
+          </a:prstGeom>
+          <a:ln w="28575">
+            <a:tailEnd type="triangle"/>
+          </a:ln>
+        </p:spPr>
+        <p:style>
+          <a:lnRef idx="3">
+            <a:schemeClr val="dk1"/>
+          </a:lnRef>
+          <a:fillRef idx="0">
+            <a:schemeClr val="dk1"/>
+          </a:fillRef>
+          <a:effectRef idx="2">
+            <a:schemeClr val="dk1"/>
+          </a:effectRef>
+          <a:fontRef idx="minor">
+            <a:schemeClr val="tx1"/>
+          </a:fontRef>
+        </p:style>
+      </p:cxnSp>
+      <p:cxnSp>
+        <p:nvCxnSpPr>
+          <p:cNvPr id="14" name="Elbow Connector 13"/>
+          <p:cNvCxnSpPr>
+            <a:stCxn id="4" idx="3"/>
+            <a:endCxn id="10" idx="0"/>
+          </p:cNvCxnSpPr>
+          <p:nvPr/>
+        </p:nvCxnSpPr>
+        <p:spPr>
+          <a:xfrm>
+            <a:off x="6671388" y="1287625"/>
+            <a:ext cx="1847462" cy="485189"/>
+          </a:xfrm>
+          <a:prstGeom prst="bentConnector2">
+            <a:avLst/>
+          </a:prstGeom>
+          <a:ln w="28575">
+            <a:tailEnd type="triangle"/>
+          </a:ln>
+        </p:spPr>
+        <p:style>
+          <a:lnRef idx="3">
+            <a:schemeClr val="dk1"/>
+          </a:lnRef>
+          <a:fillRef idx="0">
+            <a:schemeClr val="dk1"/>
+          </a:fillRef>
+          <a:effectRef idx="2">
+            <a:schemeClr val="dk1"/>
+          </a:effectRef>
+          <a:fontRef idx="minor">
+            <a:schemeClr val="tx1"/>
+          </a:fontRef>
+        </p:style>
+      </p:cxnSp>
+      <p:cxnSp>
+        <p:nvCxnSpPr>
+          <p:cNvPr id="16" name="Straight Arrow Connector 15"/>
+          <p:cNvCxnSpPr>
+            <a:endCxn id="7" idx="0"/>
+          </p:cNvCxnSpPr>
+          <p:nvPr/>
+        </p:nvCxnSpPr>
+        <p:spPr>
+          <a:xfrm>
+            <a:off x="4320074" y="1772814"/>
+            <a:ext cx="0" cy="522515"/>
+          </a:xfrm>
+          <a:prstGeom prst="straightConnector1">
+            <a:avLst/>
+          </a:prstGeom>
+          <a:ln w="28575">
+            <a:solidFill>
+              <a:schemeClr val="tx1"/>
+            </a:solidFill>
+            <a:tailEnd type="triangle"/>
+          </a:ln>
+        </p:spPr>
+        <p:style>
+          <a:lnRef idx="1">
+            <a:schemeClr val="accent1"/>
+          </a:lnRef>
+          <a:fillRef idx="0">
+            <a:schemeClr val="accent1"/>
+          </a:fillRef>
+          <a:effectRef idx="0">
+            <a:schemeClr val="accent1"/>
+          </a:effectRef>
+          <a:fontRef idx="minor">
+            <a:schemeClr val="tx1"/>
+          </a:fontRef>
+        </p:style>
+      </p:cxnSp>
+      <p:cxnSp>
+        <p:nvCxnSpPr>
+          <p:cNvPr id="17" name="Straight Arrow Connector 16"/>
+          <p:cNvCxnSpPr/>
+          <p:nvPr/>
+        </p:nvCxnSpPr>
+        <p:spPr>
+          <a:xfrm>
+            <a:off x="5253136" y="1744825"/>
+            <a:ext cx="0" cy="522515"/>
+          </a:xfrm>
+          <a:prstGeom prst="straightConnector1">
+            <a:avLst/>
+          </a:prstGeom>
+          <a:ln w="28575">
+            <a:solidFill>
+              <a:schemeClr val="tx1"/>
+            </a:solidFill>
+            <a:tailEnd type="triangle"/>
+          </a:ln>
+        </p:spPr>
+        <p:style>
+          <a:lnRef idx="1">
+            <a:schemeClr val="accent1"/>
+          </a:lnRef>
+          <a:fillRef idx="0">
+            <a:schemeClr val="accent1"/>
+          </a:fillRef>
+          <a:effectRef idx="0">
+            <a:schemeClr val="accent1"/>
+          </a:effectRef>
+          <a:fontRef idx="minor">
+            <a:schemeClr val="tx1"/>
+          </a:fontRef>
+        </p:style>
+      </p:cxnSp>
+      <p:cxnSp>
+        <p:nvCxnSpPr>
+          <p:cNvPr id="18" name="Straight Arrow Connector 17"/>
+          <p:cNvCxnSpPr/>
+          <p:nvPr/>
+        </p:nvCxnSpPr>
+        <p:spPr>
+          <a:xfrm>
+            <a:off x="6279504" y="1744825"/>
+            <a:ext cx="0" cy="522515"/>
+          </a:xfrm>
+          <a:prstGeom prst="straightConnector1">
+            <a:avLst/>
+          </a:prstGeom>
+          <a:ln w="28575">
+            <a:solidFill>
+              <a:schemeClr val="tx1"/>
+            </a:solidFill>
+            <a:tailEnd type="triangle"/>
+          </a:ln>
+        </p:spPr>
+        <p:style>
+          <a:lnRef idx="1">
+            <a:schemeClr val="accent1"/>
+          </a:lnRef>
+          <a:fillRef idx="0">
+            <a:schemeClr val="accent1"/>
+          </a:fillRef>
+          <a:effectRef idx="0">
+            <a:schemeClr val="accent1"/>
+          </a:effectRef>
+          <a:fontRef idx="minor">
+            <a:schemeClr val="tx1"/>
+          </a:fontRef>
+        </p:style>
+      </p:cxnSp>
+      <p:cxnSp>
+        <p:nvCxnSpPr>
+          <p:cNvPr id="20" name="Elbow Connector 19"/>
+          <p:cNvCxnSpPr>
+            <a:stCxn id="7" idx="2"/>
+            <a:endCxn id="2" idx="7"/>
+          </p:cNvCxnSpPr>
+          <p:nvPr/>
+        </p:nvCxnSpPr>
+        <p:spPr>
+          <a:xfrm rot="5400000">
+            <a:off x="3226106" y="2850502"/>
+            <a:ext cx="604113" cy="1583825"/>
+          </a:xfrm>
+          <a:prstGeom prst="bentConnector3">
+            <a:avLst>
+              <a:gd name="adj1" fmla="val 93246"/>
+            </a:avLst>
+          </a:prstGeom>
+          <a:ln w="28575">
+            <a:solidFill>
+              <a:schemeClr val="tx1"/>
+            </a:solidFill>
+            <a:tailEnd type="triangle"/>
+          </a:ln>
+        </p:spPr>
+        <p:style>
+          <a:lnRef idx="1">
+            <a:schemeClr val="accent1"/>
+          </a:lnRef>
+          <a:fillRef idx="0">
+            <a:schemeClr val="accent1"/>
+          </a:fillRef>
+          <a:effectRef idx="0">
+            <a:schemeClr val="accent1"/>
+          </a:effectRef>
+          <a:fontRef idx="minor">
+            <a:schemeClr val="tx1"/>
+          </a:fontRef>
+        </p:style>
+      </p:cxnSp>
+      <p:cxnSp>
+        <p:nvCxnSpPr>
+          <p:cNvPr id="23" name="Elbow Connector 22"/>
+          <p:cNvCxnSpPr>
+            <a:stCxn id="10" idx="2"/>
+            <a:endCxn id="2" idx="5"/>
+          </p:cNvCxnSpPr>
+          <p:nvPr/>
+        </p:nvCxnSpPr>
+        <p:spPr>
+          <a:xfrm rot="5400000">
+            <a:off x="4641980" y="912113"/>
+            <a:ext cx="1971140" cy="5782601"/>
+          </a:xfrm>
+          <a:prstGeom prst="bentConnector3">
+            <a:avLst>
+              <a:gd name="adj1" fmla="val 101536"/>
+            </a:avLst>
+          </a:prstGeom>
+          <a:ln w="28575">
+            <a:solidFill>
+              <a:schemeClr val="tx1"/>
+            </a:solidFill>
+            <a:tailEnd type="triangle"/>
+          </a:ln>
+        </p:spPr>
+        <p:style>
+          <a:lnRef idx="1">
+            <a:schemeClr val="accent1"/>
+          </a:lnRef>
+          <a:fillRef idx="0">
+            <a:schemeClr val="accent1"/>
+          </a:fillRef>
+          <a:effectRef idx="0">
+            <a:schemeClr val="accent1"/>
+          </a:effectRef>
+          <a:fontRef idx="minor">
+            <a:schemeClr val="tx1"/>
+          </a:fontRef>
+        </p:style>
+      </p:cxnSp>
+      <p:cxnSp>
+        <p:nvCxnSpPr>
+          <p:cNvPr id="26" name="Elbow Connector 25"/>
+          <p:cNvCxnSpPr>
+            <a:stCxn id="9" idx="2"/>
+          </p:cNvCxnSpPr>
+          <p:nvPr/>
+        </p:nvCxnSpPr>
+        <p:spPr>
+          <a:xfrm rot="5400000">
+            <a:off x="3967843" y="2269669"/>
+            <a:ext cx="1268965" cy="3410340"/>
+          </a:xfrm>
+          <a:prstGeom prst="bentConnector2">
+            <a:avLst/>
+          </a:prstGeom>
+          <a:ln w="28575">
+            <a:solidFill>
+              <a:schemeClr val="tx1"/>
+            </a:solidFill>
+            <a:tailEnd type="triangle"/>
+          </a:ln>
+        </p:spPr>
+        <p:style>
+          <a:lnRef idx="1">
+            <a:schemeClr val="accent1"/>
+          </a:lnRef>
+          <a:fillRef idx="0">
+            <a:schemeClr val="accent1"/>
+          </a:fillRef>
+          <a:effectRef idx="0">
+            <a:schemeClr val="accent1"/>
+          </a:effectRef>
+          <a:fontRef idx="minor">
+            <a:schemeClr val="tx1"/>
+          </a:fontRef>
+        </p:style>
+      </p:cxnSp>
+      <p:cxnSp>
+        <p:nvCxnSpPr>
+          <p:cNvPr id="30" name="Elbow Connector 29"/>
+          <p:cNvCxnSpPr>
+            <a:stCxn id="8" idx="2"/>
+          </p:cNvCxnSpPr>
+          <p:nvPr/>
+        </p:nvCxnSpPr>
+        <p:spPr>
+          <a:xfrm rot="5400000">
+            <a:off x="3645937" y="2591576"/>
+            <a:ext cx="886408" cy="2383972"/>
+          </a:xfrm>
+          <a:prstGeom prst="bentConnector2">
+            <a:avLst/>
+          </a:prstGeom>
+          <a:ln w="28575">
+            <a:solidFill>
+              <a:schemeClr val="tx1"/>
+            </a:solidFill>
+            <a:tailEnd type="triangle"/>
+          </a:ln>
+        </p:spPr>
+        <p:style>
+          <a:lnRef idx="1">
+            <a:schemeClr val="accent1"/>
+          </a:lnRef>
+          <a:fillRef idx="0">
+            <a:schemeClr val="accent1"/>
+          </a:fillRef>
+          <a:effectRef idx="0">
+            <a:schemeClr val="accent1"/>
+          </a:effectRef>
+          <a:fontRef idx="minor">
+            <a:schemeClr val="tx1"/>
+          </a:fontRef>
+        </p:style>
+      </p:cxnSp>
+      <p:cxnSp>
+        <p:nvCxnSpPr>
+          <p:cNvPr id="31" name="Straight Arrow Connector 30"/>
+          <p:cNvCxnSpPr/>
+          <p:nvPr/>
+        </p:nvCxnSpPr>
+        <p:spPr>
+          <a:xfrm>
+            <a:off x="514350" y="1296957"/>
+            <a:ext cx="717290" cy="0"/>
+          </a:xfrm>
+          <a:prstGeom prst="straightConnector1">
+            <a:avLst/>
+          </a:prstGeom>
+          <a:ln w="28575">
+            <a:tailEnd type="triangle"/>
+          </a:ln>
+        </p:spPr>
+        <p:style>
+          <a:lnRef idx="3">
+            <a:schemeClr val="dk1"/>
+          </a:lnRef>
+          <a:fillRef idx="0">
+            <a:schemeClr val="dk1"/>
+          </a:fillRef>
+          <a:effectRef idx="2">
+            <a:schemeClr val="dk1"/>
+          </a:effectRef>
+          <a:fontRef idx="minor">
+            <a:schemeClr val="tx1"/>
+          </a:fontRef>
+        </p:style>
+      </p:cxnSp>
+      <p:cxnSp>
+        <p:nvCxnSpPr>
+          <p:cNvPr id="33" name="Elbow Connector 32"/>
+          <p:cNvCxnSpPr>
+            <a:stCxn id="2" idx="2"/>
+          </p:cNvCxnSpPr>
+          <p:nvPr/>
+        </p:nvCxnSpPr>
+        <p:spPr>
+          <a:xfrm rot="10800000">
+            <a:off x="1567543" y="1654173"/>
+            <a:ext cx="149291" cy="2712554"/>
+          </a:xfrm>
+          <a:prstGeom prst="bentConnector2">
+            <a:avLst/>
+          </a:prstGeom>
+          <a:ln w="28575">
+            <a:solidFill>
+              <a:schemeClr val="tx1"/>
+            </a:solidFill>
+            <a:tailEnd type="triangle"/>
+          </a:ln>
+        </p:spPr>
+        <p:style>
+          <a:lnRef idx="1">
+            <a:schemeClr val="accent1"/>
+          </a:lnRef>
+          <a:fillRef idx="0">
+            <a:schemeClr val="accent1"/>
+          </a:fillRef>
+          <a:effectRef idx="0">
+            <a:schemeClr val="accent1"/>
+          </a:effectRef>
+          <a:fontRef idx="minor">
+            <a:schemeClr val="tx1"/>
+          </a:fontRef>
+        </p:style>
+      </p:cxnSp>
+      <p:cxnSp>
+        <p:nvCxnSpPr>
+          <p:cNvPr id="38" name="Straight Arrow Connector 37"/>
+          <p:cNvCxnSpPr/>
+          <p:nvPr/>
+        </p:nvCxnSpPr>
+        <p:spPr>
+          <a:xfrm>
+            <a:off x="8518850" y="1287625"/>
+            <a:ext cx="717290" cy="0"/>
+          </a:xfrm>
+          <a:prstGeom prst="straightConnector1">
+            <a:avLst/>
+          </a:prstGeom>
+          <a:ln w="28575">
+            <a:tailEnd type="triangle"/>
+          </a:ln>
+        </p:spPr>
+        <p:style>
+          <a:lnRef idx="3">
+            <a:schemeClr val="dk1"/>
+          </a:lnRef>
+          <a:fillRef idx="0">
+            <a:schemeClr val="dk1"/>
+          </a:fillRef>
+          <a:effectRef idx="2">
+            <a:schemeClr val="dk1"/>
+          </a:effectRef>
+          <a:fontRef idx="minor">
+            <a:schemeClr val="tx1"/>
+          </a:fontRef>
+        </p:style>
+      </p:cxnSp>
+      <p:sp>
+        <p:nvSpPr>
+          <p:cNvPr id="39" name="TextBox 38"/>
+          <p:cNvSpPr txBox="1"/>
+          <p:nvPr/>
+        </p:nvSpPr>
+        <p:spPr>
+          <a:xfrm>
+            <a:off x="-42842" y="1472842"/>
+            <a:ext cx="1394347" cy="400110"/>
+          </a:xfrm>
+          <a:prstGeom prst="rect">
+            <a:avLst/>
+          </a:prstGeom>
+          <a:noFill/>
+          <a:ln w="28575">
+            <a:noFill/>
+          </a:ln>
+        </p:spPr>
+        <p:txBody>
+          <a:bodyPr wrap="none" lIns="36000" rIns="36000" rtlCol="0">
+            <a:spAutoFit/>
+          </a:bodyPr>
+          <a:lstStyle/>
+          <a:p>
+            <a:r>
+              <a:rPr lang="en-GB" sz="2000" dirty="0" smtClean="0"/>
+              <a:t>Set Point r(t)</a:t>
+            </a:r>
+            <a:endParaRPr lang="en-GB" sz="2000" dirty="0"/>
+          </a:p>
+        </p:txBody>
+      </p:sp>
+      <p:sp>
+        <p:nvSpPr>
+          <p:cNvPr id="40" name="TextBox 39"/>
+          <p:cNvSpPr txBox="1"/>
+          <p:nvPr/>
+        </p:nvSpPr>
+        <p:spPr>
+          <a:xfrm>
+            <a:off x="1935696" y="846900"/>
+            <a:ext cx="1913656" cy="400110"/>
+          </a:xfrm>
+          <a:prstGeom prst="rect">
+            <a:avLst/>
+          </a:prstGeom>
+          <a:noFill/>
+          <a:ln w="28575">
+            <a:noFill/>
+          </a:ln>
+        </p:spPr>
+        <p:txBody>
+          <a:bodyPr wrap="none" lIns="36000" rIns="36000" rtlCol="0">
+            <a:spAutoFit/>
+          </a:bodyPr>
+          <a:lstStyle/>
+          <a:p>
+            <a:r>
+              <a:rPr lang="en-GB" sz="2000" dirty="0" smtClean="0"/>
+              <a:t>Process Input u(t)</a:t>
+            </a:r>
+            <a:endParaRPr lang="en-GB" sz="2000" dirty="0"/>
+          </a:p>
+        </p:txBody>
+      </p:sp>
+      <p:sp>
+        <p:nvSpPr>
+          <p:cNvPr id="41" name="TextBox 40"/>
+          <p:cNvSpPr txBox="1"/>
+          <p:nvPr/>
+        </p:nvSpPr>
+        <p:spPr>
+          <a:xfrm>
+            <a:off x="7938019" y="845173"/>
+            <a:ext cx="1236483" cy="400110"/>
+          </a:xfrm>
+          <a:prstGeom prst="rect">
+            <a:avLst/>
+          </a:prstGeom>
+          <a:noFill/>
+          <a:ln w="28575">
+            <a:noFill/>
+          </a:ln>
+        </p:spPr>
+        <p:txBody>
+          <a:bodyPr wrap="none" lIns="36000" rIns="36000" rtlCol="0">
+            <a:spAutoFit/>
+          </a:bodyPr>
+          <a:lstStyle/>
+          <a:p>
+            <a:pPr algn="ctr"/>
+            <a:r>
+              <a:rPr lang="en-GB" sz="2000" dirty="0" smtClean="0"/>
+              <a:t>Output y(t)</a:t>
+            </a:r>
+            <a:endParaRPr lang="en-GB" sz="2000" dirty="0"/>
+          </a:p>
+        </p:txBody>
+      </p:sp>
+      <p:sp>
+        <p:nvSpPr>
+          <p:cNvPr id="42" name="TextBox 41"/>
+          <p:cNvSpPr txBox="1"/>
+          <p:nvPr/>
+        </p:nvSpPr>
+        <p:spPr>
+          <a:xfrm>
+            <a:off x="1664373" y="1363632"/>
+            <a:ext cx="183311" cy="523220"/>
+          </a:xfrm>
+          <a:prstGeom prst="rect">
+            <a:avLst/>
+          </a:prstGeom>
+          <a:noFill/>
+          <a:ln w="28575">
+            <a:noFill/>
+          </a:ln>
+        </p:spPr>
+        <p:txBody>
+          <a:bodyPr wrap="none" lIns="36000" rIns="36000" rtlCol="0">
+            <a:spAutoFit/>
+          </a:bodyPr>
+          <a:lstStyle/>
+          <a:p>
+            <a:r>
+              <a:rPr lang="en-GB" sz="2800" dirty="0" smtClean="0"/>
+              <a:t>-</a:t>
+            </a:r>
+            <a:endParaRPr lang="en-GB" sz="2800" dirty="0"/>
+          </a:p>
+        </p:txBody>
+      </p:sp>
+      <p:sp>
+        <p:nvSpPr>
+          <p:cNvPr id="43" name="TextBox 42"/>
+          <p:cNvSpPr txBox="1"/>
+          <p:nvPr/>
+        </p:nvSpPr>
+        <p:spPr>
+          <a:xfrm>
+            <a:off x="8658589" y="1368393"/>
+            <a:ext cx="1811962" cy="400110"/>
+          </a:xfrm>
+          <a:prstGeom prst="rect">
+            <a:avLst/>
+          </a:prstGeom>
+          <a:noFill/>
+          <a:ln w="28575">
+            <a:noFill/>
+          </a:ln>
+        </p:spPr>
+        <p:txBody>
+          <a:bodyPr wrap="none" lIns="36000" rIns="36000" rtlCol="0">
+            <a:spAutoFit/>
+          </a:bodyPr>
+          <a:lstStyle/>
+          <a:p>
+            <a:pPr algn="ctr"/>
+            <a:r>
+              <a:rPr lang="en-GB" sz="2000" dirty="0" smtClean="0"/>
+              <a:t>Output is also x</a:t>
+            </a:r>
+            <a:r>
+              <a:rPr lang="en-GB" sz="2000" baseline="-25000" dirty="0" smtClean="0"/>
+              <a:t>1</a:t>
+            </a:r>
+            <a:endParaRPr lang="en-GB" sz="2000" baseline="-25000" dirty="0"/>
+          </a:p>
+        </p:txBody>
+      </p:sp>
+      <p:sp>
+        <p:nvSpPr>
+          <p:cNvPr id="44" name="TextBox 43"/>
+          <p:cNvSpPr txBox="1"/>
+          <p:nvPr/>
+        </p:nvSpPr>
+        <p:spPr>
+          <a:xfrm>
+            <a:off x="7807226" y="1368589"/>
+            <a:ext cx="564826" cy="400110"/>
+          </a:xfrm>
+          <a:prstGeom prst="rect">
+            <a:avLst/>
+          </a:prstGeom>
+          <a:noFill/>
+          <a:ln w="28575">
+            <a:noFill/>
+          </a:ln>
+        </p:spPr>
+        <p:txBody>
+          <a:bodyPr wrap="none" lIns="36000" rIns="36000" rtlCol="0">
+            <a:spAutoFit/>
+          </a:bodyPr>
+          <a:lstStyle/>
+          <a:p>
+            <a:pPr algn="ctr"/>
+            <a:r>
+              <a:rPr lang="en-GB" sz="2000" dirty="0" smtClean="0"/>
+              <a:t>x</a:t>
+            </a:r>
+            <a:r>
+              <a:rPr lang="en-GB" sz="2000" baseline="-25000" dirty="0" smtClean="0"/>
+              <a:t>1(</a:t>
+            </a:r>
+            <a:r>
+              <a:rPr lang="en-GB" sz="2000" dirty="0" smtClean="0"/>
+              <a:t>(t)</a:t>
+            </a:r>
+            <a:endParaRPr lang="en-GB" sz="2000" baseline="-25000" dirty="0"/>
+          </a:p>
+        </p:txBody>
+      </p:sp>
+      <p:sp>
+        <p:nvSpPr>
+          <p:cNvPr id="45" name="TextBox 44"/>
+          <p:cNvSpPr txBox="1"/>
+          <p:nvPr/>
+        </p:nvSpPr>
+        <p:spPr>
+          <a:xfrm>
+            <a:off x="6310409" y="3516689"/>
+            <a:ext cx="564826" cy="400110"/>
+          </a:xfrm>
+          <a:prstGeom prst="rect">
+            <a:avLst/>
+          </a:prstGeom>
+          <a:noFill/>
+          <a:ln w="28575">
+            <a:noFill/>
+          </a:ln>
+        </p:spPr>
+        <p:txBody>
+          <a:bodyPr wrap="none" lIns="36000" rIns="36000" rtlCol="0">
+            <a:spAutoFit/>
+          </a:bodyPr>
+          <a:lstStyle/>
+          <a:p>
+            <a:pPr algn="ctr"/>
+            <a:r>
+              <a:rPr lang="en-GB" sz="2000" dirty="0" smtClean="0"/>
+              <a:t>x</a:t>
+            </a:r>
+            <a:r>
+              <a:rPr lang="en-GB" sz="2000" baseline="-25000" dirty="0" smtClean="0"/>
+              <a:t>2(</a:t>
+            </a:r>
+            <a:r>
+              <a:rPr lang="en-GB" sz="2000" dirty="0" smtClean="0"/>
+              <a:t>(t)</a:t>
+            </a:r>
+            <a:endParaRPr lang="en-GB" sz="2000" baseline="-25000" dirty="0"/>
+          </a:p>
+        </p:txBody>
+      </p:sp>
+      <p:sp>
+        <p:nvSpPr>
+          <p:cNvPr id="46" name="TextBox 45"/>
+          <p:cNvSpPr txBox="1"/>
+          <p:nvPr/>
+        </p:nvSpPr>
+        <p:spPr>
+          <a:xfrm>
+            <a:off x="5339489" y="3544362"/>
+            <a:ext cx="564826" cy="400110"/>
+          </a:xfrm>
+          <a:prstGeom prst="rect">
+            <a:avLst/>
+          </a:prstGeom>
+          <a:noFill/>
+          <a:ln w="28575">
+            <a:noFill/>
+          </a:ln>
+        </p:spPr>
+        <p:txBody>
+          <a:bodyPr wrap="none" lIns="36000" rIns="36000" rtlCol="0">
+            <a:spAutoFit/>
+          </a:bodyPr>
+          <a:lstStyle/>
+          <a:p>
+            <a:pPr algn="ctr"/>
+            <a:r>
+              <a:rPr lang="en-GB" sz="2000" dirty="0" smtClean="0"/>
+              <a:t>x</a:t>
+            </a:r>
+            <a:r>
+              <a:rPr lang="en-GB" sz="2000" baseline="-25000" dirty="0"/>
+              <a:t>3</a:t>
+            </a:r>
+            <a:r>
+              <a:rPr lang="en-GB" sz="2000" baseline="-25000" dirty="0" smtClean="0"/>
+              <a:t>(</a:t>
+            </a:r>
+            <a:r>
+              <a:rPr lang="en-GB" sz="2000" dirty="0" smtClean="0"/>
+              <a:t>(t)</a:t>
+            </a:r>
+            <a:endParaRPr lang="en-GB" sz="2000" baseline="-25000" dirty="0"/>
+          </a:p>
+        </p:txBody>
+      </p:sp>
+      <p:sp>
+        <p:nvSpPr>
+          <p:cNvPr id="47" name="TextBox 46"/>
+          <p:cNvSpPr txBox="1"/>
+          <p:nvPr/>
+        </p:nvSpPr>
+        <p:spPr>
+          <a:xfrm>
+            <a:off x="4452337" y="3544362"/>
+            <a:ext cx="564826" cy="400110"/>
+          </a:xfrm>
+          <a:prstGeom prst="rect">
+            <a:avLst/>
+          </a:prstGeom>
+          <a:noFill/>
+          <a:ln w="28575">
+            <a:noFill/>
+          </a:ln>
+        </p:spPr>
+        <p:txBody>
+          <a:bodyPr wrap="none" lIns="36000" rIns="36000" rtlCol="0">
+            <a:spAutoFit/>
+          </a:bodyPr>
+          <a:lstStyle/>
+          <a:p>
+            <a:pPr algn="ctr"/>
+            <a:r>
+              <a:rPr lang="en-GB" sz="2000" dirty="0" smtClean="0"/>
+              <a:t>x</a:t>
+            </a:r>
+            <a:r>
+              <a:rPr lang="en-GB" sz="2000" baseline="-25000" dirty="0"/>
+              <a:t>4</a:t>
+            </a:r>
+            <a:r>
+              <a:rPr lang="en-GB" sz="2000" baseline="-25000" dirty="0" smtClean="0"/>
+              <a:t>(</a:t>
+            </a:r>
+            <a:r>
+              <a:rPr lang="en-GB" sz="2000" dirty="0" smtClean="0"/>
+              <a:t>(t)</a:t>
+            </a:r>
+            <a:endParaRPr lang="en-GB" sz="2000" baseline="-25000" dirty="0"/>
+          </a:p>
+        </p:txBody>
+      </p:sp>
+    </p:spTree>
+    <p:extLst>
+      <p:ext uri="{BB962C8B-B14F-4D97-AF65-F5344CB8AC3E}">
+        <p14:creationId xmlns:p14="http://schemas.microsoft.com/office/powerpoint/2010/main" val="1322580318"/>
+      </p:ext>
+    </p:extLst>
+  </p:cSld>
+  <p:clrMapOvr>
+    <a:masterClrMapping/>
+  </p:clrMapOvr>
+</p:sld>
+</file>
+
+<file path=ppt/slides/slide3.xml><?xml version="1.0" encoding="utf-8"?>
 <p:sld xmlns:a="http://schemas.openxmlformats.org/drawingml/2006/main" xmlns:r="http://schemas.openxmlformats.org/officeDocument/2006/relationships" xmlns:p="http://schemas.openxmlformats.org/presentationml/2006/main">
   <p:cSld>
     <p:spTree>
